--- a/Bracket.pptx
+++ b/Bracket.pptx
@@ -106,7 +106,64 @@
       </a:defRPr>
     </a:lvl9pPr>
   </p:defaultTextStyle>
+  <p:extLst>
+    <p:ext uri="{EFAFB233-063F-42B5-8137-9DF3F51BA10A}">
+      <p15:sldGuideLst xmlns:p15="http://schemas.microsoft.com/office/powerpoint/2012/main"/>
+    </p:ext>
+  </p:extLst>
 </p:presentation>
+</file>
+
+<file path=ppt/revisionInfo.xml><?xml version="1.0" encoding="utf-8"?>
+<p1510:revInfo xmlns:a="http://schemas.openxmlformats.org/drawingml/2006/main" xmlns:r="http://schemas.openxmlformats.org/officeDocument/2006/relationships" xmlns:p1510="http://schemas.microsoft.com/office/powerpoint/2015/10/main">
+  <p1510:revLst>
+    <p1510:client id="{FC1E8CA4-A29E-465C-A5E2-23D3F82D44AC}" v="5" dt="2023-07-22T02:40:38.104"/>
+  </p1510:revLst>
+</p1510:revInfo>
+</file>
+
+<file path=ppt/changesInfos/changesInfo1.xml><?xml version="1.0" encoding="utf-8"?>
+<pc:chgInfo xmlns:a="http://schemas.openxmlformats.org/drawingml/2006/main" xmlns:r="http://schemas.openxmlformats.org/officeDocument/2006/relationships" xmlns:ac="http://schemas.microsoft.com/office/drawing/2013/main/command" xmlns:pc="http://schemas.microsoft.com/office/powerpoint/2013/main/command">
+  <pc:docChgLst>
+    <pc:chgData name="Gowtham Senthilkumar" userId="7cc18b5ff11cdd95" providerId="LiveId" clId="{FC1E8CA4-A29E-465C-A5E2-23D3F82D44AC}"/>
+    <pc:docChg chg="addSld delSld modSld">
+      <pc:chgData name="Gowtham Senthilkumar" userId="7cc18b5ff11cdd95" providerId="LiveId" clId="{FC1E8CA4-A29E-465C-A5E2-23D3F82D44AC}" dt="2023-07-22T02:40:38.095" v="4"/>
+      <pc:docMkLst>
+        <pc:docMk/>
+      </pc:docMkLst>
+      <pc:sldChg chg="addSp delSp modSp">
+        <pc:chgData name="Gowtham Senthilkumar" userId="7cc18b5ff11cdd95" providerId="LiveId" clId="{FC1E8CA4-A29E-465C-A5E2-23D3F82D44AC}" dt="2023-07-22T02:40:29.617" v="2" actId="1076"/>
+        <pc:sldMkLst>
+          <pc:docMk/>
+          <pc:sldMk cId="3749791475" sldId="258"/>
+        </pc:sldMkLst>
+        <pc:picChg chg="add mod">
+          <ac:chgData name="Gowtham Senthilkumar" userId="7cc18b5ff11cdd95" providerId="LiveId" clId="{FC1E8CA4-A29E-465C-A5E2-23D3F82D44AC}" dt="2023-07-22T02:40:29.617" v="2" actId="1076"/>
+          <ac:picMkLst>
+            <pc:docMk/>
+            <pc:sldMk cId="3749791475" sldId="258"/>
+            <ac:picMk id="16" creationId="{785C5A4F-FC07-C0CA-64ED-7182342E0F3C}"/>
+          </ac:picMkLst>
+        </pc:picChg>
+        <pc:picChg chg="del">
+          <ac:chgData name="Gowtham Senthilkumar" userId="7cc18b5ff11cdd95" providerId="LiveId" clId="{FC1E8CA4-A29E-465C-A5E2-23D3F82D44AC}" dt="2023-07-22T02:40:12.940" v="0" actId="478"/>
+          <ac:picMkLst>
+            <pc:docMk/>
+            <pc:sldMk cId="3749791475" sldId="258"/>
+            <ac:picMk id="57" creationId="{865A1759-1B9D-246E-C474-7601962D5A5E}"/>
+          </ac:picMkLst>
+        </pc:picChg>
+      </pc:sldChg>
+      <pc:sldChg chg="add del">
+        <pc:chgData name="Gowtham Senthilkumar" userId="7cc18b5ff11cdd95" providerId="LiveId" clId="{FC1E8CA4-A29E-465C-A5E2-23D3F82D44AC}" dt="2023-07-22T02:40:38.095" v="4"/>
+        <pc:sldMkLst>
+          <pc:docMk/>
+          <pc:sldMk cId="4211936294" sldId="259"/>
+        </pc:sldMkLst>
+      </pc:sldChg>
+    </pc:docChg>
+  </pc:docChgLst>
+</pc:chgInfo>
 </file>
 
 <file path=ppt/slideLayouts/slideLayout1.xml><?xml version="1.0" encoding="utf-8"?>
@@ -6859,58 +6916,6 @@
       </p:pic>
       <p:pic>
         <p:nvPicPr>
-          <p:cNvPr id="57" name="Picture 26" descr="Flag of the United States - Wikipedia">
-            <a:extLst>
-              <a:ext uri="{FF2B5EF4-FFF2-40B4-BE49-F238E27FC236}">
-                <a16:creationId xmlns:a16="http://schemas.microsoft.com/office/drawing/2014/main" id="{865A1759-1B9D-246E-C474-7601962D5A5E}"/>
-              </a:ext>
-            </a:extLst>
-          </p:cNvPr>
-          <p:cNvPicPr>
-            <a:picLocks noChangeAspect="1" noChangeArrowheads="1"/>
-          </p:cNvPicPr>
-          <p:nvPr/>
-        </p:nvPicPr>
-        <p:blipFill>
-          <a:blip r:embed="rId11">
-            <a:extLst>
-              <a:ext uri="{28A0092B-C50C-407E-A947-70E740481C1C}">
-                <a14:useLocalDpi xmlns:a14="http://schemas.microsoft.com/office/drawing/2010/main" val="0"/>
-              </a:ext>
-            </a:extLst>
-          </a:blip>
-          <a:srcRect/>
-          <a:stretch>
-            <a:fillRect/>
-          </a:stretch>
-        </p:blipFill>
-        <p:spPr bwMode="auto">
-          <a:xfrm>
-            <a:off x="4238006" y="3328286"/>
-            <a:ext cx="1163926" cy="612000"/>
-          </a:xfrm>
-          <a:prstGeom prst="rect">
-            <a:avLst/>
-          </a:prstGeom>
-          <a:noFill/>
-          <a:ln>
-            <a:solidFill>
-              <a:schemeClr val="tx1"/>
-            </a:solidFill>
-          </a:ln>
-          <a:extLst>
-            <a:ext uri="{909E8E84-426E-40DD-AFC4-6F175D3DCCD1}">
-              <a14:hiddenFill xmlns:a14="http://schemas.microsoft.com/office/drawing/2010/main">
-                <a:solidFill>
-                  <a:srgbClr val="FFFFFF"/>
-                </a:solidFill>
-              </a14:hiddenFill>
-            </a:ext>
-          </a:extLst>
-        </p:spPr>
-      </p:pic>
-      <p:pic>
-        <p:nvPicPr>
           <p:cNvPr id="3074" name="Picture 2" descr="Flag of New Zealand - Wikipedia">
             <a:extLst>
               <a:ext uri="{FF2B5EF4-FFF2-40B4-BE49-F238E27FC236}">
@@ -7461,6 +7466,58 @@
           <a:xfrm>
             <a:off x="5561936" y="3341242"/>
             <a:ext cx="1020000" cy="612000"/>
+          </a:xfrm>
+          <a:prstGeom prst="rect">
+            <a:avLst/>
+          </a:prstGeom>
+          <a:noFill/>
+          <a:ln>
+            <a:solidFill>
+              <a:schemeClr val="tx1"/>
+            </a:solidFill>
+          </a:ln>
+          <a:extLst>
+            <a:ext uri="{909E8E84-426E-40DD-AFC4-6F175D3DCCD1}">
+              <a14:hiddenFill xmlns:a14="http://schemas.microsoft.com/office/drawing/2010/main">
+                <a:solidFill>
+                  <a:srgbClr val="FFFFFF"/>
+                </a:solidFill>
+              </a14:hiddenFill>
+            </a:ext>
+          </a:extLst>
+        </p:spPr>
+      </p:pic>
+      <p:pic>
+        <p:nvPicPr>
+          <p:cNvPr id="16" name="Picture 34" descr="Flag of Sweden - Wikipedia">
+            <a:extLst>
+              <a:ext uri="{FF2B5EF4-FFF2-40B4-BE49-F238E27FC236}">
+                <a16:creationId xmlns:a16="http://schemas.microsoft.com/office/drawing/2014/main" id="{785C5A4F-FC07-C0CA-64ED-7182342E0F3C}"/>
+              </a:ext>
+            </a:extLst>
+          </p:cNvPr>
+          <p:cNvPicPr>
+            <a:picLocks noChangeAspect="1" noChangeArrowheads="1"/>
+          </p:cNvPicPr>
+          <p:nvPr/>
+        </p:nvPicPr>
+        <p:blipFill>
+          <a:blip r:embed="rId15">
+            <a:extLst>
+              <a:ext uri="{28A0092B-C50C-407E-A947-70E740481C1C}">
+                <a14:useLocalDpi xmlns:a14="http://schemas.microsoft.com/office/drawing/2010/main" val="0"/>
+              </a:ext>
+            </a:extLst>
+          </a:blip>
+          <a:srcRect/>
+          <a:stretch>
+            <a:fillRect/>
+          </a:stretch>
+        </p:blipFill>
+        <p:spPr bwMode="auto">
+          <a:xfrm>
+            <a:off x="4365182" y="3341242"/>
+            <a:ext cx="981966" cy="612000"/>
           </a:xfrm>
           <a:prstGeom prst="rect">
             <a:avLst/>

--- a/Bracket.pptx
+++ b/Bracket.pptx
@@ -7,7 +7,9 @@
   <p:sldIdLst>
     <p:sldId id="256" r:id="rId2"/>
     <p:sldId id="258" r:id="rId3"/>
-    <p:sldId id="257" r:id="rId4"/>
+    <p:sldId id="261" r:id="rId4"/>
+    <p:sldId id="260" r:id="rId5"/>
+    <p:sldId id="259" r:id="rId6"/>
   </p:sldIdLst>
   <p:sldSz cx="12192000" cy="6858000"/>
   <p:notesSz cx="6858000" cy="9144000"/>
@@ -117,7 +119,7 @@
 <file path=ppt/revisionInfo.xml><?xml version="1.0" encoding="utf-8"?>
 <p1510:revInfo xmlns:a="http://schemas.openxmlformats.org/drawingml/2006/main" xmlns:r="http://schemas.openxmlformats.org/officeDocument/2006/relationships" xmlns:p1510="http://schemas.microsoft.com/office/powerpoint/2015/10/main">
   <p1510:revLst>
-    <p1510:client id="{FC1E8CA4-A29E-465C-A5E2-23D3F82D44AC}" v="5" dt="2023-07-22T02:40:38.104"/>
+    <p1510:client id="{FC1E8CA4-A29E-465C-A5E2-23D3F82D44AC}" v="181" dt="2023-08-03T21:16:20.971"/>
   </p1510:revLst>
 </p1510:revInfo>
 </file>
@@ -126,23 +128,230 @@
 <pc:chgInfo xmlns:a="http://schemas.openxmlformats.org/drawingml/2006/main" xmlns:r="http://schemas.openxmlformats.org/officeDocument/2006/relationships" xmlns:ac="http://schemas.microsoft.com/office/drawing/2013/main/command" xmlns:pc="http://schemas.microsoft.com/office/powerpoint/2013/main/command">
   <pc:docChgLst>
     <pc:chgData name="Gowtham Senthilkumar" userId="7cc18b5ff11cdd95" providerId="LiveId" clId="{FC1E8CA4-A29E-465C-A5E2-23D3F82D44AC}"/>
-    <pc:docChg chg="addSld delSld modSld">
-      <pc:chgData name="Gowtham Senthilkumar" userId="7cc18b5ff11cdd95" providerId="LiveId" clId="{FC1E8CA4-A29E-465C-A5E2-23D3F82D44AC}" dt="2023-07-22T02:40:38.095" v="4"/>
+    <pc:docChg chg="addSld delSld modSld sldOrd">
+      <pc:chgData name="Gowtham Senthilkumar" userId="7cc18b5ff11cdd95" providerId="LiveId" clId="{FC1E8CA4-A29E-465C-A5E2-23D3F82D44AC}" dt="2023-08-03T21:16:20.971" v="182"/>
       <pc:docMkLst>
         <pc:docMk/>
       </pc:docMkLst>
+      <pc:sldChg chg="del">
+        <pc:chgData name="Gowtham Senthilkumar" userId="7cc18b5ff11cdd95" providerId="LiveId" clId="{FC1E8CA4-A29E-465C-A5E2-23D3F82D44AC}" dt="2023-08-03T20:20:09.423" v="7" actId="47"/>
+        <pc:sldMkLst>
+          <pc:docMk/>
+          <pc:sldMk cId="1094774923" sldId="257"/>
+        </pc:sldMkLst>
+      </pc:sldChg>
       <pc:sldChg chg="addSp delSp modSp">
-        <pc:chgData name="Gowtham Senthilkumar" userId="7cc18b5ff11cdd95" providerId="LiveId" clId="{FC1E8CA4-A29E-465C-A5E2-23D3F82D44AC}" dt="2023-07-22T02:40:29.617" v="2" actId="1076"/>
+        <pc:chgData name="Gowtham Senthilkumar" userId="7cc18b5ff11cdd95" providerId="LiveId" clId="{FC1E8CA4-A29E-465C-A5E2-23D3F82D44AC}" dt="2023-08-03T21:16:02.983" v="181" actId="1076"/>
         <pc:sldMkLst>
           <pc:docMk/>
           <pc:sldMk cId="3749791475" sldId="258"/>
         </pc:sldMkLst>
+        <pc:picChg chg="del">
+          <ac:chgData name="Gowtham Senthilkumar" userId="7cc18b5ff11cdd95" providerId="LiveId" clId="{FC1E8CA4-A29E-465C-A5E2-23D3F82D44AC}" dt="2023-08-03T21:13:32.363" v="167" actId="478"/>
+          <ac:picMkLst>
+            <pc:docMk/>
+            <pc:sldMk cId="3749791475" sldId="258"/>
+            <ac:picMk id="3" creationId="{950377A4-CFC4-9AD8-C781-86E5D4FE2B82}"/>
+          </ac:picMkLst>
+        </pc:picChg>
+        <pc:picChg chg="del">
+          <ac:chgData name="Gowtham Senthilkumar" userId="7cc18b5ff11cdd95" providerId="LiveId" clId="{FC1E8CA4-A29E-465C-A5E2-23D3F82D44AC}" dt="2023-08-03T21:14:21.023" v="176" actId="478"/>
+          <ac:picMkLst>
+            <pc:docMk/>
+            <pc:sldMk cId="3749791475" sldId="258"/>
+            <ac:picMk id="4" creationId="{596EC5FD-FD58-9CDA-9E1A-14942B1EBAE2}"/>
+          </ac:picMkLst>
+        </pc:picChg>
         <pc:picChg chg="add mod">
           <ac:chgData name="Gowtham Senthilkumar" userId="7cc18b5ff11cdd95" providerId="LiveId" clId="{FC1E8CA4-A29E-465C-A5E2-23D3F82D44AC}" dt="2023-07-22T02:40:29.617" v="2" actId="1076"/>
           <ac:picMkLst>
             <pc:docMk/>
             <pc:sldMk cId="3749791475" sldId="258"/>
             <ac:picMk id="16" creationId="{785C5A4F-FC07-C0CA-64ED-7182342E0F3C}"/>
+          </ac:picMkLst>
+        </pc:picChg>
+        <pc:picChg chg="add del mod">
+          <ac:chgData name="Gowtham Senthilkumar" userId="7cc18b5ff11cdd95" providerId="LiveId" clId="{FC1E8CA4-A29E-465C-A5E2-23D3F82D44AC}" dt="2023-08-03T20:44:09.123" v="105" actId="478"/>
+          <ac:picMkLst>
+            <pc:docMk/>
+            <pc:sldMk cId="3749791475" sldId="258"/>
+            <ac:picMk id="17" creationId="{0A1CAEB2-9E53-A3D2-2BB3-D363E9826E83}"/>
+          </ac:picMkLst>
+        </pc:picChg>
+        <pc:picChg chg="add mod">
+          <ac:chgData name="Gowtham Senthilkumar" userId="7cc18b5ff11cdd95" providerId="LiveId" clId="{FC1E8CA4-A29E-465C-A5E2-23D3F82D44AC}" dt="2023-08-03T20:45:21.721" v="112" actId="1076"/>
+          <ac:picMkLst>
+            <pc:docMk/>
+            <pc:sldMk cId="3749791475" sldId="258"/>
+            <ac:picMk id="18" creationId="{EAAC92DE-E500-456D-AC68-E3114C9BDA4A}"/>
+          </ac:picMkLst>
+        </pc:picChg>
+        <pc:picChg chg="add mod">
+          <ac:chgData name="Gowtham Senthilkumar" userId="7cc18b5ff11cdd95" providerId="LiveId" clId="{FC1E8CA4-A29E-465C-A5E2-23D3F82D44AC}" dt="2023-08-03T20:47:58.073" v="118" actId="1076"/>
+          <ac:picMkLst>
+            <pc:docMk/>
+            <pc:sldMk cId="3749791475" sldId="258"/>
+            <ac:picMk id="19" creationId="{AC36703B-9527-733B-896F-D2ED9E9D8A14}"/>
+          </ac:picMkLst>
+        </pc:picChg>
+        <pc:picChg chg="add mod">
+          <ac:chgData name="Gowtham Senthilkumar" userId="7cc18b5ff11cdd95" providerId="LiveId" clId="{FC1E8CA4-A29E-465C-A5E2-23D3F82D44AC}" dt="2023-08-03T20:51:49.610" v="130"/>
+          <ac:picMkLst>
+            <pc:docMk/>
+            <pc:sldMk cId="3749791475" sldId="258"/>
+            <ac:picMk id="20" creationId="{212BCE81-4977-BD11-F19F-47BED98C6AE0}"/>
+          </ac:picMkLst>
+        </pc:picChg>
+        <pc:picChg chg="add mod">
+          <ac:chgData name="Gowtham Senthilkumar" userId="7cc18b5ff11cdd95" providerId="LiveId" clId="{FC1E8CA4-A29E-465C-A5E2-23D3F82D44AC}" dt="2023-08-03T20:51:49.610" v="130"/>
+          <ac:picMkLst>
+            <pc:docMk/>
+            <pc:sldMk cId="3749791475" sldId="258"/>
+            <ac:picMk id="21" creationId="{E2DCEF4B-463F-C2A3-2686-9FC8BC6ECD61}"/>
+          </ac:picMkLst>
+        </pc:picChg>
+        <pc:picChg chg="add mod">
+          <ac:chgData name="Gowtham Senthilkumar" userId="7cc18b5ff11cdd95" providerId="LiveId" clId="{FC1E8CA4-A29E-465C-A5E2-23D3F82D44AC}" dt="2023-08-03T20:52:15.588" v="141" actId="1076"/>
+          <ac:picMkLst>
+            <pc:docMk/>
+            <pc:sldMk cId="3749791475" sldId="258"/>
+            <ac:picMk id="22" creationId="{E5230A6F-2983-C09E-227F-BA34D85EB84E}"/>
+          </ac:picMkLst>
+        </pc:picChg>
+        <pc:picChg chg="add mod">
+          <ac:chgData name="Gowtham Senthilkumar" userId="7cc18b5ff11cdd95" providerId="LiveId" clId="{FC1E8CA4-A29E-465C-A5E2-23D3F82D44AC}" dt="2023-08-03T20:52:54.198" v="144" actId="1076"/>
+          <ac:picMkLst>
+            <pc:docMk/>
+            <pc:sldMk cId="3749791475" sldId="258"/>
+            <ac:picMk id="23" creationId="{C6156C0F-B91C-A2E9-CD8D-D9B950D7BCFD}"/>
+          </ac:picMkLst>
+        </pc:picChg>
+        <pc:picChg chg="add del mod">
+          <ac:chgData name="Gowtham Senthilkumar" userId="7cc18b5ff11cdd95" providerId="LiveId" clId="{FC1E8CA4-A29E-465C-A5E2-23D3F82D44AC}" dt="2023-08-03T21:06:23.527" v="152"/>
+          <ac:picMkLst>
+            <pc:docMk/>
+            <pc:sldMk cId="3749791475" sldId="258"/>
+            <ac:picMk id="24" creationId="{2C025559-9793-F9EA-CB72-1B19C48E46D9}"/>
+          </ac:picMkLst>
+        </pc:picChg>
+        <pc:picChg chg="add mod">
+          <ac:chgData name="Gowtham Senthilkumar" userId="7cc18b5ff11cdd95" providerId="LiveId" clId="{FC1E8CA4-A29E-465C-A5E2-23D3F82D44AC}" dt="2023-08-03T21:06:24.880" v="153"/>
+          <ac:picMkLst>
+            <pc:docMk/>
+            <pc:sldMk cId="3749791475" sldId="258"/>
+            <ac:picMk id="25" creationId="{C5D22B85-4DFC-56CD-AAA0-EB30646FDFDC}"/>
+          </ac:picMkLst>
+        </pc:picChg>
+        <pc:picChg chg="add del mod">
+          <ac:chgData name="Gowtham Senthilkumar" userId="7cc18b5ff11cdd95" providerId="LiveId" clId="{FC1E8CA4-A29E-465C-A5E2-23D3F82D44AC}" dt="2023-08-03T21:08:24.798" v="156" actId="478"/>
+          <ac:picMkLst>
+            <pc:docMk/>
+            <pc:sldMk cId="3749791475" sldId="258"/>
+            <ac:picMk id="26" creationId="{F0E654C8-8980-8537-D789-2490C7FD8E7A}"/>
+          </ac:picMkLst>
+        </pc:picChg>
+        <pc:picChg chg="add mod">
+          <ac:chgData name="Gowtham Senthilkumar" userId="7cc18b5ff11cdd95" providerId="LiveId" clId="{FC1E8CA4-A29E-465C-A5E2-23D3F82D44AC}" dt="2023-08-03T21:08:35.168" v="158" actId="1076"/>
+          <ac:picMkLst>
+            <pc:docMk/>
+            <pc:sldMk cId="3749791475" sldId="258"/>
+            <ac:picMk id="27" creationId="{8F1C14C5-ED35-DFE3-F4EE-439807E41035}"/>
+          </ac:picMkLst>
+        </pc:picChg>
+        <pc:picChg chg="add mod">
+          <ac:chgData name="Gowtham Senthilkumar" userId="7cc18b5ff11cdd95" providerId="LiveId" clId="{FC1E8CA4-A29E-465C-A5E2-23D3F82D44AC}" dt="2023-08-03T21:09:43.100" v="166" actId="1076"/>
+          <ac:picMkLst>
+            <pc:docMk/>
+            <pc:sldMk cId="3749791475" sldId="258"/>
+            <ac:picMk id="28" creationId="{D2839DB4-2105-E0E7-D2E5-ED378DF51D56}"/>
+          </ac:picMkLst>
+        </pc:picChg>
+        <pc:picChg chg="add mod">
+          <ac:chgData name="Gowtham Senthilkumar" userId="7cc18b5ff11cdd95" providerId="LiveId" clId="{FC1E8CA4-A29E-465C-A5E2-23D3F82D44AC}" dt="2023-08-03T21:13:47.120" v="170" actId="1076"/>
+          <ac:picMkLst>
+            <pc:docMk/>
+            <pc:sldMk cId="3749791475" sldId="258"/>
+            <ac:picMk id="29" creationId="{801868B5-6F85-6975-16D7-833458F2890B}"/>
+          </ac:picMkLst>
+        </pc:picChg>
+        <pc:picChg chg="add mod">
+          <ac:chgData name="Gowtham Senthilkumar" userId="7cc18b5ff11cdd95" providerId="LiveId" clId="{FC1E8CA4-A29E-465C-A5E2-23D3F82D44AC}" dt="2023-08-03T21:14:17.347" v="174" actId="1076"/>
+          <ac:picMkLst>
+            <pc:docMk/>
+            <pc:sldMk cId="3749791475" sldId="258"/>
+            <ac:picMk id="30" creationId="{D764BD8F-ED9F-7414-F4D7-FB318EC0A18A}"/>
+          </ac:picMkLst>
+        </pc:picChg>
+        <pc:picChg chg="add del mod">
+          <ac:chgData name="Gowtham Senthilkumar" userId="7cc18b5ff11cdd95" providerId="LiveId" clId="{FC1E8CA4-A29E-465C-A5E2-23D3F82D44AC}" dt="2023-08-03T21:15:41.220" v="178" actId="478"/>
+          <ac:picMkLst>
+            <pc:docMk/>
+            <pc:sldMk cId="3749791475" sldId="258"/>
+            <ac:picMk id="31" creationId="{EDD1DA62-E7E4-C9FC-ABCD-61298F670814}"/>
+          </ac:picMkLst>
+        </pc:picChg>
+        <pc:picChg chg="add mod">
+          <ac:chgData name="Gowtham Senthilkumar" userId="7cc18b5ff11cdd95" providerId="LiveId" clId="{FC1E8CA4-A29E-465C-A5E2-23D3F82D44AC}" dt="2023-08-03T21:16:02.983" v="181" actId="1076"/>
+          <ac:picMkLst>
+            <pc:docMk/>
+            <pc:sldMk cId="3749791475" sldId="258"/>
+            <ac:picMk id="32" creationId="{AB6CC8EB-42A5-EF72-CFFF-2A82B2D6FFD4}"/>
+          </ac:picMkLst>
+        </pc:picChg>
+        <pc:picChg chg="mod">
+          <ac:chgData name="Gowtham Senthilkumar" userId="7cc18b5ff11cdd95" providerId="LiveId" clId="{FC1E8CA4-A29E-465C-A5E2-23D3F82D44AC}" dt="2023-08-03T20:46:01.141" v="113" actId="1076"/>
+          <ac:picMkLst>
+            <pc:docMk/>
+            <pc:sldMk cId="3749791475" sldId="258"/>
+            <ac:picMk id="46" creationId="{95104EB5-485F-FFED-35CC-BFF36E3B7FE9}"/>
+          </ac:picMkLst>
+        </pc:picChg>
+        <pc:picChg chg="del">
+          <ac:chgData name="Gowtham Senthilkumar" userId="7cc18b5ff11cdd95" providerId="LiveId" clId="{FC1E8CA4-A29E-465C-A5E2-23D3F82D44AC}" dt="2023-08-03T20:54:21.016" v="147" actId="478"/>
+          <ac:picMkLst>
+            <pc:docMk/>
+            <pc:sldMk cId="3749791475" sldId="258"/>
+            <ac:picMk id="47" creationId="{C4AE3241-E77E-F86A-1A92-91D91F868E70}"/>
+          </ac:picMkLst>
+        </pc:picChg>
+        <pc:picChg chg="mod">
+          <ac:chgData name="Gowtham Senthilkumar" userId="7cc18b5ff11cdd95" providerId="LiveId" clId="{FC1E8CA4-A29E-465C-A5E2-23D3F82D44AC}" dt="2023-08-03T21:08:53.201" v="160" actId="1076"/>
+          <ac:picMkLst>
+            <pc:docMk/>
+            <pc:sldMk cId="3749791475" sldId="258"/>
+            <ac:picMk id="48" creationId="{2389C158-0F07-29FD-6471-FEC48337786C}"/>
+          </ac:picMkLst>
+        </pc:picChg>
+        <pc:picChg chg="mod">
+          <ac:chgData name="Gowtham Senthilkumar" userId="7cc18b5ff11cdd95" providerId="LiveId" clId="{FC1E8CA4-A29E-465C-A5E2-23D3F82D44AC}" dt="2023-08-03T20:53:46.842" v="145" actId="1076"/>
+          <ac:picMkLst>
+            <pc:docMk/>
+            <pc:sldMk cId="3749791475" sldId="258"/>
+            <ac:picMk id="49" creationId="{E8D29235-2FFB-7A79-1D57-CAAF2726C104}"/>
+          </ac:picMkLst>
+        </pc:picChg>
+        <pc:picChg chg="mod">
+          <ac:chgData name="Gowtham Senthilkumar" userId="7cc18b5ff11cdd95" providerId="LiveId" clId="{FC1E8CA4-A29E-465C-A5E2-23D3F82D44AC}" dt="2023-08-03T21:08:43.377" v="159" actId="1076"/>
+          <ac:picMkLst>
+            <pc:docMk/>
+            <pc:sldMk cId="3749791475" sldId="258"/>
+            <ac:picMk id="50" creationId="{369D1360-CE18-299E-86BE-CA3D33AC7B01}"/>
+          </ac:picMkLst>
+        </pc:picChg>
+        <pc:picChg chg="del mod">
+          <ac:chgData name="Gowtham Senthilkumar" userId="7cc18b5ff11cdd95" providerId="LiveId" clId="{FC1E8CA4-A29E-465C-A5E2-23D3F82D44AC}" dt="2023-08-03T21:13:58.190" v="172" actId="478"/>
+          <ac:picMkLst>
+            <pc:docMk/>
+            <pc:sldMk cId="3749791475" sldId="258"/>
+            <ac:picMk id="51" creationId="{CCA7E075-755F-3B50-F041-F160BF9844CD}"/>
+          </ac:picMkLst>
+        </pc:picChg>
+        <pc:picChg chg="mod">
+          <ac:chgData name="Gowtham Senthilkumar" userId="7cc18b5ff11cdd95" providerId="LiveId" clId="{FC1E8CA4-A29E-465C-A5E2-23D3F82D44AC}" dt="2023-08-03T21:09:16.134" v="163" actId="1076"/>
+          <ac:picMkLst>
+            <pc:docMk/>
+            <pc:sldMk cId="3749791475" sldId="258"/>
+            <ac:picMk id="52" creationId="{10C9BB92-EC09-17C3-E7D7-5727EBB6A699}"/>
           </ac:picMkLst>
         </pc:picChg>
         <pc:picChg chg="del">
@@ -153,12 +362,512 @@
             <ac:picMk id="57" creationId="{865A1759-1B9D-246E-C474-7601962D5A5E}"/>
           </ac:picMkLst>
         </pc:picChg>
+        <pc:picChg chg="add del">
+          <ac:chgData name="Gowtham Senthilkumar" userId="7cc18b5ff11cdd95" providerId="LiveId" clId="{FC1E8CA4-A29E-465C-A5E2-23D3F82D44AC}" dt="2023-08-03T20:43:48.071" v="103" actId="478"/>
+          <ac:picMkLst>
+            <pc:docMk/>
+            <pc:sldMk cId="3749791475" sldId="258"/>
+            <ac:picMk id="1036" creationId="{4C732BD0-332D-C994-63C9-943499497DFA}"/>
+          </ac:picMkLst>
+        </pc:picChg>
+        <pc:picChg chg="add del">
+          <ac:chgData name="Gowtham Senthilkumar" userId="7cc18b5ff11cdd95" providerId="LiveId" clId="{FC1E8CA4-A29E-465C-A5E2-23D3F82D44AC}" dt="2023-08-03T20:48:31.611" v="124" actId="478"/>
+          <ac:picMkLst>
+            <pc:docMk/>
+            <pc:sldMk cId="3749791475" sldId="258"/>
+            <ac:picMk id="1038" creationId="{1A45BDD3-2021-CDAB-93EB-2B460576C2DE}"/>
+          </ac:picMkLst>
+        </pc:picChg>
+        <pc:picChg chg="del">
+          <ac:chgData name="Gowtham Senthilkumar" userId="7cc18b5ff11cdd95" providerId="LiveId" clId="{FC1E8CA4-A29E-465C-A5E2-23D3F82D44AC}" dt="2023-08-03T20:44:22.260" v="107" actId="478"/>
+          <ac:picMkLst>
+            <pc:docMk/>
+            <pc:sldMk cId="3749791475" sldId="258"/>
+            <ac:picMk id="1040" creationId="{ACDA464A-446F-4899-7C34-5C73DF9E29E6}"/>
+          </ac:picMkLst>
+        </pc:picChg>
+        <pc:picChg chg="del">
+          <ac:chgData name="Gowtham Senthilkumar" userId="7cc18b5ff11cdd95" providerId="LiveId" clId="{FC1E8CA4-A29E-465C-A5E2-23D3F82D44AC}" dt="2023-08-03T20:45:10.897" v="111" actId="478"/>
+          <ac:picMkLst>
+            <pc:docMk/>
+            <pc:sldMk cId="3749791475" sldId="258"/>
+            <ac:picMk id="1042" creationId="{02FDC2ED-62F8-B1DC-1BF6-0508858465B9}"/>
+          </ac:picMkLst>
+        </pc:picChg>
+        <pc:picChg chg="mod">
+          <ac:chgData name="Gowtham Senthilkumar" userId="7cc18b5ff11cdd95" providerId="LiveId" clId="{FC1E8CA4-A29E-465C-A5E2-23D3F82D44AC}" dt="2023-08-03T20:47:09.983" v="115" actId="1076"/>
+          <ac:picMkLst>
+            <pc:docMk/>
+            <pc:sldMk cId="3749791475" sldId="258"/>
+            <ac:picMk id="1044" creationId="{96E3E66E-15AF-0C65-CE17-4710EE79F9F5}"/>
+          </ac:picMkLst>
+        </pc:picChg>
+        <pc:picChg chg="mod">
+          <ac:chgData name="Gowtham Senthilkumar" userId="7cc18b5ff11cdd95" providerId="LiveId" clId="{FC1E8CA4-A29E-465C-A5E2-23D3F82D44AC}" dt="2023-08-03T20:48:30.071" v="123" actId="1076"/>
+          <ac:picMkLst>
+            <pc:docMk/>
+            <pc:sldMk cId="3749791475" sldId="258"/>
+            <ac:picMk id="1046" creationId="{613F7325-05CE-4CB1-B365-8B85DA87496C}"/>
+          </ac:picMkLst>
+        </pc:picChg>
+        <pc:picChg chg="mod">
+          <ac:chgData name="Gowtham Senthilkumar" userId="7cc18b5ff11cdd95" providerId="LiveId" clId="{FC1E8CA4-A29E-465C-A5E2-23D3F82D44AC}" dt="2023-08-03T20:44:26.608" v="108" actId="1076"/>
+          <ac:picMkLst>
+            <pc:docMk/>
+            <pc:sldMk cId="3749791475" sldId="258"/>
+            <ac:picMk id="1050" creationId="{621E721D-6A71-ADA4-8576-D96193A51E4C}"/>
+          </ac:picMkLst>
+        </pc:picChg>
+        <pc:picChg chg="del">
+          <ac:chgData name="Gowtham Senthilkumar" userId="7cc18b5ff11cdd95" providerId="LiveId" clId="{FC1E8CA4-A29E-465C-A5E2-23D3F82D44AC}" dt="2023-08-03T20:46:55.906" v="114" actId="478"/>
+          <ac:picMkLst>
+            <pc:docMk/>
+            <pc:sldMk cId="3749791475" sldId="258"/>
+            <ac:picMk id="1052" creationId="{D7CE32A3-364B-C7B5-0648-769308CDBAE9}"/>
+          </ac:picMkLst>
+        </pc:picChg>
+        <pc:picChg chg="add del">
+          <ac:chgData name="Gowtham Senthilkumar" userId="7cc18b5ff11cdd95" providerId="LiveId" clId="{FC1E8CA4-A29E-465C-A5E2-23D3F82D44AC}" dt="2023-08-03T20:52:07.428" v="136" actId="478"/>
+          <ac:picMkLst>
+            <pc:docMk/>
+            <pc:sldMk cId="3749791475" sldId="258"/>
+            <ac:picMk id="1054" creationId="{D29A82C8-ACD2-077E-CC9A-EEE5E492D61E}"/>
+          </ac:picMkLst>
+        </pc:picChg>
+        <pc:picChg chg="del">
+          <ac:chgData name="Gowtham Senthilkumar" userId="7cc18b5ff11cdd95" providerId="LiveId" clId="{FC1E8CA4-A29E-465C-A5E2-23D3F82D44AC}" dt="2023-08-03T20:51:55.814" v="131" actId="478"/>
+          <ac:picMkLst>
+            <pc:docMk/>
+            <pc:sldMk cId="3749791475" sldId="258"/>
+            <ac:picMk id="1056" creationId="{928B9B0E-FBE5-F9A8-9789-671202879EF1}"/>
+          </ac:picMkLst>
+        </pc:picChg>
+        <pc:picChg chg="mod">
+          <ac:chgData name="Gowtham Senthilkumar" userId="7cc18b5ff11cdd95" providerId="LiveId" clId="{FC1E8CA4-A29E-465C-A5E2-23D3F82D44AC}" dt="2023-08-03T20:50:00.238" v="129" actId="1076"/>
+          <ac:picMkLst>
+            <pc:docMk/>
+            <pc:sldMk cId="3749791475" sldId="258"/>
+            <ac:picMk id="1062" creationId="{1D340A84-209F-587D-F06E-A7472F2C86B2}"/>
+          </ac:picMkLst>
+        </pc:picChg>
+        <pc:picChg chg="add mod">
+          <ac:chgData name="Gowtham Senthilkumar" userId="7cc18b5ff11cdd95" providerId="LiveId" clId="{FC1E8CA4-A29E-465C-A5E2-23D3F82D44AC}" dt="2023-08-03T20:54:06.190" v="146" actId="208"/>
+          <ac:picMkLst>
+            <pc:docMk/>
+            <pc:sldMk cId="3749791475" sldId="258"/>
+            <ac:picMk id="2050" creationId="{2E5DF7A9-48F8-7545-8CAC-AE867EA7CC11}"/>
+          </ac:picMkLst>
+        </pc:picChg>
+        <pc:picChg chg="mod">
+          <ac:chgData name="Gowtham Senthilkumar" userId="7cc18b5ff11cdd95" providerId="LiveId" clId="{FC1E8CA4-A29E-465C-A5E2-23D3F82D44AC}" dt="2023-08-03T20:43:51.752" v="104" actId="1076"/>
+          <ac:picMkLst>
+            <pc:docMk/>
+            <pc:sldMk cId="3749791475" sldId="258"/>
+            <ac:picMk id="3076" creationId="{71718B2A-EFB4-25E4-B4B6-D0E92945F4B7}"/>
+          </ac:picMkLst>
+        </pc:picChg>
+        <pc:picChg chg="del">
+          <ac:chgData name="Gowtham Senthilkumar" userId="7cc18b5ff11cdd95" providerId="LiveId" clId="{FC1E8CA4-A29E-465C-A5E2-23D3F82D44AC}" dt="2023-08-03T20:47:45.989" v="116" actId="478"/>
+          <ac:picMkLst>
+            <pc:docMk/>
+            <pc:sldMk cId="3749791475" sldId="258"/>
+            <ac:picMk id="3078" creationId="{44F2AC6F-BD04-C534-92DF-C015EFD0A4B9}"/>
+          </ac:picMkLst>
+        </pc:picChg>
+        <pc:picChg chg="del">
+          <ac:chgData name="Gowtham Senthilkumar" userId="7cc18b5ff11cdd95" providerId="LiveId" clId="{FC1E8CA4-A29E-465C-A5E2-23D3F82D44AC}" dt="2023-08-03T20:52:46.806" v="142" actId="478"/>
+          <ac:picMkLst>
+            <pc:docMk/>
+            <pc:sldMk cId="3749791475" sldId="258"/>
+            <ac:picMk id="3080" creationId="{80907624-4585-EBF9-32A2-19DE5A6DCD61}"/>
+          </ac:picMkLst>
+        </pc:picChg>
+      </pc:sldChg>
+      <pc:sldChg chg="addSp modSp add">
+        <pc:chgData name="Gowtham Senthilkumar" userId="7cc18b5ff11cdd95" providerId="LiveId" clId="{FC1E8CA4-A29E-465C-A5E2-23D3F82D44AC}" dt="2023-08-03T21:16:20.971" v="182"/>
+        <pc:sldMkLst>
+          <pc:docMk/>
+          <pc:sldMk cId="2175164659" sldId="259"/>
+        </pc:sldMkLst>
+        <pc:picChg chg="add">
+          <ac:chgData name="Gowtham Senthilkumar" userId="7cc18b5ff11cdd95" providerId="LiveId" clId="{FC1E8CA4-A29E-465C-A5E2-23D3F82D44AC}" dt="2023-08-03T20:32:26.545" v="93"/>
+          <ac:picMkLst>
+            <pc:docMk/>
+            <pc:sldMk cId="2175164659" sldId="259"/>
+            <ac:picMk id="2" creationId="{2D6D159D-54BA-F955-08BE-85DC0B341BC1}"/>
+          </ac:picMkLst>
+        </pc:picChg>
+        <pc:picChg chg="add mod">
+          <ac:chgData name="Gowtham Senthilkumar" userId="7cc18b5ff11cdd95" providerId="LiveId" clId="{FC1E8CA4-A29E-465C-A5E2-23D3F82D44AC}" dt="2023-08-03T21:16:20.971" v="182"/>
+          <ac:picMkLst>
+            <pc:docMk/>
+            <pc:sldMk cId="2175164659" sldId="259"/>
+            <ac:picMk id="3" creationId="{92AEC22B-51E6-D0C0-626F-971DE2F37A2D}"/>
+          </ac:picMkLst>
+        </pc:picChg>
       </pc:sldChg>
       <pc:sldChg chg="add del">
         <pc:chgData name="Gowtham Senthilkumar" userId="7cc18b5ff11cdd95" providerId="LiveId" clId="{FC1E8CA4-A29E-465C-A5E2-23D3F82D44AC}" dt="2023-07-22T02:40:38.095" v="4"/>
         <pc:sldMkLst>
           <pc:docMk/>
           <pc:sldMk cId="4211936294" sldId="259"/>
+        </pc:sldMkLst>
+      </pc:sldChg>
+      <pc:sldChg chg="addSp delSp modSp add">
+        <pc:chgData name="Gowtham Senthilkumar" userId="7cc18b5ff11cdd95" providerId="LiveId" clId="{FC1E8CA4-A29E-465C-A5E2-23D3F82D44AC}" dt="2023-08-03T20:31:41.782" v="90" actId="208"/>
+        <pc:sldMkLst>
+          <pc:docMk/>
+          <pc:sldMk cId="239343094" sldId="260"/>
+        </pc:sldMkLst>
+        <pc:picChg chg="del">
+          <ac:chgData name="Gowtham Senthilkumar" userId="7cc18b5ff11cdd95" providerId="LiveId" clId="{FC1E8CA4-A29E-465C-A5E2-23D3F82D44AC}" dt="2023-08-03T20:29:48.510" v="79" actId="478"/>
+          <ac:picMkLst>
+            <pc:docMk/>
+            <pc:sldMk cId="239343094" sldId="260"/>
+            <ac:picMk id="2" creationId="{DDDCB697-F24A-2142-C080-38AB00E84505}"/>
+          </ac:picMkLst>
+        </pc:picChg>
+        <pc:picChg chg="del">
+          <ac:chgData name="Gowtham Senthilkumar" userId="7cc18b5ff11cdd95" providerId="LiveId" clId="{FC1E8CA4-A29E-465C-A5E2-23D3F82D44AC}" dt="2023-08-03T20:29:46.801" v="78" actId="478"/>
+          <ac:picMkLst>
+            <pc:docMk/>
+            <pc:sldMk cId="239343094" sldId="260"/>
+            <ac:picMk id="3" creationId="{950377A4-CFC4-9AD8-C781-86E5D4FE2B82}"/>
+          </ac:picMkLst>
+        </pc:picChg>
+        <pc:picChg chg="del">
+          <ac:chgData name="Gowtham Senthilkumar" userId="7cc18b5ff11cdd95" providerId="LiveId" clId="{FC1E8CA4-A29E-465C-A5E2-23D3F82D44AC}" dt="2023-08-03T20:29:35.319" v="71" actId="478"/>
+          <ac:picMkLst>
+            <pc:docMk/>
+            <pc:sldMk cId="239343094" sldId="260"/>
+            <ac:picMk id="4" creationId="{596EC5FD-FD58-9CDA-9E1A-14942B1EBAE2}"/>
+          </ac:picMkLst>
+        </pc:picChg>
+        <pc:picChg chg="del">
+          <ac:chgData name="Gowtham Senthilkumar" userId="7cc18b5ff11cdd95" providerId="LiveId" clId="{FC1E8CA4-A29E-465C-A5E2-23D3F82D44AC}" dt="2023-08-03T20:29:39.920" v="74" actId="478"/>
+          <ac:picMkLst>
+            <pc:docMk/>
+            <pc:sldMk cId="239343094" sldId="260"/>
+            <ac:picMk id="12" creationId="{6E091241-285B-BCAD-386E-B0B1D32CC9E6}"/>
+          </ac:picMkLst>
+        </pc:picChg>
+        <pc:picChg chg="del">
+          <ac:chgData name="Gowtham Senthilkumar" userId="7cc18b5ff11cdd95" providerId="LiveId" clId="{FC1E8CA4-A29E-465C-A5E2-23D3F82D44AC}" dt="2023-08-03T20:29:41.399" v="75" actId="478"/>
+          <ac:picMkLst>
+            <pc:docMk/>
+            <pc:sldMk cId="239343094" sldId="260"/>
+            <ac:picMk id="13" creationId="{661DAA55-A71E-4D8F-1D99-0EAB6A8C8829}"/>
+          </ac:picMkLst>
+        </pc:picChg>
+        <pc:picChg chg="del">
+          <ac:chgData name="Gowtham Senthilkumar" userId="7cc18b5ff11cdd95" providerId="LiveId" clId="{FC1E8CA4-A29E-465C-A5E2-23D3F82D44AC}" dt="2023-08-03T20:29:49.939" v="80" actId="478"/>
+          <ac:picMkLst>
+            <pc:docMk/>
+            <pc:sldMk cId="239343094" sldId="260"/>
+            <ac:picMk id="14" creationId="{05D1E1D0-4EE4-AEF2-0032-0820FFD7FCE7}"/>
+          </ac:picMkLst>
+        </pc:picChg>
+        <pc:picChg chg="mod">
+          <ac:chgData name="Gowtham Senthilkumar" userId="7cc18b5ff11cdd95" providerId="LiveId" clId="{FC1E8CA4-A29E-465C-A5E2-23D3F82D44AC}" dt="2023-08-03T20:29:45.268" v="77" actId="1076"/>
+          <ac:picMkLst>
+            <pc:docMk/>
+            <pc:sldMk cId="239343094" sldId="260"/>
+            <ac:picMk id="15" creationId="{5F2BBD99-79DF-9F1D-8EA2-2E48E41A97F7}"/>
+          </ac:picMkLst>
+        </pc:picChg>
+        <pc:picChg chg="del">
+          <ac:chgData name="Gowtham Senthilkumar" userId="7cc18b5ff11cdd95" providerId="LiveId" clId="{FC1E8CA4-A29E-465C-A5E2-23D3F82D44AC}" dt="2023-08-03T20:29:42.731" v="76" actId="478"/>
+          <ac:picMkLst>
+            <pc:docMk/>
+            <pc:sldMk cId="239343094" sldId="260"/>
+            <ac:picMk id="16" creationId="{785C5A4F-FC07-C0CA-64ED-7182342E0F3C}"/>
+          </ac:picMkLst>
+        </pc:picChg>
+        <pc:picChg chg="add del mod">
+          <ac:chgData name="Gowtham Senthilkumar" userId="7cc18b5ff11cdd95" providerId="LiveId" clId="{FC1E8CA4-A29E-465C-A5E2-23D3F82D44AC}" dt="2023-08-03T20:20:23.145" v="10"/>
+          <ac:picMkLst>
+            <pc:docMk/>
+            <pc:sldMk cId="239343094" sldId="260"/>
+            <ac:picMk id="17" creationId="{35FC1513-E01A-137E-92CE-18569DD8AC44}"/>
+          </ac:picMkLst>
+        </pc:picChg>
+        <pc:picChg chg="add del mod">
+          <ac:chgData name="Gowtham Senthilkumar" userId="7cc18b5ff11cdd95" providerId="LiveId" clId="{FC1E8CA4-A29E-465C-A5E2-23D3F82D44AC}" dt="2023-08-03T20:20:27.770" v="13"/>
+          <ac:picMkLst>
+            <pc:docMk/>
+            <pc:sldMk cId="239343094" sldId="260"/>
+            <ac:picMk id="18" creationId="{1254C23C-1B4F-B5E5-1A3C-F4D267D8FD4D}"/>
+          </ac:picMkLst>
+        </pc:picChg>
+        <pc:picChg chg="add mod">
+          <ac:chgData name="Gowtham Senthilkumar" userId="7cc18b5ff11cdd95" providerId="LiveId" clId="{FC1E8CA4-A29E-465C-A5E2-23D3F82D44AC}" dt="2023-08-03T20:20:40.085" v="15" actId="1076"/>
+          <ac:picMkLst>
+            <pc:docMk/>
+            <pc:sldMk cId="239343094" sldId="260"/>
+            <ac:picMk id="19" creationId="{4424D841-9B03-AF09-D5F6-B879376490E4}"/>
+          </ac:picMkLst>
+        </pc:picChg>
+        <pc:picChg chg="add mod">
+          <ac:chgData name="Gowtham Senthilkumar" userId="7cc18b5ff11cdd95" providerId="LiveId" clId="{FC1E8CA4-A29E-465C-A5E2-23D3F82D44AC}" dt="2023-08-03T20:24:17.514" v="34" actId="208"/>
+          <ac:picMkLst>
+            <pc:docMk/>
+            <pc:sldMk cId="239343094" sldId="260"/>
+            <ac:picMk id="20" creationId="{5FE8B124-1974-24AB-ED36-019B393B1C27}"/>
+          </ac:picMkLst>
+        </pc:picChg>
+        <pc:picChg chg="add mod">
+          <ac:chgData name="Gowtham Senthilkumar" userId="7cc18b5ff11cdd95" providerId="LiveId" clId="{FC1E8CA4-A29E-465C-A5E2-23D3F82D44AC}" dt="2023-08-03T20:29:05.953" v="66" actId="1076"/>
+          <ac:picMkLst>
+            <pc:docMk/>
+            <pc:sldMk cId="239343094" sldId="260"/>
+            <ac:picMk id="21" creationId="{E4E34AA4-F3D7-31B7-CE9B-980D0A2E751A}"/>
+          </ac:picMkLst>
+        </pc:picChg>
+        <pc:picChg chg="add mod">
+          <ac:chgData name="Gowtham Senthilkumar" userId="7cc18b5ff11cdd95" providerId="LiveId" clId="{FC1E8CA4-A29E-465C-A5E2-23D3F82D44AC}" dt="2023-08-03T20:31:41.782" v="90" actId="208"/>
+          <ac:picMkLst>
+            <pc:docMk/>
+            <pc:sldMk cId="239343094" sldId="260"/>
+            <ac:picMk id="22" creationId="{BF6F79F9-FEB1-D804-B90C-EAEF8FC4C029}"/>
+          </ac:picMkLst>
+        </pc:picChg>
+        <pc:picChg chg="add mod">
+          <ac:chgData name="Gowtham Senthilkumar" userId="7cc18b5ff11cdd95" providerId="LiveId" clId="{FC1E8CA4-A29E-465C-A5E2-23D3F82D44AC}" dt="2023-08-03T20:31:41.782" v="90" actId="208"/>
+          <ac:picMkLst>
+            <pc:docMk/>
+            <pc:sldMk cId="239343094" sldId="260"/>
+            <ac:picMk id="23" creationId="{0CDAF0EB-E8E2-4AF2-BBF1-4B7C41FBD0DF}"/>
+          </ac:picMkLst>
+        </pc:picChg>
+        <pc:picChg chg="mod">
+          <ac:chgData name="Gowtham Senthilkumar" userId="7cc18b5ff11cdd95" providerId="LiveId" clId="{FC1E8CA4-A29E-465C-A5E2-23D3F82D44AC}" dt="2023-08-03T20:21:30.025" v="22" actId="1076"/>
+          <ac:picMkLst>
+            <pc:docMk/>
+            <pc:sldMk cId="239343094" sldId="260"/>
+            <ac:picMk id="46" creationId="{95104EB5-485F-FFED-35CC-BFF36E3B7FE9}"/>
+          </ac:picMkLst>
+        </pc:picChg>
+        <pc:picChg chg="del">
+          <ac:chgData name="Gowtham Senthilkumar" userId="7cc18b5ff11cdd95" providerId="LiveId" clId="{FC1E8CA4-A29E-465C-A5E2-23D3F82D44AC}" dt="2023-08-03T20:29:38.420" v="73" actId="478"/>
+          <ac:picMkLst>
+            <pc:docMk/>
+            <pc:sldMk cId="239343094" sldId="260"/>
+            <ac:picMk id="47" creationId="{C4AE3241-E77E-F86A-1A92-91D91F868E70}"/>
+          </ac:picMkLst>
+        </pc:picChg>
+        <pc:picChg chg="del">
+          <ac:chgData name="Gowtham Senthilkumar" userId="7cc18b5ff11cdd95" providerId="LiveId" clId="{FC1E8CA4-A29E-465C-A5E2-23D3F82D44AC}" dt="2023-08-03T20:29:36.718" v="72" actId="478"/>
+          <ac:picMkLst>
+            <pc:docMk/>
+            <pc:sldMk cId="239343094" sldId="260"/>
+            <ac:picMk id="48" creationId="{2389C158-0F07-29FD-6471-FEC48337786C}"/>
+          </ac:picMkLst>
+        </pc:picChg>
+        <pc:picChg chg="mod">
+          <ac:chgData name="Gowtham Senthilkumar" userId="7cc18b5ff11cdd95" providerId="LiveId" clId="{FC1E8CA4-A29E-465C-A5E2-23D3F82D44AC}" dt="2023-08-03T20:22:31.428" v="24" actId="1076"/>
+          <ac:picMkLst>
+            <pc:docMk/>
+            <pc:sldMk cId="239343094" sldId="260"/>
+            <ac:picMk id="49" creationId="{E8D29235-2FFB-7A79-1D57-CAAF2726C104}"/>
+          </ac:picMkLst>
+        </pc:picChg>
+        <pc:picChg chg="del">
+          <ac:chgData name="Gowtham Senthilkumar" userId="7cc18b5ff11cdd95" providerId="LiveId" clId="{FC1E8CA4-A29E-465C-A5E2-23D3F82D44AC}" dt="2023-08-03T20:29:51.220" v="81" actId="478"/>
+          <ac:picMkLst>
+            <pc:docMk/>
+            <pc:sldMk cId="239343094" sldId="260"/>
+            <ac:picMk id="50" creationId="{369D1360-CE18-299E-86BE-CA3D33AC7B01}"/>
+          </ac:picMkLst>
+        </pc:picChg>
+        <pc:picChg chg="mod">
+          <ac:chgData name="Gowtham Senthilkumar" userId="7cc18b5ff11cdd95" providerId="LiveId" clId="{FC1E8CA4-A29E-465C-A5E2-23D3F82D44AC}" dt="2023-08-03T20:29:33.557" v="70" actId="1076"/>
+          <ac:picMkLst>
+            <pc:docMk/>
+            <pc:sldMk cId="239343094" sldId="260"/>
+            <ac:picMk id="51" creationId="{CCA7E075-755F-3B50-F041-F160BF9844CD}"/>
+          </ac:picMkLst>
+        </pc:picChg>
+        <pc:picChg chg="del">
+          <ac:chgData name="Gowtham Senthilkumar" userId="7cc18b5ff11cdd95" providerId="LiveId" clId="{FC1E8CA4-A29E-465C-A5E2-23D3F82D44AC}" dt="2023-08-03T20:29:20.611" v="69" actId="478"/>
+          <ac:picMkLst>
+            <pc:docMk/>
+            <pc:sldMk cId="239343094" sldId="260"/>
+            <ac:picMk id="52" creationId="{10C9BB92-EC09-17C3-E7D7-5727EBB6A699}"/>
+          </ac:picMkLst>
+        </pc:picChg>
+        <pc:picChg chg="mod">
+          <ac:chgData name="Gowtham Senthilkumar" userId="7cc18b5ff11cdd95" providerId="LiveId" clId="{FC1E8CA4-A29E-465C-A5E2-23D3F82D44AC}" dt="2023-08-03T20:25:40.890" v="43" actId="1076"/>
+          <ac:picMkLst>
+            <pc:docMk/>
+            <pc:sldMk cId="239343094" sldId="260"/>
+            <ac:picMk id="55" creationId="{8123098D-37B1-619C-1EE4-B8F99C530AE0}"/>
+          </ac:picMkLst>
+        </pc:picChg>
+        <pc:picChg chg="add mod">
+          <ac:chgData name="Gowtham Senthilkumar" userId="7cc18b5ff11cdd95" providerId="LiveId" clId="{FC1E8CA4-A29E-465C-A5E2-23D3F82D44AC}" dt="2023-08-03T20:25:16.349" v="42" actId="208"/>
+          <ac:picMkLst>
+            <pc:docMk/>
+            <pc:sldMk cId="239343094" sldId="260"/>
+            <ac:picMk id="1028" creationId="{088C606A-E029-052A-9E63-FDDCA5FB4BB4}"/>
+          </ac:picMkLst>
+        </pc:picChg>
+        <pc:picChg chg="add mod">
+          <ac:chgData name="Gowtham Senthilkumar" userId="7cc18b5ff11cdd95" providerId="LiveId" clId="{FC1E8CA4-A29E-465C-A5E2-23D3F82D44AC}" dt="2023-08-03T20:26:24.412" v="48" actId="208"/>
+          <ac:picMkLst>
+            <pc:docMk/>
+            <pc:sldMk cId="239343094" sldId="260"/>
+            <ac:picMk id="1030" creationId="{C97553B1-3243-5889-7164-89FEB26B57CA}"/>
+          </ac:picMkLst>
+        </pc:picChg>
+        <pc:picChg chg="add mod">
+          <ac:chgData name="Gowtham Senthilkumar" userId="7cc18b5ff11cdd95" providerId="LiveId" clId="{FC1E8CA4-A29E-465C-A5E2-23D3F82D44AC}" dt="2023-08-03T20:31:41.782" v="90" actId="208"/>
+          <ac:picMkLst>
+            <pc:docMk/>
+            <pc:sldMk cId="239343094" sldId="260"/>
+            <ac:picMk id="1032" creationId="{65EDDD3B-09A0-059E-C443-AE5D6C530B69}"/>
+          </ac:picMkLst>
+        </pc:picChg>
+        <pc:picChg chg="add mod">
+          <ac:chgData name="Gowtham Senthilkumar" userId="7cc18b5ff11cdd95" providerId="LiveId" clId="{FC1E8CA4-A29E-465C-A5E2-23D3F82D44AC}" dt="2023-08-03T20:31:41.782" v="90" actId="208"/>
+          <ac:picMkLst>
+            <pc:docMk/>
+            <pc:sldMk cId="239343094" sldId="260"/>
+            <ac:picMk id="1034" creationId="{05A96E4E-06D6-3D24-0912-E8BC51248BD7}"/>
+          </ac:picMkLst>
+        </pc:picChg>
+        <pc:picChg chg="add del">
+          <ac:chgData name="Gowtham Senthilkumar" userId="7cc18b5ff11cdd95" providerId="LiveId" clId="{FC1E8CA4-A29E-465C-A5E2-23D3F82D44AC}" dt="2023-08-03T20:21:31.844" v="23" actId="478"/>
+          <ac:picMkLst>
+            <pc:docMk/>
+            <pc:sldMk cId="239343094" sldId="260"/>
+            <ac:picMk id="1036" creationId="{4C732BD0-332D-C994-63C9-943499497DFA}"/>
+          </ac:picMkLst>
+        </pc:picChg>
+        <pc:picChg chg="del">
+          <ac:chgData name="Gowtham Senthilkumar" userId="7cc18b5ff11cdd95" providerId="LiveId" clId="{FC1E8CA4-A29E-465C-A5E2-23D3F82D44AC}" dt="2023-08-03T20:25:42.340" v="44" actId="478"/>
+          <ac:picMkLst>
+            <pc:docMk/>
+            <pc:sldMk cId="239343094" sldId="260"/>
+            <ac:picMk id="1038" creationId="{1A45BDD3-2021-CDAB-93EB-2B460576C2DE}"/>
+          </ac:picMkLst>
+        </pc:picChg>
+        <pc:picChg chg="del mod">
+          <ac:chgData name="Gowtham Senthilkumar" userId="7cc18b5ff11cdd95" providerId="LiveId" clId="{FC1E8CA4-A29E-465C-A5E2-23D3F82D44AC}" dt="2023-08-03T20:29:58.963" v="82" actId="478"/>
+          <ac:picMkLst>
+            <pc:docMk/>
+            <pc:sldMk cId="239343094" sldId="260"/>
+            <ac:picMk id="1040" creationId="{ACDA464A-446F-4899-7C34-5C73DF9E29E6}"/>
+          </ac:picMkLst>
+        </pc:picChg>
+        <pc:picChg chg="mod">
+          <ac:chgData name="Gowtham Senthilkumar" userId="7cc18b5ff11cdd95" providerId="LiveId" clId="{FC1E8CA4-A29E-465C-A5E2-23D3F82D44AC}" dt="2023-08-03T20:28:34.236" v="60" actId="1076"/>
+          <ac:picMkLst>
+            <pc:docMk/>
+            <pc:sldMk cId="239343094" sldId="260"/>
+            <ac:picMk id="1042" creationId="{02FDC2ED-62F8-B1DC-1BF6-0508858465B9}"/>
+          </ac:picMkLst>
+        </pc:picChg>
+        <pc:picChg chg="del">
+          <ac:chgData name="Gowtham Senthilkumar" userId="7cc18b5ff11cdd95" providerId="LiveId" clId="{FC1E8CA4-A29E-465C-A5E2-23D3F82D44AC}" dt="2023-08-03T20:20:15.784" v="8" actId="21"/>
+          <ac:picMkLst>
+            <pc:docMk/>
+            <pc:sldMk cId="239343094" sldId="260"/>
+            <ac:picMk id="1044" creationId="{96E3E66E-15AF-0C65-CE17-4710EE79F9F5}"/>
+          </ac:picMkLst>
+        </pc:picChg>
+        <pc:picChg chg="del">
+          <ac:chgData name="Gowtham Senthilkumar" userId="7cc18b5ff11cdd95" providerId="LiveId" clId="{FC1E8CA4-A29E-465C-A5E2-23D3F82D44AC}" dt="2023-08-03T20:27:05.158" v="52" actId="478"/>
+          <ac:picMkLst>
+            <pc:docMk/>
+            <pc:sldMk cId="239343094" sldId="260"/>
+            <ac:picMk id="1046" creationId="{613F7325-05CE-4CB1-B365-8B85DA87496C}"/>
+          </ac:picMkLst>
+        </pc:picChg>
+        <pc:picChg chg="del">
+          <ac:chgData name="Gowtham Senthilkumar" userId="7cc18b5ff11cdd95" providerId="LiveId" clId="{FC1E8CA4-A29E-465C-A5E2-23D3F82D44AC}" dt="2023-08-03T20:24:01.523" v="32" actId="478"/>
+          <ac:picMkLst>
+            <pc:docMk/>
+            <pc:sldMk cId="239343094" sldId="260"/>
+            <ac:picMk id="1050" creationId="{621E721D-6A71-ADA4-8576-D96193A51E4C}"/>
+          </ac:picMkLst>
+        </pc:picChg>
+        <pc:picChg chg="del">
+          <ac:chgData name="Gowtham Senthilkumar" userId="7cc18b5ff11cdd95" providerId="LiveId" clId="{FC1E8CA4-A29E-465C-A5E2-23D3F82D44AC}" dt="2023-08-03T20:25:07.803" v="40" actId="478"/>
+          <ac:picMkLst>
+            <pc:docMk/>
+            <pc:sldMk cId="239343094" sldId="260"/>
+            <ac:picMk id="1052" creationId="{D7CE32A3-364B-C7B5-0648-769308CDBAE9}"/>
+          </ac:picMkLst>
+        </pc:picChg>
+        <pc:picChg chg="del">
+          <ac:chgData name="Gowtham Senthilkumar" userId="7cc18b5ff11cdd95" providerId="LiveId" clId="{FC1E8CA4-A29E-465C-A5E2-23D3F82D44AC}" dt="2023-08-03T20:29:00.962" v="65" actId="478"/>
+          <ac:picMkLst>
+            <pc:docMk/>
+            <pc:sldMk cId="239343094" sldId="260"/>
+            <ac:picMk id="1054" creationId="{D29A82C8-ACD2-077E-CC9A-EEE5E492D61E}"/>
+          </ac:picMkLst>
+        </pc:picChg>
+        <pc:picChg chg="mod">
+          <ac:chgData name="Gowtham Senthilkumar" userId="7cc18b5ff11cdd95" providerId="LiveId" clId="{FC1E8CA4-A29E-465C-A5E2-23D3F82D44AC}" dt="2023-08-03T20:30:11.750" v="83" actId="1076"/>
+          <ac:picMkLst>
+            <pc:docMk/>
+            <pc:sldMk cId="239343094" sldId="260"/>
+            <ac:picMk id="1056" creationId="{928B9B0E-FBE5-F9A8-9789-671202879EF1}"/>
+          </ac:picMkLst>
+        </pc:picChg>
+        <pc:picChg chg="del">
+          <ac:chgData name="Gowtham Senthilkumar" userId="7cc18b5ff11cdd95" providerId="LiveId" clId="{FC1E8CA4-A29E-465C-A5E2-23D3F82D44AC}" dt="2023-08-03T20:29:17.359" v="67" actId="478"/>
+          <ac:picMkLst>
+            <pc:docMk/>
+            <pc:sldMk cId="239343094" sldId="260"/>
+            <ac:picMk id="1062" creationId="{1D340A84-209F-587D-F06E-A7472F2C86B2}"/>
+          </ac:picMkLst>
+        </pc:picChg>
+        <pc:picChg chg="del">
+          <ac:chgData name="Gowtham Senthilkumar" userId="7cc18b5ff11cdd95" providerId="LiveId" clId="{FC1E8CA4-A29E-465C-A5E2-23D3F82D44AC}" dt="2023-08-03T20:20:24.602" v="11" actId="478"/>
+          <ac:picMkLst>
+            <pc:docMk/>
+            <pc:sldMk cId="239343094" sldId="260"/>
+            <ac:picMk id="3074" creationId="{0FC2BA65-8DA5-89E7-90AE-AD59586458CF}"/>
+          </ac:picMkLst>
+        </pc:picChg>
+        <pc:picChg chg="del">
+          <ac:chgData name="Gowtham Senthilkumar" userId="7cc18b5ff11cdd95" providerId="LiveId" clId="{FC1E8CA4-A29E-465C-A5E2-23D3F82D44AC}" dt="2023-08-03T20:27:46.318" v="56" actId="478"/>
+          <ac:picMkLst>
+            <pc:docMk/>
+            <pc:sldMk cId="239343094" sldId="260"/>
+            <ac:picMk id="3076" creationId="{71718B2A-EFB4-25E4-B4B6-D0E92945F4B7}"/>
+          </ac:picMkLst>
+        </pc:picChg>
+        <pc:picChg chg="del">
+          <ac:chgData name="Gowtham Senthilkumar" userId="7cc18b5ff11cdd95" providerId="LiveId" clId="{FC1E8CA4-A29E-465C-A5E2-23D3F82D44AC}" dt="2023-08-03T20:22:32.618" v="25" actId="478"/>
+          <ac:picMkLst>
+            <pc:docMk/>
+            <pc:sldMk cId="239343094" sldId="260"/>
+            <ac:picMk id="3078" creationId="{44F2AC6F-BD04-C534-92DF-C015EFD0A4B9}"/>
+          </ac:picMkLst>
+        </pc:picChg>
+        <pc:picChg chg="del">
+          <ac:chgData name="Gowtham Senthilkumar" userId="7cc18b5ff11cdd95" providerId="LiveId" clId="{FC1E8CA4-A29E-465C-A5E2-23D3F82D44AC}" dt="2023-08-03T20:29:19.123" v="68" actId="478"/>
+          <ac:picMkLst>
+            <pc:docMk/>
+            <pc:sldMk cId="239343094" sldId="260"/>
+            <ac:picMk id="3080" creationId="{80907624-4585-EBF9-32A2-19DE5A6DCD61}"/>
+          </ac:picMkLst>
+        </pc:picChg>
+      </pc:sldChg>
+      <pc:sldChg chg="add del">
+        <pc:chgData name="Gowtham Senthilkumar" userId="7cc18b5ff11cdd95" providerId="LiveId" clId="{FC1E8CA4-A29E-465C-A5E2-23D3F82D44AC}" dt="2023-08-03T20:32:23.145" v="92"/>
+        <pc:sldMkLst>
+          <pc:docMk/>
+          <pc:sldMk cId="199093953" sldId="261"/>
+        </pc:sldMkLst>
+      </pc:sldChg>
+      <pc:sldChg chg="add ord">
+        <pc:chgData name="Gowtham Senthilkumar" userId="7cc18b5ff11cdd95" providerId="LiveId" clId="{FC1E8CA4-A29E-465C-A5E2-23D3F82D44AC}" dt="2023-08-03T20:41:34.909" v="96"/>
+        <pc:sldMkLst>
+          <pc:docMk/>
+          <pc:sldMk cId="1003273112" sldId="261"/>
         </pc:sldMkLst>
       </pc:sldChg>
     </pc:docChg>
@@ -315,7 +1024,7 @@
           <a:p>
             <a:fld id="{E6D5619D-6EEB-4E0C-BC99-84B95D686958}" type="datetimeFigureOut">
               <a:rPr lang="en-IN" smtClean="0"/>
-              <a:t>21-07-2023</a:t>
+              <a:t>03-08-2023</a:t>
             </a:fld>
             <a:endParaRPr lang="en-IN"/>
           </a:p>
@@ -515,7 +1224,7 @@
           <a:p>
             <a:fld id="{E6D5619D-6EEB-4E0C-BC99-84B95D686958}" type="datetimeFigureOut">
               <a:rPr lang="en-IN" smtClean="0"/>
-              <a:t>21-07-2023</a:t>
+              <a:t>03-08-2023</a:t>
             </a:fld>
             <a:endParaRPr lang="en-IN"/>
           </a:p>
@@ -725,7 +1434,7 @@
           <a:p>
             <a:fld id="{E6D5619D-6EEB-4E0C-BC99-84B95D686958}" type="datetimeFigureOut">
               <a:rPr lang="en-IN" smtClean="0"/>
-              <a:t>21-07-2023</a:t>
+              <a:t>03-08-2023</a:t>
             </a:fld>
             <a:endParaRPr lang="en-IN"/>
           </a:p>
@@ -925,7 +1634,7 @@
           <a:p>
             <a:fld id="{E6D5619D-6EEB-4E0C-BC99-84B95D686958}" type="datetimeFigureOut">
               <a:rPr lang="en-IN" smtClean="0"/>
-              <a:t>21-07-2023</a:t>
+              <a:t>03-08-2023</a:t>
             </a:fld>
             <a:endParaRPr lang="en-IN"/>
           </a:p>
@@ -1201,7 +1910,7 @@
           <a:p>
             <a:fld id="{E6D5619D-6EEB-4E0C-BC99-84B95D686958}" type="datetimeFigureOut">
               <a:rPr lang="en-IN" smtClean="0"/>
-              <a:t>21-07-2023</a:t>
+              <a:t>03-08-2023</a:t>
             </a:fld>
             <a:endParaRPr lang="en-IN"/>
           </a:p>
@@ -1469,7 +2178,7 @@
           <a:p>
             <a:fld id="{E6D5619D-6EEB-4E0C-BC99-84B95D686958}" type="datetimeFigureOut">
               <a:rPr lang="en-IN" smtClean="0"/>
-              <a:t>21-07-2023</a:t>
+              <a:t>03-08-2023</a:t>
             </a:fld>
             <a:endParaRPr lang="en-IN"/>
           </a:p>
@@ -1884,7 +2593,7 @@
           <a:p>
             <a:fld id="{E6D5619D-6EEB-4E0C-BC99-84B95D686958}" type="datetimeFigureOut">
               <a:rPr lang="en-IN" smtClean="0"/>
-              <a:t>21-07-2023</a:t>
+              <a:t>03-08-2023</a:t>
             </a:fld>
             <a:endParaRPr lang="en-IN"/>
           </a:p>
@@ -2026,7 +2735,7 @@
           <a:p>
             <a:fld id="{E6D5619D-6EEB-4E0C-BC99-84B95D686958}" type="datetimeFigureOut">
               <a:rPr lang="en-IN" smtClean="0"/>
-              <a:t>21-07-2023</a:t>
+              <a:t>03-08-2023</a:t>
             </a:fld>
             <a:endParaRPr lang="en-IN"/>
           </a:p>
@@ -2139,7 +2848,7 @@
           <a:p>
             <a:fld id="{E6D5619D-6EEB-4E0C-BC99-84B95D686958}" type="datetimeFigureOut">
               <a:rPr lang="en-IN" smtClean="0"/>
-              <a:t>21-07-2023</a:t>
+              <a:t>03-08-2023</a:t>
             </a:fld>
             <a:endParaRPr lang="en-IN"/>
           </a:p>
@@ -2452,7 +3161,7 @@
           <a:p>
             <a:fld id="{E6D5619D-6EEB-4E0C-BC99-84B95D686958}" type="datetimeFigureOut">
               <a:rPr lang="en-IN" smtClean="0"/>
-              <a:t>21-07-2023</a:t>
+              <a:t>03-08-2023</a:t>
             </a:fld>
             <a:endParaRPr lang="en-IN"/>
           </a:p>
@@ -2741,7 +3450,7 @@
           <a:p>
             <a:fld id="{E6D5619D-6EEB-4E0C-BC99-84B95D686958}" type="datetimeFigureOut">
               <a:rPr lang="en-IN" smtClean="0"/>
-              <a:t>21-07-2023</a:t>
+              <a:t>03-08-2023</a:t>
             </a:fld>
             <a:endParaRPr lang="en-IN"/>
           </a:p>
@@ -2984,7 +3693,7 @@
           <a:p>
             <a:fld id="{E6D5619D-6EEB-4E0C-BC99-84B95D686958}" type="datetimeFigureOut">
               <a:rPr lang="en-IN" smtClean="0"/>
-              <a:t>21-07-2023</a:t>
+              <a:t>03-08-2023</a:t>
             </a:fld>
             <a:endParaRPr lang="en-IN"/>
           </a:p>
@@ -5876,10 +6585,10 @@
       </p:pic>
       <p:pic>
         <p:nvPicPr>
-          <p:cNvPr id="1036" name="Picture 12" descr="Australia - Wikipedia">
-            <a:extLst>
-              <a:ext uri="{FF2B5EF4-FFF2-40B4-BE49-F238E27FC236}">
-                <a16:creationId xmlns:a16="http://schemas.microsoft.com/office/drawing/2014/main" id="{4C732BD0-332D-C994-63C9-943499497DFA}"/>
+          <p:cNvPr id="1044" name="Picture 20" descr="Flag of Switzerland - Wikipedia">
+            <a:extLst>
+              <a:ext uri="{FF2B5EF4-FFF2-40B4-BE49-F238E27FC236}">
+                <a16:creationId xmlns:a16="http://schemas.microsoft.com/office/drawing/2014/main" id="{96E3E66E-15AF-0C65-CE17-4710EE79F9F5}"/>
               </a:ext>
             </a:extLst>
           </p:cNvPr>
@@ -5903,8 +6612,8 @@
         </p:blipFill>
         <p:spPr bwMode="auto">
           <a:xfrm>
-            <a:off x="1307564" y="1404425"/>
-            <a:ext cx="1223999" cy="612000"/>
+            <a:off x="1304030" y="4480435"/>
+            <a:ext cx="612000" cy="612000"/>
           </a:xfrm>
           <a:prstGeom prst="rect">
             <a:avLst/>
@@ -5928,10 +6637,10 @@
       </p:pic>
       <p:pic>
         <p:nvPicPr>
-          <p:cNvPr id="1038" name="Picture 14" descr="Canada - Wikipedia">
-            <a:extLst>
-              <a:ext uri="{FF2B5EF4-FFF2-40B4-BE49-F238E27FC236}">
-                <a16:creationId xmlns:a16="http://schemas.microsoft.com/office/drawing/2014/main" id="{1A45BDD3-2021-CDAB-93EB-2B460576C2DE}"/>
+          <p:cNvPr id="1046" name="Picture 22" descr="Flag of England - Wikipedia">
+            <a:extLst>
+              <a:ext uri="{FF2B5EF4-FFF2-40B4-BE49-F238E27FC236}">
+                <a16:creationId xmlns:a16="http://schemas.microsoft.com/office/drawing/2014/main" id="{613F7325-05CE-4CB1-B365-8B85DA87496C}"/>
               </a:ext>
             </a:extLst>
           </p:cNvPr>
@@ -5955,8 +6664,8 @@
         </p:blipFill>
         <p:spPr bwMode="auto">
           <a:xfrm>
-            <a:off x="9663970" y="630939"/>
-            <a:ext cx="1224000" cy="612000"/>
+            <a:off x="9867970" y="631547"/>
+            <a:ext cx="1020000" cy="612000"/>
           </a:xfrm>
           <a:prstGeom prst="rect">
             <a:avLst/>
@@ -5980,10 +6689,10 @@
       </p:pic>
       <p:pic>
         <p:nvPicPr>
-          <p:cNvPr id="1040" name="Picture 16" descr="Spain - Wikipedia">
-            <a:extLst>
-              <a:ext uri="{FF2B5EF4-FFF2-40B4-BE49-F238E27FC236}">
-                <a16:creationId xmlns:a16="http://schemas.microsoft.com/office/drawing/2014/main" id="{ACDA464A-446F-4899-7C34-5C73DF9E29E6}"/>
+          <p:cNvPr id="1050" name="Picture 26" descr="Flag of the United States - Wikipedia">
+            <a:extLst>
+              <a:ext uri="{FF2B5EF4-FFF2-40B4-BE49-F238E27FC236}">
+                <a16:creationId xmlns:a16="http://schemas.microsoft.com/office/drawing/2014/main" id="{621E721D-6A71-ADA4-8576-D96193A51E4C}"/>
               </a:ext>
             </a:extLst>
           </p:cNvPr>
@@ -6007,8 +6716,8 @@
         </p:blipFill>
         <p:spPr bwMode="auto">
           <a:xfrm>
-            <a:off x="1307564" y="2173427"/>
-            <a:ext cx="919672" cy="612000"/>
+            <a:off x="1311177" y="2170664"/>
+            <a:ext cx="1163926" cy="612000"/>
           </a:xfrm>
           <a:prstGeom prst="rect">
             <a:avLst/>
@@ -6032,10 +6741,10 @@
       </p:pic>
       <p:pic>
         <p:nvPicPr>
-          <p:cNvPr id="1042" name="Picture 18">
-            <a:extLst>
-              <a:ext uri="{FF2B5EF4-FFF2-40B4-BE49-F238E27FC236}">
-                <a16:creationId xmlns:a16="http://schemas.microsoft.com/office/drawing/2014/main" id="{02FDC2ED-62F8-B1DC-1BF6-0508858465B9}"/>
+          <p:cNvPr id="1058" name="Picture 34" descr="Flag of Sweden - Wikipedia">
+            <a:extLst>
+              <a:ext uri="{FF2B5EF4-FFF2-40B4-BE49-F238E27FC236}">
+                <a16:creationId xmlns:a16="http://schemas.microsoft.com/office/drawing/2014/main" id="{A951AF60-0737-E99F-3EA7-EF799451FEA3}"/>
               </a:ext>
             </a:extLst>
           </p:cNvPr>
@@ -6059,8 +6768,8 @@
         </p:blipFill>
         <p:spPr bwMode="auto">
           <a:xfrm>
-            <a:off x="1307564" y="2942429"/>
-            <a:ext cx="809723" cy="612000"/>
+            <a:off x="1307564" y="5249435"/>
+            <a:ext cx="981966" cy="612000"/>
           </a:xfrm>
           <a:prstGeom prst="rect">
             <a:avLst/>
@@ -6084,10 +6793,10 @@
       </p:pic>
       <p:pic>
         <p:nvPicPr>
-          <p:cNvPr id="1044" name="Picture 20" descr="Flag of Switzerland - Wikipedia">
-            <a:extLst>
-              <a:ext uri="{FF2B5EF4-FFF2-40B4-BE49-F238E27FC236}">
-                <a16:creationId xmlns:a16="http://schemas.microsoft.com/office/drawing/2014/main" id="{96E3E66E-15AF-0C65-CE17-4710EE79F9F5}"/>
+          <p:cNvPr id="1062" name="Picture 38" descr="Flag of Germany - Wikipedia">
+            <a:extLst>
+              <a:ext uri="{FF2B5EF4-FFF2-40B4-BE49-F238E27FC236}">
+                <a16:creationId xmlns:a16="http://schemas.microsoft.com/office/drawing/2014/main" id="{1D340A84-209F-587D-F06E-A7472F2C86B2}"/>
               </a:ext>
             </a:extLst>
           </p:cNvPr>
@@ -6111,8 +6820,8 @@
         </p:blipFill>
         <p:spPr bwMode="auto">
           <a:xfrm>
-            <a:off x="10275970" y="1378543"/>
-            <a:ext cx="612000" cy="612000"/>
+            <a:off x="9867970" y="2126151"/>
+            <a:ext cx="1020000" cy="612000"/>
           </a:xfrm>
           <a:prstGeom prst="rect">
             <a:avLst/>
@@ -6136,10 +6845,10 @@
       </p:pic>
       <p:pic>
         <p:nvPicPr>
-          <p:cNvPr id="1046" name="Picture 22" descr="Flag of England - Wikipedia">
-            <a:extLst>
-              <a:ext uri="{FF2B5EF4-FFF2-40B4-BE49-F238E27FC236}">
-                <a16:creationId xmlns:a16="http://schemas.microsoft.com/office/drawing/2014/main" id="{613F7325-05CE-4CB1-B365-8B85DA87496C}"/>
+          <p:cNvPr id="46" name="Picture 16" descr="Spain - Wikipedia">
+            <a:extLst>
+              <a:ext uri="{FF2B5EF4-FFF2-40B4-BE49-F238E27FC236}">
+                <a16:creationId xmlns:a16="http://schemas.microsoft.com/office/drawing/2014/main" id="{95104EB5-485F-FFED-35CC-BFF36E3B7FE9}"/>
               </a:ext>
             </a:extLst>
           </p:cNvPr>
@@ -6163,8 +6872,8 @@
         </p:blipFill>
         <p:spPr bwMode="auto">
           <a:xfrm>
-            <a:off x="9867970" y="2126147"/>
-            <a:ext cx="1020000" cy="612000"/>
+            <a:off x="1304030" y="3710049"/>
+            <a:ext cx="919672" cy="612000"/>
           </a:xfrm>
           <a:prstGeom prst="rect">
             <a:avLst/>
@@ -6188,10 +6897,10 @@
       </p:pic>
       <p:pic>
         <p:nvPicPr>
-          <p:cNvPr id="1050" name="Picture 26" descr="Flag of the United States - Wikipedia">
-            <a:extLst>
-              <a:ext uri="{FF2B5EF4-FFF2-40B4-BE49-F238E27FC236}">
-                <a16:creationId xmlns:a16="http://schemas.microsoft.com/office/drawing/2014/main" id="{621E721D-6A71-ADA4-8576-D96193A51E4C}"/>
+          <p:cNvPr id="48" name="Picture 22" descr="Flag of England - Wikipedia">
+            <a:extLst>
+              <a:ext uri="{FF2B5EF4-FFF2-40B4-BE49-F238E27FC236}">
+                <a16:creationId xmlns:a16="http://schemas.microsoft.com/office/drawing/2014/main" id="{2389C158-0F07-29FD-6471-FEC48337786C}"/>
               </a:ext>
             </a:extLst>
           </p:cNvPr>
@@ -6201,7 +6910,7 @@
           <p:nvPr/>
         </p:nvPicPr>
         <p:blipFill>
-          <a:blip r:embed="rId11">
+          <a:blip r:embed="rId6">
             <a:extLst>
               <a:ext uri="{28A0092B-C50C-407E-A947-70E740481C1C}">
                 <a14:useLocalDpi xmlns:a14="http://schemas.microsoft.com/office/drawing/2010/main" val="0"/>
@@ -6215,8 +6924,8 @@
         </p:blipFill>
         <p:spPr bwMode="auto">
           <a:xfrm>
-            <a:off x="1307564" y="3711431"/>
-            <a:ext cx="1163926" cy="612000"/>
+            <a:off x="8162903" y="1075025"/>
+            <a:ext cx="1020000" cy="612000"/>
           </a:xfrm>
           <a:prstGeom prst="rect">
             <a:avLst/>
@@ -6240,10 +6949,10 @@
       </p:pic>
       <p:pic>
         <p:nvPicPr>
-          <p:cNvPr id="1052" name="Picture 28" descr="Flag of Brazil - Wikipedia">
-            <a:extLst>
-              <a:ext uri="{FF2B5EF4-FFF2-40B4-BE49-F238E27FC236}">
-                <a16:creationId xmlns:a16="http://schemas.microsoft.com/office/drawing/2014/main" id="{D7CE32A3-364B-C7B5-0648-769308CDBAE9}"/>
+          <p:cNvPr id="49" name="Picture 26" descr="Flag of the United States - Wikipedia">
+            <a:extLst>
+              <a:ext uri="{FF2B5EF4-FFF2-40B4-BE49-F238E27FC236}">
+                <a16:creationId xmlns:a16="http://schemas.microsoft.com/office/drawing/2014/main" id="{E8D29235-2FFB-7A79-1D57-CAAF2726C104}"/>
               </a:ext>
             </a:extLst>
           </p:cNvPr>
@@ -6253,7 +6962,7 @@
           <p:nvPr/>
         </p:nvPicPr>
         <p:blipFill>
-          <a:blip r:embed="rId12">
+          <a:blip r:embed="rId7">
             <a:extLst>
               <a:ext uri="{28A0092B-C50C-407E-A947-70E740481C1C}">
                 <a14:useLocalDpi xmlns:a14="http://schemas.microsoft.com/office/drawing/2010/main" val="0"/>
@@ -6267,8 +6976,8 @@
         </p:blipFill>
         <p:spPr bwMode="auto">
           <a:xfrm>
-            <a:off x="1307564" y="4480433"/>
-            <a:ext cx="872425" cy="612000"/>
+            <a:off x="3019774" y="2578253"/>
+            <a:ext cx="1163926" cy="612000"/>
           </a:xfrm>
           <a:prstGeom prst="rect">
             <a:avLst/>
@@ -6292,10 +7001,10 @@
       </p:pic>
       <p:pic>
         <p:nvPicPr>
-          <p:cNvPr id="1054" name="Picture 30" descr="Flag of France - Wikipedia">
-            <a:extLst>
-              <a:ext uri="{FF2B5EF4-FFF2-40B4-BE49-F238E27FC236}">
-                <a16:creationId xmlns:a16="http://schemas.microsoft.com/office/drawing/2014/main" id="{D29A82C8-ACD2-077E-CC9A-EEE5E492D61E}"/>
+          <p:cNvPr id="50" name="Picture 34" descr="Flag of Sweden - Wikipedia">
+            <a:extLst>
+              <a:ext uri="{FF2B5EF4-FFF2-40B4-BE49-F238E27FC236}">
+                <a16:creationId xmlns:a16="http://schemas.microsoft.com/office/drawing/2014/main" id="{369D1360-CE18-299E-86BE-CA3D33AC7B01}"/>
               </a:ext>
             </a:extLst>
           </p:cNvPr>
@@ -6305,7 +7014,7 @@
           <p:nvPr/>
         </p:nvPicPr>
         <p:blipFill>
-          <a:blip r:embed="rId13">
+          <a:blip r:embed="rId8">
             <a:extLst>
               <a:ext uri="{28A0092B-C50C-407E-A947-70E740481C1C}">
                 <a14:useLocalDpi xmlns:a14="http://schemas.microsoft.com/office/drawing/2010/main" val="0"/>
@@ -6319,8 +7028,8 @@
         </p:blipFill>
         <p:spPr bwMode="auto">
           <a:xfrm>
-            <a:off x="9971802" y="3621356"/>
-            <a:ext cx="916168" cy="612000"/>
+            <a:off x="3016292" y="5572792"/>
+            <a:ext cx="981966" cy="612000"/>
           </a:xfrm>
           <a:prstGeom prst="rect">
             <a:avLst/>
@@ -6344,10 +7053,10 @@
       </p:pic>
       <p:pic>
         <p:nvPicPr>
-          <p:cNvPr id="1056" name="Picture 32" descr="Flag of the Netherlands - Wikipedia">
-            <a:extLst>
-              <a:ext uri="{FF2B5EF4-FFF2-40B4-BE49-F238E27FC236}">
-                <a16:creationId xmlns:a16="http://schemas.microsoft.com/office/drawing/2014/main" id="{928B9B0E-FBE5-F9A8-9789-671202879EF1}"/>
+          <p:cNvPr id="52" name="Picture 38" descr="Flag of Germany - Wikipedia">
+            <a:extLst>
+              <a:ext uri="{FF2B5EF4-FFF2-40B4-BE49-F238E27FC236}">
+                <a16:creationId xmlns:a16="http://schemas.microsoft.com/office/drawing/2014/main" id="{10C9BB92-EC09-17C3-E7D7-5727EBB6A699}"/>
               </a:ext>
             </a:extLst>
           </p:cNvPr>
@@ -6357,7 +7066,7 @@
           <p:nvPr/>
         </p:nvPicPr>
         <p:blipFill>
-          <a:blip r:embed="rId14">
+          <a:blip r:embed="rId9">
             <a:extLst>
               <a:ext uri="{28A0092B-C50C-407E-A947-70E740481C1C}">
                 <a14:useLocalDpi xmlns:a14="http://schemas.microsoft.com/office/drawing/2010/main" val="0"/>
@@ -6371,8 +7080,8 @@
         </p:blipFill>
         <p:spPr bwMode="auto">
           <a:xfrm>
-            <a:off x="9969970" y="4368960"/>
-            <a:ext cx="918000" cy="612000"/>
+            <a:off x="8172166" y="2578253"/>
+            <a:ext cx="1020000" cy="612000"/>
           </a:xfrm>
           <a:prstGeom prst="rect">
             <a:avLst/>
@@ -6396,10 +7105,10 @@
       </p:pic>
       <p:pic>
         <p:nvPicPr>
-          <p:cNvPr id="1058" name="Picture 34" descr="Flag of Sweden - Wikipedia">
-            <a:extLst>
-              <a:ext uri="{FF2B5EF4-FFF2-40B4-BE49-F238E27FC236}">
-                <a16:creationId xmlns:a16="http://schemas.microsoft.com/office/drawing/2014/main" id="{A951AF60-0737-E99F-3EA7-EF799451FEA3}"/>
+          <p:cNvPr id="55" name="Picture 22" descr="Flag of England - Wikipedia">
+            <a:extLst>
+              <a:ext uri="{FF2B5EF4-FFF2-40B4-BE49-F238E27FC236}">
+                <a16:creationId xmlns:a16="http://schemas.microsoft.com/office/drawing/2014/main" id="{8123098D-37B1-619C-1EE4-B8F99C530AE0}"/>
               </a:ext>
             </a:extLst>
           </p:cNvPr>
@@ -6409,7 +7118,7 @@
           <p:nvPr/>
         </p:nvPicPr>
         <p:blipFill>
-          <a:blip r:embed="rId15">
+          <a:blip r:embed="rId6">
             <a:extLst>
               <a:ext uri="{28A0092B-C50C-407E-A947-70E740481C1C}">
                 <a14:useLocalDpi xmlns:a14="http://schemas.microsoft.com/office/drawing/2010/main" val="0"/>
@@ -6423,8 +7132,8 @@
         </p:blipFill>
         <p:spPr bwMode="auto">
           <a:xfrm>
-            <a:off x="1307564" y="5249435"/>
-            <a:ext cx="981966" cy="612000"/>
+            <a:off x="6871726" y="1816218"/>
+            <a:ext cx="1020000" cy="612000"/>
           </a:xfrm>
           <a:prstGeom prst="rect">
             <a:avLst/>
@@ -6448,10 +7157,10 @@
       </p:pic>
       <p:pic>
         <p:nvPicPr>
-          <p:cNvPr id="1062" name="Picture 38" descr="Flag of Germany - Wikipedia">
-            <a:extLst>
-              <a:ext uri="{FF2B5EF4-FFF2-40B4-BE49-F238E27FC236}">
-                <a16:creationId xmlns:a16="http://schemas.microsoft.com/office/drawing/2014/main" id="{1D340A84-209F-587D-F06E-A7472F2C86B2}"/>
+          <p:cNvPr id="3074" name="Picture 2" descr="Flag of New Zealand - Wikipedia">
+            <a:extLst>
+              <a:ext uri="{FF2B5EF4-FFF2-40B4-BE49-F238E27FC236}">
+                <a16:creationId xmlns:a16="http://schemas.microsoft.com/office/drawing/2014/main" id="{0FC2BA65-8DA5-89E7-90AE-AD59586458CF}"/>
               </a:ext>
             </a:extLst>
           </p:cNvPr>
@@ -6461,7 +7170,7 @@
           <p:nvPr/>
         </p:nvPicPr>
         <p:blipFill>
-          <a:blip r:embed="rId16">
+          <a:blip r:embed="rId11">
             <a:extLst>
               <a:ext uri="{28A0092B-C50C-407E-A947-70E740481C1C}">
                 <a14:useLocalDpi xmlns:a14="http://schemas.microsoft.com/office/drawing/2010/main" val="0"/>
@@ -6475,8 +7184,8 @@
         </p:blipFill>
         <p:spPr bwMode="auto">
           <a:xfrm>
-            <a:off x="9867970" y="5116564"/>
-            <a:ext cx="1020000" cy="612000"/>
+            <a:off x="1307564" y="625116"/>
+            <a:ext cx="1244613" cy="622307"/>
           </a:xfrm>
           <a:prstGeom prst="rect">
             <a:avLst/>
@@ -6500,10 +7209,10 @@
       </p:pic>
       <p:pic>
         <p:nvPicPr>
-          <p:cNvPr id="46" name="Picture 16" descr="Spain - Wikipedia">
-            <a:extLst>
-              <a:ext uri="{FF2B5EF4-FFF2-40B4-BE49-F238E27FC236}">
-                <a16:creationId xmlns:a16="http://schemas.microsoft.com/office/drawing/2014/main" id="{95104EB5-485F-FFED-35CC-BFF36E3B7FE9}"/>
+          <p:cNvPr id="2" name="Picture 2" descr="Flag of New Zealand - Wikipedia">
+            <a:extLst>
+              <a:ext uri="{FF2B5EF4-FFF2-40B4-BE49-F238E27FC236}">
+                <a16:creationId xmlns:a16="http://schemas.microsoft.com/office/drawing/2014/main" id="{DDDCB697-F24A-2142-C080-38AB00E84505}"/>
               </a:ext>
             </a:extLst>
           </p:cNvPr>
@@ -6513,7 +7222,7 @@
           <p:nvPr/>
         </p:nvPicPr>
         <p:blipFill>
-          <a:blip r:embed="rId7">
+          <a:blip r:embed="rId11">
             <a:extLst>
               <a:ext uri="{28A0092B-C50C-407E-A947-70E740481C1C}">
                 <a14:useLocalDpi xmlns:a14="http://schemas.microsoft.com/office/drawing/2010/main" val="0"/>
@@ -6527,8 +7236,8 @@
         </p:blipFill>
         <p:spPr bwMode="auto">
           <a:xfrm>
-            <a:off x="3070671" y="2578253"/>
-            <a:ext cx="919672" cy="612000"/>
+            <a:off x="3019774" y="1075025"/>
+            <a:ext cx="1244613" cy="622307"/>
           </a:xfrm>
           <a:prstGeom prst="rect">
             <a:avLst/>
@@ -6552,10 +7261,10 @@
       </p:pic>
       <p:pic>
         <p:nvPicPr>
-          <p:cNvPr id="47" name="Picture 14" descr="Canada - Wikipedia">
-            <a:extLst>
-              <a:ext uri="{FF2B5EF4-FFF2-40B4-BE49-F238E27FC236}">
-                <a16:creationId xmlns:a16="http://schemas.microsoft.com/office/drawing/2014/main" id="{C4AE3241-E77E-F86A-1A92-91D91F868E70}"/>
+          <p:cNvPr id="3076" name="Picture 4" descr="Flag of Costa Rica - Wikipedia">
+            <a:extLst>
+              <a:ext uri="{FF2B5EF4-FFF2-40B4-BE49-F238E27FC236}">
+                <a16:creationId xmlns:a16="http://schemas.microsoft.com/office/drawing/2014/main" id="{71718B2A-EFB4-25E4-B4B6-D0E92945F4B7}"/>
               </a:ext>
             </a:extLst>
           </p:cNvPr>
@@ -6565,7 +7274,7 @@
           <p:nvPr/>
         </p:nvPicPr>
         <p:blipFill>
-          <a:blip r:embed="rId6">
+          <a:blip r:embed="rId12">
             <a:extLst>
               <a:ext uri="{28A0092B-C50C-407E-A947-70E740481C1C}">
                 <a14:useLocalDpi xmlns:a14="http://schemas.microsoft.com/office/drawing/2010/main" val="0"/>
@@ -6579,8 +7288,8 @@
         </p:blipFill>
         <p:spPr bwMode="auto">
           <a:xfrm>
-            <a:off x="7893985" y="1080178"/>
-            <a:ext cx="1224000" cy="612000"/>
+            <a:off x="1314988" y="1407187"/>
+            <a:ext cx="1020002" cy="612001"/>
           </a:xfrm>
           <a:prstGeom prst="rect">
             <a:avLst/>
@@ -6604,10 +7313,10 @@
       </p:pic>
       <p:pic>
         <p:nvPicPr>
-          <p:cNvPr id="48" name="Picture 22" descr="Flag of England - Wikipedia">
-            <a:extLst>
-              <a:ext uri="{FF2B5EF4-FFF2-40B4-BE49-F238E27FC236}">
-                <a16:creationId xmlns:a16="http://schemas.microsoft.com/office/drawing/2014/main" id="{2389C158-0F07-29FD-6471-FEC48337786C}"/>
+          <p:cNvPr id="12" name="Picture 22" descr="Flag of England - Wikipedia">
+            <a:extLst>
+              <a:ext uri="{FF2B5EF4-FFF2-40B4-BE49-F238E27FC236}">
+                <a16:creationId xmlns:a16="http://schemas.microsoft.com/office/drawing/2014/main" id="{6E091241-285B-BCAD-386E-B0B1D32CC9E6}"/>
               </a:ext>
             </a:extLst>
           </p:cNvPr>
@@ -6617,7 +7326,7 @@
           <p:nvPr/>
         </p:nvPicPr>
         <p:blipFill>
-          <a:blip r:embed="rId10">
+          <a:blip r:embed="rId6">
             <a:extLst>
               <a:ext uri="{28A0092B-C50C-407E-A947-70E740481C1C}">
                 <a14:useLocalDpi xmlns:a14="http://schemas.microsoft.com/office/drawing/2010/main" val="0"/>
@@ -6631,7 +7340,7 @@
         </p:blipFill>
         <p:spPr bwMode="auto">
           <a:xfrm>
-            <a:off x="8097985" y="2578253"/>
+            <a:off x="6812495" y="3328286"/>
             <a:ext cx="1020000" cy="612000"/>
           </a:xfrm>
           <a:prstGeom prst="rect">
@@ -6656,10 +7365,10 @@
       </p:pic>
       <p:pic>
         <p:nvPicPr>
-          <p:cNvPr id="49" name="Picture 26" descr="Flag of the United States - Wikipedia">
-            <a:extLst>
-              <a:ext uri="{FF2B5EF4-FFF2-40B4-BE49-F238E27FC236}">
-                <a16:creationId xmlns:a16="http://schemas.microsoft.com/office/drawing/2014/main" id="{E8D29235-2FFB-7A79-1D57-CAAF2726C104}"/>
+          <p:cNvPr id="14" name="Picture 34" descr="Flag of Sweden - Wikipedia">
+            <a:extLst>
+              <a:ext uri="{FF2B5EF4-FFF2-40B4-BE49-F238E27FC236}">
+                <a16:creationId xmlns:a16="http://schemas.microsoft.com/office/drawing/2014/main" id="{05D1E1D0-4EE4-AEF2-0032-0820FFD7FCE7}"/>
               </a:ext>
             </a:extLst>
           </p:cNvPr>
@@ -6669,7 +7378,7 @@
           <p:nvPr/>
         </p:nvPicPr>
         <p:blipFill>
-          <a:blip r:embed="rId11">
+          <a:blip r:embed="rId8">
             <a:extLst>
               <a:ext uri="{28A0092B-C50C-407E-A947-70E740481C1C}">
                 <a14:useLocalDpi xmlns:a14="http://schemas.microsoft.com/office/drawing/2010/main" val="0"/>
@@ -6683,8 +7392,8 @@
         </p:blipFill>
         <p:spPr bwMode="auto">
           <a:xfrm>
-            <a:off x="3070671" y="4038982"/>
-            <a:ext cx="1163926" cy="612000"/>
+            <a:off x="4264387" y="4861679"/>
+            <a:ext cx="981966" cy="612000"/>
           </a:xfrm>
           <a:prstGeom prst="rect">
             <a:avLst/>
@@ -6708,62 +7417,10 @@
       </p:pic>
       <p:pic>
         <p:nvPicPr>
-          <p:cNvPr id="50" name="Picture 34" descr="Flag of Sweden - Wikipedia">
-            <a:extLst>
-              <a:ext uri="{FF2B5EF4-FFF2-40B4-BE49-F238E27FC236}">
-                <a16:creationId xmlns:a16="http://schemas.microsoft.com/office/drawing/2014/main" id="{369D1360-CE18-299E-86BE-CA3D33AC7B01}"/>
-              </a:ext>
-            </a:extLst>
-          </p:cNvPr>
-          <p:cNvPicPr>
-            <a:picLocks noChangeAspect="1" noChangeArrowheads="1"/>
-          </p:cNvPicPr>
-          <p:nvPr/>
-        </p:nvPicPr>
-        <p:blipFill>
-          <a:blip r:embed="rId15">
-            <a:extLst>
-              <a:ext uri="{28A0092B-C50C-407E-A947-70E740481C1C}">
-                <a14:useLocalDpi xmlns:a14="http://schemas.microsoft.com/office/drawing/2010/main" val="0"/>
-              </a:ext>
-            </a:extLst>
-          </a:blip>
-          <a:srcRect/>
-          <a:stretch>
-            <a:fillRect/>
-          </a:stretch>
-        </p:blipFill>
-        <p:spPr bwMode="auto">
-          <a:xfrm>
-            <a:off x="3070671" y="5572792"/>
-            <a:ext cx="981966" cy="612000"/>
-          </a:xfrm>
-          <a:prstGeom prst="rect">
-            <a:avLst/>
-          </a:prstGeom>
-          <a:noFill/>
-          <a:ln>
-            <a:solidFill>
-              <a:schemeClr val="tx1"/>
-            </a:solidFill>
-          </a:ln>
-          <a:extLst>
-            <a:ext uri="{909E8E84-426E-40DD-AFC4-6F175D3DCCD1}">
-              <a14:hiddenFill xmlns:a14="http://schemas.microsoft.com/office/drawing/2010/main">
-                <a:solidFill>
-                  <a:srgbClr val="FFFFFF"/>
-                </a:solidFill>
-              </a14:hiddenFill>
-            </a:ext>
-          </a:extLst>
-        </p:spPr>
-      </p:pic>
-      <p:pic>
-        <p:nvPicPr>
-          <p:cNvPr id="51" name="Picture 30" descr="Flag of France - Wikipedia">
-            <a:extLst>
-              <a:ext uri="{FF2B5EF4-FFF2-40B4-BE49-F238E27FC236}">
-                <a16:creationId xmlns:a16="http://schemas.microsoft.com/office/drawing/2014/main" id="{CCA7E075-755F-3B50-F041-F160BF9844CD}"/>
+          <p:cNvPr id="15" name="Picture 42" descr="Gold Background Vector Art, Icons, and Graphics for Free Download">
+            <a:extLst>
+              <a:ext uri="{FF2B5EF4-FFF2-40B4-BE49-F238E27FC236}">
+                <a16:creationId xmlns:a16="http://schemas.microsoft.com/office/drawing/2014/main" id="{5F2BBD99-79DF-9F1D-8EA2-2E48E41A97F7}"/>
               </a:ext>
             </a:extLst>
           </p:cNvPr>
@@ -6774,630 +7431,6 @@
         </p:nvPicPr>
         <p:blipFill>
           <a:blip r:embed="rId13">
-            <a:extLst>
-              <a:ext uri="{28A0092B-C50C-407E-A947-70E740481C1C}">
-                <a14:useLocalDpi xmlns:a14="http://schemas.microsoft.com/office/drawing/2010/main" val="0"/>
-              </a:ext>
-            </a:extLst>
-          </a:blip>
-          <a:srcRect/>
-          <a:stretch>
-            <a:fillRect/>
-          </a:stretch>
-        </p:blipFill>
-        <p:spPr bwMode="auto">
-          <a:xfrm>
-            <a:off x="8214819" y="4038982"/>
-            <a:ext cx="916168" cy="612000"/>
-          </a:xfrm>
-          <a:prstGeom prst="rect">
-            <a:avLst/>
-          </a:prstGeom>
-          <a:noFill/>
-          <a:ln>
-            <a:solidFill>
-              <a:schemeClr val="tx1"/>
-            </a:solidFill>
-          </a:ln>
-          <a:extLst>
-            <a:ext uri="{909E8E84-426E-40DD-AFC4-6F175D3DCCD1}">
-              <a14:hiddenFill xmlns:a14="http://schemas.microsoft.com/office/drawing/2010/main">
-                <a:solidFill>
-                  <a:srgbClr val="FFFFFF"/>
-                </a:solidFill>
-              </a14:hiddenFill>
-            </a:ext>
-          </a:extLst>
-        </p:spPr>
-      </p:pic>
-      <p:pic>
-        <p:nvPicPr>
-          <p:cNvPr id="52" name="Picture 38" descr="Flag of Germany - Wikipedia">
-            <a:extLst>
-              <a:ext uri="{FF2B5EF4-FFF2-40B4-BE49-F238E27FC236}">
-                <a16:creationId xmlns:a16="http://schemas.microsoft.com/office/drawing/2014/main" id="{10C9BB92-EC09-17C3-E7D7-5727EBB6A699}"/>
-              </a:ext>
-            </a:extLst>
-          </p:cNvPr>
-          <p:cNvPicPr>
-            <a:picLocks noChangeAspect="1" noChangeArrowheads="1"/>
-          </p:cNvPicPr>
-          <p:nvPr/>
-        </p:nvPicPr>
-        <p:blipFill>
-          <a:blip r:embed="rId16">
-            <a:extLst>
-              <a:ext uri="{28A0092B-C50C-407E-A947-70E740481C1C}">
-                <a14:useLocalDpi xmlns:a14="http://schemas.microsoft.com/office/drawing/2010/main" val="0"/>
-              </a:ext>
-            </a:extLst>
-          </a:blip>
-          <a:srcRect/>
-          <a:stretch>
-            <a:fillRect/>
-          </a:stretch>
-        </p:blipFill>
-        <p:spPr bwMode="auto">
-          <a:xfrm>
-            <a:off x="8110987" y="5572792"/>
-            <a:ext cx="1020000" cy="612000"/>
-          </a:xfrm>
-          <a:prstGeom prst="rect">
-            <a:avLst/>
-          </a:prstGeom>
-          <a:noFill/>
-          <a:ln>
-            <a:solidFill>
-              <a:schemeClr val="tx1"/>
-            </a:solidFill>
-          </a:ln>
-          <a:extLst>
-            <a:ext uri="{909E8E84-426E-40DD-AFC4-6F175D3DCCD1}">
-              <a14:hiddenFill xmlns:a14="http://schemas.microsoft.com/office/drawing/2010/main">
-                <a:solidFill>
-                  <a:srgbClr val="FFFFFF"/>
-                </a:solidFill>
-              </a14:hiddenFill>
-            </a:ext>
-          </a:extLst>
-        </p:spPr>
-      </p:pic>
-      <p:pic>
-        <p:nvPicPr>
-          <p:cNvPr id="55" name="Picture 22" descr="Flag of England - Wikipedia">
-            <a:extLst>
-              <a:ext uri="{FF2B5EF4-FFF2-40B4-BE49-F238E27FC236}">
-                <a16:creationId xmlns:a16="http://schemas.microsoft.com/office/drawing/2014/main" id="{8123098D-37B1-619C-1EE4-B8F99C530AE0}"/>
-              </a:ext>
-            </a:extLst>
-          </p:cNvPr>
-          <p:cNvPicPr>
-            <a:picLocks noChangeAspect="1" noChangeArrowheads="1"/>
-          </p:cNvPicPr>
-          <p:nvPr/>
-        </p:nvPicPr>
-        <p:blipFill>
-          <a:blip r:embed="rId10">
-            <a:extLst>
-              <a:ext uri="{28A0092B-C50C-407E-A947-70E740481C1C}">
-                <a14:useLocalDpi xmlns:a14="http://schemas.microsoft.com/office/drawing/2010/main" val="0"/>
-              </a:ext>
-            </a:extLst>
-          </a:blip>
-          <a:srcRect/>
-          <a:stretch>
-            <a:fillRect/>
-          </a:stretch>
-        </p:blipFill>
-        <p:spPr bwMode="auto">
-          <a:xfrm>
-            <a:off x="6871726" y="1816218"/>
-            <a:ext cx="1020000" cy="612000"/>
-          </a:xfrm>
-          <a:prstGeom prst="rect">
-            <a:avLst/>
-          </a:prstGeom>
-          <a:noFill/>
-          <a:ln>
-            <a:solidFill>
-              <a:schemeClr val="tx1"/>
-            </a:solidFill>
-          </a:ln>
-          <a:extLst>
-            <a:ext uri="{909E8E84-426E-40DD-AFC4-6F175D3DCCD1}">
-              <a14:hiddenFill xmlns:a14="http://schemas.microsoft.com/office/drawing/2010/main">
-                <a:solidFill>
-                  <a:srgbClr val="FFFFFF"/>
-                </a:solidFill>
-              </a14:hiddenFill>
-            </a:ext>
-          </a:extLst>
-        </p:spPr>
-      </p:pic>
-      <p:pic>
-        <p:nvPicPr>
-          <p:cNvPr id="3074" name="Picture 2" descr="Flag of New Zealand - Wikipedia">
-            <a:extLst>
-              <a:ext uri="{FF2B5EF4-FFF2-40B4-BE49-F238E27FC236}">
-                <a16:creationId xmlns:a16="http://schemas.microsoft.com/office/drawing/2014/main" id="{0FC2BA65-8DA5-89E7-90AE-AD59586458CF}"/>
-              </a:ext>
-            </a:extLst>
-          </p:cNvPr>
-          <p:cNvPicPr>
-            <a:picLocks noChangeAspect="1" noChangeArrowheads="1"/>
-          </p:cNvPicPr>
-          <p:nvPr/>
-        </p:nvPicPr>
-        <p:blipFill>
-          <a:blip r:embed="rId17">
-            <a:extLst>
-              <a:ext uri="{28A0092B-C50C-407E-A947-70E740481C1C}">
-                <a14:useLocalDpi xmlns:a14="http://schemas.microsoft.com/office/drawing/2010/main" val="0"/>
-              </a:ext>
-            </a:extLst>
-          </a:blip>
-          <a:srcRect/>
-          <a:stretch>
-            <a:fillRect/>
-          </a:stretch>
-        </p:blipFill>
-        <p:spPr bwMode="auto">
-          <a:xfrm>
-            <a:off x="1307564" y="625116"/>
-            <a:ext cx="1244613" cy="622307"/>
-          </a:xfrm>
-          <a:prstGeom prst="rect">
-            <a:avLst/>
-          </a:prstGeom>
-          <a:noFill/>
-          <a:ln>
-            <a:solidFill>
-              <a:schemeClr val="tx1"/>
-            </a:solidFill>
-          </a:ln>
-          <a:extLst>
-            <a:ext uri="{909E8E84-426E-40DD-AFC4-6F175D3DCCD1}">
-              <a14:hiddenFill xmlns:a14="http://schemas.microsoft.com/office/drawing/2010/main">
-                <a:solidFill>
-                  <a:srgbClr val="FFFFFF"/>
-                </a:solidFill>
-              </a14:hiddenFill>
-            </a:ext>
-          </a:extLst>
-        </p:spPr>
-      </p:pic>
-      <p:pic>
-        <p:nvPicPr>
-          <p:cNvPr id="2" name="Picture 2" descr="Flag of New Zealand - Wikipedia">
-            <a:extLst>
-              <a:ext uri="{FF2B5EF4-FFF2-40B4-BE49-F238E27FC236}">
-                <a16:creationId xmlns:a16="http://schemas.microsoft.com/office/drawing/2014/main" id="{DDDCB697-F24A-2142-C080-38AB00E84505}"/>
-              </a:ext>
-            </a:extLst>
-          </p:cNvPr>
-          <p:cNvPicPr>
-            <a:picLocks noChangeAspect="1" noChangeArrowheads="1"/>
-          </p:cNvPicPr>
-          <p:nvPr/>
-        </p:nvPicPr>
-        <p:blipFill>
-          <a:blip r:embed="rId17">
-            <a:extLst>
-              <a:ext uri="{28A0092B-C50C-407E-A947-70E740481C1C}">
-                <a14:useLocalDpi xmlns:a14="http://schemas.microsoft.com/office/drawing/2010/main" val="0"/>
-              </a:ext>
-            </a:extLst>
-          </a:blip>
-          <a:srcRect/>
-          <a:stretch>
-            <a:fillRect/>
-          </a:stretch>
-        </p:blipFill>
-        <p:spPr bwMode="auto">
-          <a:xfrm>
-            <a:off x="3019774" y="1075025"/>
-            <a:ext cx="1244613" cy="622307"/>
-          </a:xfrm>
-          <a:prstGeom prst="rect">
-            <a:avLst/>
-          </a:prstGeom>
-          <a:noFill/>
-          <a:ln>
-            <a:solidFill>
-              <a:schemeClr val="tx1"/>
-            </a:solidFill>
-          </a:ln>
-          <a:extLst>
-            <a:ext uri="{909E8E84-426E-40DD-AFC4-6F175D3DCCD1}">
-              <a14:hiddenFill xmlns:a14="http://schemas.microsoft.com/office/drawing/2010/main">
-                <a:solidFill>
-                  <a:srgbClr val="FFFFFF"/>
-                </a:solidFill>
-              </a14:hiddenFill>
-            </a:ext>
-          </a:extLst>
-        </p:spPr>
-      </p:pic>
-      <p:pic>
-        <p:nvPicPr>
-          <p:cNvPr id="3076" name="Picture 4" descr="Flag of Costa Rica - Wikipedia">
-            <a:extLst>
-              <a:ext uri="{FF2B5EF4-FFF2-40B4-BE49-F238E27FC236}">
-                <a16:creationId xmlns:a16="http://schemas.microsoft.com/office/drawing/2014/main" id="{71718B2A-EFB4-25E4-B4B6-D0E92945F4B7}"/>
-              </a:ext>
-            </a:extLst>
-          </p:cNvPr>
-          <p:cNvPicPr>
-            <a:picLocks noChangeAspect="1" noChangeArrowheads="1"/>
-          </p:cNvPicPr>
-          <p:nvPr/>
-        </p:nvPicPr>
-        <p:blipFill>
-          <a:blip r:embed="rId18">
-            <a:extLst>
-              <a:ext uri="{28A0092B-C50C-407E-A947-70E740481C1C}">
-                <a14:useLocalDpi xmlns:a14="http://schemas.microsoft.com/office/drawing/2010/main" val="0"/>
-              </a:ext>
-            </a:extLst>
-          </a:blip>
-          <a:srcRect/>
-          <a:stretch>
-            <a:fillRect/>
-          </a:stretch>
-        </p:blipFill>
-        <p:spPr bwMode="auto">
-          <a:xfrm>
-            <a:off x="9867968" y="2873751"/>
-            <a:ext cx="1020002" cy="612001"/>
-          </a:xfrm>
-          <a:prstGeom prst="rect">
-            <a:avLst/>
-          </a:prstGeom>
-          <a:noFill/>
-          <a:ln>
-            <a:solidFill>
-              <a:schemeClr val="tx1"/>
-            </a:solidFill>
-          </a:ln>
-          <a:extLst>
-            <a:ext uri="{909E8E84-426E-40DD-AFC4-6F175D3DCCD1}">
-              <a14:hiddenFill xmlns:a14="http://schemas.microsoft.com/office/drawing/2010/main">
-                <a:solidFill>
-                  <a:srgbClr val="FFFFFF"/>
-                </a:solidFill>
-              </a14:hiddenFill>
-            </a:ext>
-          </a:extLst>
-        </p:spPr>
-      </p:pic>
-      <p:pic>
-        <p:nvPicPr>
-          <p:cNvPr id="3078" name="Picture 6" descr="Flag of Colombia - Wikipedia">
-            <a:extLst>
-              <a:ext uri="{FF2B5EF4-FFF2-40B4-BE49-F238E27FC236}">
-                <a16:creationId xmlns:a16="http://schemas.microsoft.com/office/drawing/2014/main" id="{44F2AC6F-BD04-C534-92DF-C015EFD0A4B9}"/>
-              </a:ext>
-            </a:extLst>
-          </p:cNvPr>
-          <p:cNvPicPr>
-            <a:picLocks noChangeAspect="1" noChangeArrowheads="1"/>
-          </p:cNvPicPr>
-          <p:nvPr/>
-        </p:nvPicPr>
-        <p:blipFill>
-          <a:blip r:embed="rId19">
-            <a:extLst>
-              <a:ext uri="{28A0092B-C50C-407E-A947-70E740481C1C}">
-                <a14:useLocalDpi xmlns:a14="http://schemas.microsoft.com/office/drawing/2010/main" val="0"/>
-              </a:ext>
-            </a:extLst>
-          </a:blip>
-          <a:srcRect/>
-          <a:stretch>
-            <a:fillRect/>
-          </a:stretch>
-        </p:blipFill>
-        <p:spPr bwMode="auto">
-          <a:xfrm>
-            <a:off x="1307564" y="6018435"/>
-            <a:ext cx="923692" cy="615795"/>
-          </a:xfrm>
-          <a:prstGeom prst="rect">
-            <a:avLst/>
-          </a:prstGeom>
-          <a:noFill/>
-          <a:ln>
-            <a:solidFill>
-              <a:schemeClr val="tx1"/>
-            </a:solidFill>
-          </a:ln>
-          <a:extLst>
-            <a:ext uri="{909E8E84-426E-40DD-AFC4-6F175D3DCCD1}">
-              <a14:hiddenFill xmlns:a14="http://schemas.microsoft.com/office/drawing/2010/main">
-                <a:solidFill>
-                  <a:srgbClr val="FFFFFF"/>
-                </a:solidFill>
-              </a14:hiddenFill>
-            </a:ext>
-          </a:extLst>
-        </p:spPr>
-      </p:pic>
-      <p:pic>
-        <p:nvPicPr>
-          <p:cNvPr id="3080" name="Picture 8" descr="Argentina - Wikipedia">
-            <a:extLst>
-              <a:ext uri="{FF2B5EF4-FFF2-40B4-BE49-F238E27FC236}">
-                <a16:creationId xmlns:a16="http://schemas.microsoft.com/office/drawing/2014/main" id="{80907624-4585-EBF9-32A2-19DE5A6DCD61}"/>
-              </a:ext>
-            </a:extLst>
-          </p:cNvPr>
-          <p:cNvPicPr>
-            <a:picLocks noChangeAspect="1" noChangeArrowheads="1"/>
-          </p:cNvPicPr>
-          <p:nvPr/>
-        </p:nvPicPr>
-        <p:blipFill>
-          <a:blip r:embed="rId20">
-            <a:extLst>
-              <a:ext uri="{28A0092B-C50C-407E-A947-70E740481C1C}">
-                <a14:useLocalDpi xmlns:a14="http://schemas.microsoft.com/office/drawing/2010/main" val="0"/>
-              </a:ext>
-            </a:extLst>
-          </a:blip>
-          <a:srcRect/>
-          <a:stretch>
-            <a:fillRect/>
-          </a:stretch>
-        </p:blipFill>
-        <p:spPr bwMode="auto">
-          <a:xfrm>
-            <a:off x="9906002" y="5864165"/>
-            <a:ext cx="981968" cy="612001"/>
-          </a:xfrm>
-          <a:prstGeom prst="rect">
-            <a:avLst/>
-          </a:prstGeom>
-          <a:noFill/>
-          <a:ln>
-            <a:solidFill>
-              <a:schemeClr val="tx1"/>
-            </a:solidFill>
-          </a:ln>
-          <a:extLst>
-            <a:ext uri="{909E8E84-426E-40DD-AFC4-6F175D3DCCD1}">
-              <a14:hiddenFill xmlns:a14="http://schemas.microsoft.com/office/drawing/2010/main">
-                <a:solidFill>
-                  <a:srgbClr val="FFFFFF"/>
-                </a:solidFill>
-              </a14:hiddenFill>
-            </a:ext>
-          </a:extLst>
-        </p:spPr>
-      </p:pic>
-      <p:pic>
-        <p:nvPicPr>
-          <p:cNvPr id="3" name="Picture 2" descr="Flag of New Zealand - Wikipedia">
-            <a:extLst>
-              <a:ext uri="{FF2B5EF4-FFF2-40B4-BE49-F238E27FC236}">
-                <a16:creationId xmlns:a16="http://schemas.microsoft.com/office/drawing/2014/main" id="{950377A4-CFC4-9AD8-C781-86E5D4FE2B82}"/>
-              </a:ext>
-            </a:extLst>
-          </p:cNvPr>
-          <p:cNvPicPr>
-            <a:picLocks noChangeAspect="1" noChangeArrowheads="1"/>
-          </p:cNvPicPr>
-          <p:nvPr/>
-        </p:nvPicPr>
-        <p:blipFill>
-          <a:blip r:embed="rId17">
-            <a:extLst>
-              <a:ext uri="{28A0092B-C50C-407E-A947-70E740481C1C}">
-                <a14:useLocalDpi xmlns:a14="http://schemas.microsoft.com/office/drawing/2010/main" val="0"/>
-              </a:ext>
-            </a:extLst>
-          </a:blip>
-          <a:srcRect/>
-          <a:stretch>
-            <a:fillRect/>
-          </a:stretch>
-        </p:blipFill>
-        <p:spPr bwMode="auto">
-          <a:xfrm>
-            <a:off x="4181908" y="1811065"/>
-            <a:ext cx="1244613" cy="622307"/>
-          </a:xfrm>
-          <a:prstGeom prst="rect">
-            <a:avLst/>
-          </a:prstGeom>
-          <a:noFill/>
-          <a:ln>
-            <a:solidFill>
-              <a:schemeClr val="tx1"/>
-            </a:solidFill>
-          </a:ln>
-          <a:extLst>
-            <a:ext uri="{909E8E84-426E-40DD-AFC4-6F175D3DCCD1}">
-              <a14:hiddenFill xmlns:a14="http://schemas.microsoft.com/office/drawing/2010/main">
-                <a:solidFill>
-                  <a:srgbClr val="FFFFFF"/>
-                </a:solidFill>
-              </a14:hiddenFill>
-            </a:ext>
-          </a:extLst>
-        </p:spPr>
-      </p:pic>
-      <p:pic>
-        <p:nvPicPr>
-          <p:cNvPr id="4" name="Picture 30" descr="Flag of France - Wikipedia">
-            <a:extLst>
-              <a:ext uri="{FF2B5EF4-FFF2-40B4-BE49-F238E27FC236}">
-                <a16:creationId xmlns:a16="http://schemas.microsoft.com/office/drawing/2014/main" id="{596EC5FD-FD58-9CDA-9E1A-14942B1EBAE2}"/>
-              </a:ext>
-            </a:extLst>
-          </p:cNvPr>
-          <p:cNvPicPr>
-            <a:picLocks noChangeAspect="1" noChangeArrowheads="1"/>
-          </p:cNvPicPr>
-          <p:nvPr/>
-        </p:nvPicPr>
-        <p:blipFill>
-          <a:blip r:embed="rId13">
-            <a:extLst>
-              <a:ext uri="{28A0092B-C50C-407E-A947-70E740481C1C}">
-                <a14:useLocalDpi xmlns:a14="http://schemas.microsoft.com/office/drawing/2010/main" val="0"/>
-              </a:ext>
-            </a:extLst>
-          </a:blip>
-          <a:srcRect/>
-          <a:stretch>
-            <a:fillRect/>
-          </a:stretch>
-        </p:blipFill>
-        <p:spPr bwMode="auto">
-          <a:xfrm>
-            <a:off x="6999903" y="4861679"/>
-            <a:ext cx="916168" cy="612000"/>
-          </a:xfrm>
-          <a:prstGeom prst="rect">
-            <a:avLst/>
-          </a:prstGeom>
-          <a:noFill/>
-          <a:ln>
-            <a:solidFill>
-              <a:schemeClr val="tx1"/>
-            </a:solidFill>
-          </a:ln>
-          <a:extLst>
-            <a:ext uri="{909E8E84-426E-40DD-AFC4-6F175D3DCCD1}">
-              <a14:hiddenFill xmlns:a14="http://schemas.microsoft.com/office/drawing/2010/main">
-                <a:solidFill>
-                  <a:srgbClr val="FFFFFF"/>
-                </a:solidFill>
-              </a14:hiddenFill>
-            </a:ext>
-          </a:extLst>
-        </p:spPr>
-      </p:pic>
-      <p:pic>
-        <p:nvPicPr>
-          <p:cNvPr id="12" name="Picture 22" descr="Flag of England - Wikipedia">
-            <a:extLst>
-              <a:ext uri="{FF2B5EF4-FFF2-40B4-BE49-F238E27FC236}">
-                <a16:creationId xmlns:a16="http://schemas.microsoft.com/office/drawing/2014/main" id="{6E091241-285B-BCAD-386E-B0B1D32CC9E6}"/>
-              </a:ext>
-            </a:extLst>
-          </p:cNvPr>
-          <p:cNvPicPr>
-            <a:picLocks noChangeAspect="1" noChangeArrowheads="1"/>
-          </p:cNvPicPr>
-          <p:nvPr/>
-        </p:nvPicPr>
-        <p:blipFill>
-          <a:blip r:embed="rId10">
-            <a:extLst>
-              <a:ext uri="{28A0092B-C50C-407E-A947-70E740481C1C}">
-                <a14:useLocalDpi xmlns:a14="http://schemas.microsoft.com/office/drawing/2010/main" val="0"/>
-              </a:ext>
-            </a:extLst>
-          </a:blip>
-          <a:srcRect/>
-          <a:stretch>
-            <a:fillRect/>
-          </a:stretch>
-        </p:blipFill>
-        <p:spPr bwMode="auto">
-          <a:xfrm>
-            <a:off x="6812495" y="3328286"/>
-            <a:ext cx="1020000" cy="612000"/>
-          </a:xfrm>
-          <a:prstGeom prst="rect">
-            <a:avLst/>
-          </a:prstGeom>
-          <a:noFill/>
-          <a:ln>
-            <a:solidFill>
-              <a:schemeClr val="tx1"/>
-            </a:solidFill>
-          </a:ln>
-          <a:extLst>
-            <a:ext uri="{909E8E84-426E-40DD-AFC4-6F175D3DCCD1}">
-              <a14:hiddenFill xmlns:a14="http://schemas.microsoft.com/office/drawing/2010/main">
-                <a:solidFill>
-                  <a:srgbClr val="FFFFFF"/>
-                </a:solidFill>
-              </a14:hiddenFill>
-            </a:ext>
-          </a:extLst>
-        </p:spPr>
-      </p:pic>
-      <p:pic>
-        <p:nvPicPr>
-          <p:cNvPr id="14" name="Picture 34" descr="Flag of Sweden - Wikipedia">
-            <a:extLst>
-              <a:ext uri="{FF2B5EF4-FFF2-40B4-BE49-F238E27FC236}">
-                <a16:creationId xmlns:a16="http://schemas.microsoft.com/office/drawing/2014/main" id="{05D1E1D0-4EE4-AEF2-0032-0820FFD7FCE7}"/>
-              </a:ext>
-            </a:extLst>
-          </p:cNvPr>
-          <p:cNvPicPr>
-            <a:picLocks noChangeAspect="1" noChangeArrowheads="1"/>
-          </p:cNvPicPr>
-          <p:nvPr/>
-        </p:nvPicPr>
-        <p:blipFill>
-          <a:blip r:embed="rId15">
-            <a:extLst>
-              <a:ext uri="{28A0092B-C50C-407E-A947-70E740481C1C}">
-                <a14:useLocalDpi xmlns:a14="http://schemas.microsoft.com/office/drawing/2010/main" val="0"/>
-              </a:ext>
-            </a:extLst>
-          </a:blip>
-          <a:srcRect/>
-          <a:stretch>
-            <a:fillRect/>
-          </a:stretch>
-        </p:blipFill>
-        <p:spPr bwMode="auto">
-          <a:xfrm>
-            <a:off x="4264387" y="4861679"/>
-            <a:ext cx="981966" cy="612000"/>
-          </a:xfrm>
-          <a:prstGeom prst="rect">
-            <a:avLst/>
-          </a:prstGeom>
-          <a:noFill/>
-          <a:ln>
-            <a:solidFill>
-              <a:schemeClr val="tx1"/>
-            </a:solidFill>
-          </a:ln>
-          <a:extLst>
-            <a:ext uri="{909E8E84-426E-40DD-AFC4-6F175D3DCCD1}">
-              <a14:hiddenFill xmlns:a14="http://schemas.microsoft.com/office/drawing/2010/main">
-                <a:solidFill>
-                  <a:srgbClr val="FFFFFF"/>
-                </a:solidFill>
-              </a14:hiddenFill>
-            </a:ext>
-          </a:extLst>
-        </p:spPr>
-      </p:pic>
-      <p:pic>
-        <p:nvPicPr>
-          <p:cNvPr id="15" name="Picture 42" descr="Gold Background Vector Art, Icons, and Graphics for Free Download">
-            <a:extLst>
-              <a:ext uri="{FF2B5EF4-FFF2-40B4-BE49-F238E27FC236}">
-                <a16:creationId xmlns:a16="http://schemas.microsoft.com/office/drawing/2014/main" id="{5F2BBD99-79DF-9F1D-8EA2-2E48E41A97F7}"/>
-              </a:ext>
-            </a:extLst>
-          </p:cNvPr>
-          <p:cNvPicPr>
-            <a:picLocks noChangeAspect="1" noChangeArrowheads="1"/>
-          </p:cNvPicPr>
-          <p:nvPr/>
-        </p:nvPicPr>
-        <p:blipFill>
-          <a:blip r:embed="rId21">
             <a:extLst>
               <a:ext uri="{28A0092B-C50C-407E-A947-70E740481C1C}">
                 <a14:useLocalDpi xmlns:a14="http://schemas.microsoft.com/office/drawing/2010/main" val="0"/>
@@ -7450,7 +7483,7 @@
           <p:nvPr/>
         </p:nvPicPr>
         <p:blipFill>
-          <a:blip r:embed="rId10">
+          <a:blip r:embed="rId6">
             <a:extLst>
               <a:ext uri="{28A0092B-C50C-407E-A947-70E740481C1C}">
                 <a14:useLocalDpi xmlns:a14="http://schemas.microsoft.com/office/drawing/2010/main" val="0"/>
@@ -7502,7 +7535,7 @@
           <p:nvPr/>
         </p:nvPicPr>
         <p:blipFill>
-          <a:blip r:embed="rId15">
+          <a:blip r:embed="rId8">
             <a:extLst>
               <a:ext uri="{28A0092B-C50C-407E-A947-70E740481C1C}">
                 <a14:useLocalDpi xmlns:a14="http://schemas.microsoft.com/office/drawing/2010/main" val="0"/>
@@ -7518,6 +7551,682 @@
           <a:xfrm>
             <a:off x="4365182" y="3341242"/>
             <a:ext cx="981966" cy="612000"/>
+          </a:xfrm>
+          <a:prstGeom prst="rect">
+            <a:avLst/>
+          </a:prstGeom>
+          <a:noFill/>
+          <a:ln>
+            <a:solidFill>
+              <a:schemeClr val="tx1"/>
+            </a:solidFill>
+          </a:ln>
+          <a:extLst>
+            <a:ext uri="{909E8E84-426E-40DD-AFC4-6F175D3DCCD1}">
+              <a14:hiddenFill xmlns:a14="http://schemas.microsoft.com/office/drawing/2010/main">
+                <a:solidFill>
+                  <a:srgbClr val="FFFFFF"/>
+                </a:solidFill>
+              </a14:hiddenFill>
+            </a:ext>
+          </a:extLst>
+        </p:spPr>
+      </p:pic>
+      <p:pic>
+        <p:nvPicPr>
+          <p:cNvPr id="18" name="Picture 40" descr="Flag of Italy - Wikipedia">
+            <a:extLst>
+              <a:ext uri="{FF2B5EF4-FFF2-40B4-BE49-F238E27FC236}">
+                <a16:creationId xmlns:a16="http://schemas.microsoft.com/office/drawing/2014/main" id="{EAAC92DE-E500-456D-AC68-E3114C9BDA4A}"/>
+              </a:ext>
+            </a:extLst>
+          </p:cNvPr>
+          <p:cNvPicPr>
+            <a:picLocks noChangeAspect="1" noChangeArrowheads="1"/>
+          </p:cNvPicPr>
+          <p:nvPr/>
+        </p:nvPicPr>
+        <p:blipFill>
+          <a:blip r:embed="rId14">
+            <a:extLst>
+              <a:ext uri="{28A0092B-C50C-407E-A947-70E740481C1C}">
+                <a14:useLocalDpi xmlns:a14="http://schemas.microsoft.com/office/drawing/2010/main" val="0"/>
+              </a:ext>
+            </a:extLst>
+          </a:blip>
+          <a:srcRect/>
+          <a:stretch>
+            <a:fillRect/>
+          </a:stretch>
+        </p:blipFill>
+        <p:spPr bwMode="auto">
+          <a:xfrm>
+            <a:off x="1306204" y="2931330"/>
+            <a:ext cx="919671" cy="612000"/>
+          </a:xfrm>
+          <a:prstGeom prst="rect">
+            <a:avLst/>
+          </a:prstGeom>
+          <a:noFill/>
+          <a:ln>
+            <a:solidFill>
+              <a:schemeClr val="tx1"/>
+            </a:solidFill>
+          </a:ln>
+          <a:extLst>
+            <a:ext uri="{909E8E84-426E-40DD-AFC4-6F175D3DCCD1}">
+              <a14:hiddenFill xmlns:a14="http://schemas.microsoft.com/office/drawing/2010/main">
+                <a:solidFill>
+                  <a:srgbClr val="FFFFFF"/>
+                </a:solidFill>
+              </a14:hiddenFill>
+            </a:ext>
+          </a:extLst>
+        </p:spPr>
+      </p:pic>
+      <p:pic>
+        <p:nvPicPr>
+          <p:cNvPr id="19" name="Picture 32" descr="Flag of the Netherlands - Wikipedia">
+            <a:extLst>
+              <a:ext uri="{FF2B5EF4-FFF2-40B4-BE49-F238E27FC236}">
+                <a16:creationId xmlns:a16="http://schemas.microsoft.com/office/drawing/2014/main" id="{AC36703B-9527-733B-896F-D2ED9E9D8A14}"/>
+              </a:ext>
+            </a:extLst>
+          </p:cNvPr>
+          <p:cNvPicPr>
+            <a:picLocks noChangeAspect="1" noChangeArrowheads="1"/>
+          </p:cNvPicPr>
+          <p:nvPr/>
+        </p:nvPicPr>
+        <p:blipFill>
+          <a:blip r:embed="rId15">
+            <a:extLst>
+              <a:ext uri="{28A0092B-C50C-407E-A947-70E740481C1C}">
+                <a14:useLocalDpi xmlns:a14="http://schemas.microsoft.com/office/drawing/2010/main" val="0"/>
+              </a:ext>
+            </a:extLst>
+          </a:blip>
+          <a:srcRect/>
+          <a:stretch>
+            <a:fillRect/>
+          </a:stretch>
+        </p:blipFill>
+        <p:spPr bwMode="auto">
+          <a:xfrm>
+            <a:off x="1304030" y="6014944"/>
+            <a:ext cx="918000" cy="612000"/>
+          </a:xfrm>
+          <a:prstGeom prst="rect">
+            <a:avLst/>
+          </a:prstGeom>
+          <a:noFill/>
+          <a:ln>
+            <a:solidFill>
+              <a:schemeClr val="tx1"/>
+            </a:solidFill>
+          </a:ln>
+          <a:extLst>
+            <a:ext uri="{909E8E84-426E-40DD-AFC4-6F175D3DCCD1}">
+              <a14:hiddenFill xmlns:a14="http://schemas.microsoft.com/office/drawing/2010/main">
+                <a:solidFill>
+                  <a:srgbClr val="FFFFFF"/>
+                </a:solidFill>
+              </a14:hiddenFill>
+            </a:ext>
+          </a:extLst>
+        </p:spPr>
+      </p:pic>
+      <p:pic>
+        <p:nvPicPr>
+          <p:cNvPr id="2050" name="Picture 2">
+            <a:extLst>
+              <a:ext uri="{FF2B5EF4-FFF2-40B4-BE49-F238E27FC236}">
+                <a16:creationId xmlns:a16="http://schemas.microsoft.com/office/drawing/2014/main" id="{2E5DF7A9-48F8-7545-8CAC-AE867EA7CC11}"/>
+              </a:ext>
+            </a:extLst>
+          </p:cNvPr>
+          <p:cNvPicPr>
+            <a:picLocks noChangeAspect="1" noChangeArrowheads="1"/>
+          </p:cNvPicPr>
+          <p:nvPr/>
+        </p:nvPicPr>
+        <p:blipFill>
+          <a:blip r:embed="rId16">
+            <a:extLst>
+              <a:ext uri="{28A0092B-C50C-407E-A947-70E740481C1C}">
+                <a14:useLocalDpi xmlns:a14="http://schemas.microsoft.com/office/drawing/2010/main" val="0"/>
+              </a:ext>
+            </a:extLst>
+          </a:blip>
+          <a:srcRect/>
+          <a:stretch>
+            <a:fillRect/>
+          </a:stretch>
+        </p:blipFill>
+        <p:spPr bwMode="auto">
+          <a:xfrm>
+            <a:off x="9668749" y="1378197"/>
+            <a:ext cx="1219221" cy="612001"/>
+          </a:xfrm>
+          <a:prstGeom prst="rect">
+            <a:avLst/>
+          </a:prstGeom>
+          <a:noFill/>
+          <a:ln>
+            <a:solidFill>
+              <a:schemeClr val="tx1"/>
+            </a:solidFill>
+          </a:ln>
+          <a:extLst>
+            <a:ext uri="{909E8E84-426E-40DD-AFC4-6F175D3DCCD1}">
+              <a14:hiddenFill xmlns:a14="http://schemas.microsoft.com/office/drawing/2010/main">
+                <a:solidFill>
+                  <a:srgbClr val="FFFFFF"/>
+                </a:solidFill>
+              </a14:hiddenFill>
+            </a:ext>
+          </a:extLst>
+        </p:spPr>
+      </p:pic>
+      <p:pic>
+        <p:nvPicPr>
+          <p:cNvPr id="20" name="Picture 18">
+            <a:extLst>
+              <a:ext uri="{FF2B5EF4-FFF2-40B4-BE49-F238E27FC236}">
+                <a16:creationId xmlns:a16="http://schemas.microsoft.com/office/drawing/2014/main" id="{212BCE81-4977-BD11-F19F-47BED98C6AE0}"/>
+              </a:ext>
+            </a:extLst>
+          </p:cNvPr>
+          <p:cNvPicPr>
+            <a:picLocks noChangeAspect="1" noChangeArrowheads="1"/>
+          </p:cNvPicPr>
+          <p:nvPr/>
+        </p:nvPicPr>
+        <p:blipFill>
+          <a:blip r:embed="rId17">
+            <a:extLst>
+              <a:ext uri="{28A0092B-C50C-407E-A947-70E740481C1C}">
+                <a14:useLocalDpi xmlns:a14="http://schemas.microsoft.com/office/drawing/2010/main" val="0"/>
+              </a:ext>
+            </a:extLst>
+          </a:blip>
+          <a:srcRect/>
+          <a:stretch>
+            <a:fillRect/>
+          </a:stretch>
+        </p:blipFill>
+        <p:spPr bwMode="auto">
+          <a:xfrm>
+            <a:off x="10074112" y="4368276"/>
+            <a:ext cx="809723" cy="612000"/>
+          </a:xfrm>
+          <a:prstGeom prst="rect">
+            <a:avLst/>
+          </a:prstGeom>
+          <a:noFill/>
+          <a:ln>
+            <a:solidFill>
+              <a:schemeClr val="tx1"/>
+            </a:solidFill>
+          </a:ln>
+          <a:extLst>
+            <a:ext uri="{909E8E84-426E-40DD-AFC4-6F175D3DCCD1}">
+              <a14:hiddenFill xmlns:a14="http://schemas.microsoft.com/office/drawing/2010/main">
+                <a:solidFill>
+                  <a:srgbClr val="FFFFFF"/>
+                </a:solidFill>
+              </a14:hiddenFill>
+            </a:ext>
+          </a:extLst>
+        </p:spPr>
+      </p:pic>
+      <p:pic>
+        <p:nvPicPr>
+          <p:cNvPr id="21" name="Picture 30" descr="Flag of France - Wikipedia">
+            <a:extLst>
+              <a:ext uri="{FF2B5EF4-FFF2-40B4-BE49-F238E27FC236}">
+                <a16:creationId xmlns:a16="http://schemas.microsoft.com/office/drawing/2014/main" id="{E2DCEF4B-463F-C2A3-2686-9FC8BC6ECD61}"/>
+              </a:ext>
+            </a:extLst>
+          </p:cNvPr>
+          <p:cNvPicPr>
+            <a:picLocks noChangeAspect="1" noChangeArrowheads="1"/>
+          </p:cNvPicPr>
+          <p:nvPr/>
+        </p:nvPicPr>
+        <p:blipFill>
+          <a:blip r:embed="rId18">
+            <a:extLst>
+              <a:ext uri="{28A0092B-C50C-407E-A947-70E740481C1C}">
+                <a14:useLocalDpi xmlns:a14="http://schemas.microsoft.com/office/drawing/2010/main" val="0"/>
+              </a:ext>
+            </a:extLst>
+          </a:blip>
+          <a:srcRect/>
+          <a:stretch>
+            <a:fillRect/>
+          </a:stretch>
+        </p:blipFill>
+        <p:spPr bwMode="auto">
+          <a:xfrm>
+            <a:off x="9976287" y="5124906"/>
+            <a:ext cx="916168" cy="612000"/>
+          </a:xfrm>
+          <a:prstGeom prst="rect">
+            <a:avLst/>
+          </a:prstGeom>
+          <a:noFill/>
+          <a:ln>
+            <a:solidFill>
+              <a:schemeClr val="tx1"/>
+            </a:solidFill>
+          </a:ln>
+          <a:extLst>
+            <a:ext uri="{909E8E84-426E-40DD-AFC4-6F175D3DCCD1}">
+              <a14:hiddenFill xmlns:a14="http://schemas.microsoft.com/office/drawing/2010/main">
+                <a:solidFill>
+                  <a:srgbClr val="FFFFFF"/>
+                </a:solidFill>
+              </a14:hiddenFill>
+            </a:ext>
+          </a:extLst>
+        </p:spPr>
+      </p:pic>
+      <p:pic>
+        <p:nvPicPr>
+          <p:cNvPr id="22" name="Picture 12" descr="Australia - Wikipedia">
+            <a:extLst>
+              <a:ext uri="{FF2B5EF4-FFF2-40B4-BE49-F238E27FC236}">
+                <a16:creationId xmlns:a16="http://schemas.microsoft.com/office/drawing/2014/main" id="{E5230A6F-2983-C09E-227F-BA34D85EB84E}"/>
+              </a:ext>
+            </a:extLst>
+          </p:cNvPr>
+          <p:cNvPicPr>
+            <a:picLocks noChangeAspect="1" noChangeArrowheads="1"/>
+          </p:cNvPicPr>
+          <p:nvPr/>
+        </p:nvPicPr>
+        <p:blipFill>
+          <a:blip r:embed="rId19">
+            <a:extLst>
+              <a:ext uri="{28A0092B-C50C-407E-A947-70E740481C1C}">
+                <a14:useLocalDpi xmlns:a14="http://schemas.microsoft.com/office/drawing/2010/main" val="0"/>
+              </a:ext>
+            </a:extLst>
+          </a:blip>
+          <a:srcRect/>
+          <a:stretch>
+            <a:fillRect/>
+          </a:stretch>
+        </p:blipFill>
+        <p:spPr bwMode="auto">
+          <a:xfrm>
+            <a:off x="9659836" y="3611646"/>
+            <a:ext cx="1223999" cy="612000"/>
+          </a:xfrm>
+          <a:prstGeom prst="rect">
+            <a:avLst/>
+          </a:prstGeom>
+          <a:noFill/>
+          <a:ln>
+            <a:solidFill>
+              <a:schemeClr val="tx1"/>
+            </a:solidFill>
+          </a:ln>
+          <a:extLst>
+            <a:ext uri="{909E8E84-426E-40DD-AFC4-6F175D3DCCD1}">
+              <a14:hiddenFill xmlns:a14="http://schemas.microsoft.com/office/drawing/2010/main">
+                <a:solidFill>
+                  <a:srgbClr val="FFFFFF"/>
+                </a:solidFill>
+              </a14:hiddenFill>
+            </a:ext>
+          </a:extLst>
+        </p:spPr>
+      </p:pic>
+      <p:pic>
+        <p:nvPicPr>
+          <p:cNvPr id="23" name="Picture 8" descr="Flag of Colombia">
+            <a:extLst>
+              <a:ext uri="{FF2B5EF4-FFF2-40B4-BE49-F238E27FC236}">
+                <a16:creationId xmlns:a16="http://schemas.microsoft.com/office/drawing/2014/main" id="{C6156C0F-B91C-A2E9-CD8D-D9B950D7BCFD}"/>
+              </a:ext>
+            </a:extLst>
+          </p:cNvPr>
+          <p:cNvPicPr>
+            <a:picLocks noChangeAspect="1" noChangeArrowheads="1"/>
+          </p:cNvPicPr>
+          <p:nvPr/>
+        </p:nvPicPr>
+        <p:blipFill>
+          <a:blip r:embed="rId20">
+            <a:extLst>
+              <a:ext uri="{28A0092B-C50C-407E-A947-70E740481C1C}">
+                <a14:useLocalDpi xmlns:a14="http://schemas.microsoft.com/office/drawing/2010/main" val="0"/>
+              </a:ext>
+            </a:extLst>
+          </a:blip>
+          <a:srcRect/>
+          <a:stretch>
+            <a:fillRect/>
+          </a:stretch>
+        </p:blipFill>
+        <p:spPr bwMode="auto">
+          <a:xfrm>
+            <a:off x="9976287" y="5871557"/>
+            <a:ext cx="918005" cy="612003"/>
+          </a:xfrm>
+          <a:prstGeom prst="rect">
+            <a:avLst/>
+          </a:prstGeom>
+          <a:noFill/>
+          <a:ln>
+            <a:solidFill>
+              <a:schemeClr val="tx1"/>
+            </a:solidFill>
+          </a:ln>
+          <a:extLst>
+            <a:ext uri="{909E8E84-426E-40DD-AFC4-6F175D3DCCD1}">
+              <a14:hiddenFill xmlns:a14="http://schemas.microsoft.com/office/drawing/2010/main">
+                <a:solidFill>
+                  <a:srgbClr val="FFFFFF"/>
+                </a:solidFill>
+              </a14:hiddenFill>
+            </a:ext>
+          </a:extLst>
+        </p:spPr>
+      </p:pic>
+      <p:pic>
+        <p:nvPicPr>
+          <p:cNvPr id="25" name="Picture 10" descr="Flag of Jamaica">
+            <a:extLst>
+              <a:ext uri="{FF2B5EF4-FFF2-40B4-BE49-F238E27FC236}">
+                <a16:creationId xmlns:a16="http://schemas.microsoft.com/office/drawing/2014/main" id="{C5D22B85-4DFC-56CD-AAA0-EB30646FDFDC}"/>
+              </a:ext>
+            </a:extLst>
+          </p:cNvPr>
+          <p:cNvPicPr>
+            <a:picLocks noChangeAspect="1" noChangeArrowheads="1"/>
+          </p:cNvPicPr>
+          <p:nvPr/>
+        </p:nvPicPr>
+        <p:blipFill>
+          <a:blip r:embed="rId21">
+            <a:extLst>
+              <a:ext uri="{28A0092B-C50C-407E-A947-70E740481C1C}">
+                <a14:useLocalDpi xmlns:a14="http://schemas.microsoft.com/office/drawing/2010/main" val="0"/>
+              </a:ext>
+            </a:extLst>
+          </a:blip>
+          <a:srcRect/>
+          <a:stretch>
+            <a:fillRect/>
+          </a:stretch>
+        </p:blipFill>
+        <p:spPr bwMode="auto">
+          <a:xfrm>
+            <a:off x="9670288" y="2870187"/>
+            <a:ext cx="1231130" cy="615565"/>
+          </a:xfrm>
+          <a:prstGeom prst="rect">
+            <a:avLst/>
+          </a:prstGeom>
+          <a:noFill/>
+          <a:ln>
+            <a:solidFill>
+              <a:schemeClr val="tx1"/>
+            </a:solidFill>
+          </a:ln>
+          <a:extLst>
+            <a:ext uri="{909E8E84-426E-40DD-AFC4-6F175D3DCCD1}">
+              <a14:hiddenFill xmlns:a14="http://schemas.microsoft.com/office/drawing/2010/main">
+                <a:solidFill>
+                  <a:srgbClr val="FFFFFF"/>
+                </a:solidFill>
+              </a14:hiddenFill>
+            </a:ext>
+          </a:extLst>
+        </p:spPr>
+      </p:pic>
+      <p:pic>
+        <p:nvPicPr>
+          <p:cNvPr id="27" name="Picture 16" descr="Spain - Wikipedia">
+            <a:extLst>
+              <a:ext uri="{FF2B5EF4-FFF2-40B4-BE49-F238E27FC236}">
+                <a16:creationId xmlns:a16="http://schemas.microsoft.com/office/drawing/2014/main" id="{8F1C14C5-ED35-DFE3-F4EE-439807E41035}"/>
+              </a:ext>
+            </a:extLst>
+          </p:cNvPr>
+          <p:cNvPicPr>
+            <a:picLocks noChangeAspect="1" noChangeArrowheads="1"/>
+          </p:cNvPicPr>
+          <p:nvPr/>
+        </p:nvPicPr>
+        <p:blipFill>
+          <a:blip r:embed="rId10">
+            <a:extLst>
+              <a:ext uri="{28A0092B-C50C-407E-A947-70E740481C1C}">
+                <a14:useLocalDpi xmlns:a14="http://schemas.microsoft.com/office/drawing/2010/main" val="0"/>
+              </a:ext>
+            </a:extLst>
+          </a:blip>
+          <a:srcRect/>
+          <a:stretch>
+            <a:fillRect/>
+          </a:stretch>
+        </p:blipFill>
+        <p:spPr bwMode="auto">
+          <a:xfrm>
+            <a:off x="3016177" y="4038982"/>
+            <a:ext cx="919672" cy="612000"/>
+          </a:xfrm>
+          <a:prstGeom prst="rect">
+            <a:avLst/>
+          </a:prstGeom>
+          <a:noFill/>
+          <a:ln>
+            <a:solidFill>
+              <a:schemeClr val="tx1"/>
+            </a:solidFill>
+          </a:ln>
+          <a:extLst>
+            <a:ext uri="{909E8E84-426E-40DD-AFC4-6F175D3DCCD1}">
+              <a14:hiddenFill xmlns:a14="http://schemas.microsoft.com/office/drawing/2010/main">
+                <a:solidFill>
+                  <a:srgbClr val="FFFFFF"/>
+                </a:solidFill>
+              </a14:hiddenFill>
+            </a:ext>
+          </a:extLst>
+        </p:spPr>
+      </p:pic>
+      <p:pic>
+        <p:nvPicPr>
+          <p:cNvPr id="28" name="Picture 12" descr="Australia - Wikipedia">
+            <a:extLst>
+              <a:ext uri="{FF2B5EF4-FFF2-40B4-BE49-F238E27FC236}">
+                <a16:creationId xmlns:a16="http://schemas.microsoft.com/office/drawing/2014/main" id="{D2839DB4-2105-E0E7-D2E5-ED378DF51D56}"/>
+              </a:ext>
+            </a:extLst>
+          </p:cNvPr>
+          <p:cNvPicPr>
+            <a:picLocks noChangeAspect="1" noChangeArrowheads="1"/>
+          </p:cNvPicPr>
+          <p:nvPr/>
+        </p:nvPicPr>
+        <p:blipFill>
+          <a:blip r:embed="rId19">
+            <a:extLst>
+              <a:ext uri="{28A0092B-C50C-407E-A947-70E740481C1C}">
+                <a14:useLocalDpi xmlns:a14="http://schemas.microsoft.com/office/drawing/2010/main" val="0"/>
+              </a:ext>
+            </a:extLst>
+          </a:blip>
+          <a:srcRect/>
+          <a:stretch>
+            <a:fillRect/>
+          </a:stretch>
+        </p:blipFill>
+        <p:spPr bwMode="auto">
+          <a:xfrm>
+            <a:off x="7968816" y="4044498"/>
+            <a:ext cx="1223999" cy="612000"/>
+          </a:xfrm>
+          <a:prstGeom prst="rect">
+            <a:avLst/>
+          </a:prstGeom>
+          <a:noFill/>
+          <a:ln>
+            <a:solidFill>
+              <a:schemeClr val="tx1"/>
+            </a:solidFill>
+          </a:ln>
+          <a:extLst>
+            <a:ext uri="{909E8E84-426E-40DD-AFC4-6F175D3DCCD1}">
+              <a14:hiddenFill xmlns:a14="http://schemas.microsoft.com/office/drawing/2010/main">
+                <a:solidFill>
+                  <a:srgbClr val="FFFFFF"/>
+                </a:solidFill>
+              </a14:hiddenFill>
+            </a:ext>
+          </a:extLst>
+        </p:spPr>
+      </p:pic>
+      <p:pic>
+        <p:nvPicPr>
+          <p:cNvPr id="29" name="Picture 26" descr="Flag of the United States - Wikipedia">
+            <a:extLst>
+              <a:ext uri="{FF2B5EF4-FFF2-40B4-BE49-F238E27FC236}">
+                <a16:creationId xmlns:a16="http://schemas.microsoft.com/office/drawing/2014/main" id="{801868B5-6F85-6975-16D7-833458F2890B}"/>
+              </a:ext>
+            </a:extLst>
+          </p:cNvPr>
+          <p:cNvPicPr>
+            <a:picLocks noChangeAspect="1" noChangeArrowheads="1"/>
+          </p:cNvPicPr>
+          <p:nvPr/>
+        </p:nvPicPr>
+        <p:blipFill>
+          <a:blip r:embed="rId7">
+            <a:extLst>
+              <a:ext uri="{28A0092B-C50C-407E-A947-70E740481C1C}">
+                <a14:useLocalDpi xmlns:a14="http://schemas.microsoft.com/office/drawing/2010/main" val="0"/>
+              </a:ext>
+            </a:extLst>
+          </a:blip>
+          <a:srcRect/>
+          <a:stretch>
+            <a:fillRect/>
+          </a:stretch>
+        </p:blipFill>
+        <p:spPr bwMode="auto">
+          <a:xfrm>
+            <a:off x="4252126" y="1816218"/>
+            <a:ext cx="1163926" cy="612000"/>
+          </a:xfrm>
+          <a:prstGeom prst="rect">
+            <a:avLst/>
+          </a:prstGeom>
+          <a:noFill/>
+          <a:ln>
+            <a:solidFill>
+              <a:schemeClr val="tx1"/>
+            </a:solidFill>
+          </a:ln>
+          <a:extLst>
+            <a:ext uri="{909E8E84-426E-40DD-AFC4-6F175D3DCCD1}">
+              <a14:hiddenFill xmlns:a14="http://schemas.microsoft.com/office/drawing/2010/main">
+                <a:solidFill>
+                  <a:srgbClr val="FFFFFF"/>
+                </a:solidFill>
+              </a14:hiddenFill>
+            </a:ext>
+          </a:extLst>
+        </p:spPr>
+      </p:pic>
+      <p:pic>
+        <p:nvPicPr>
+          <p:cNvPr id="30" name="Picture 8" descr="Flag of Colombia">
+            <a:extLst>
+              <a:ext uri="{FF2B5EF4-FFF2-40B4-BE49-F238E27FC236}">
+                <a16:creationId xmlns:a16="http://schemas.microsoft.com/office/drawing/2014/main" id="{D764BD8F-ED9F-7414-F4D7-FB318EC0A18A}"/>
+              </a:ext>
+            </a:extLst>
+          </p:cNvPr>
+          <p:cNvPicPr>
+            <a:picLocks noChangeAspect="1" noChangeArrowheads="1"/>
+          </p:cNvPicPr>
+          <p:nvPr/>
+        </p:nvPicPr>
+        <p:blipFill>
+          <a:blip r:embed="rId20">
+            <a:extLst>
+              <a:ext uri="{28A0092B-C50C-407E-A947-70E740481C1C}">
+                <a14:useLocalDpi xmlns:a14="http://schemas.microsoft.com/office/drawing/2010/main" val="0"/>
+              </a:ext>
+            </a:extLst>
+          </a:blip>
+          <a:srcRect/>
+          <a:stretch>
+            <a:fillRect/>
+          </a:stretch>
+        </p:blipFill>
+        <p:spPr bwMode="auto">
+          <a:xfrm>
+            <a:off x="8258132" y="5558551"/>
+            <a:ext cx="918005" cy="612003"/>
+          </a:xfrm>
+          <a:prstGeom prst="rect">
+            <a:avLst/>
+          </a:prstGeom>
+          <a:noFill/>
+          <a:ln>
+            <a:solidFill>
+              <a:schemeClr val="tx1"/>
+            </a:solidFill>
+          </a:ln>
+          <a:extLst>
+            <a:ext uri="{909E8E84-426E-40DD-AFC4-6F175D3DCCD1}">
+              <a14:hiddenFill xmlns:a14="http://schemas.microsoft.com/office/drawing/2010/main">
+                <a:solidFill>
+                  <a:srgbClr val="FFFFFF"/>
+                </a:solidFill>
+              </a14:hiddenFill>
+            </a:ext>
+          </a:extLst>
+        </p:spPr>
+      </p:pic>
+      <p:pic>
+        <p:nvPicPr>
+          <p:cNvPr id="32" name="Picture 12" descr="Australia - Wikipedia">
+            <a:extLst>
+              <a:ext uri="{FF2B5EF4-FFF2-40B4-BE49-F238E27FC236}">
+                <a16:creationId xmlns:a16="http://schemas.microsoft.com/office/drawing/2014/main" id="{AB6CC8EB-42A5-EF72-CFFF-2A82B2D6FFD4}"/>
+              </a:ext>
+            </a:extLst>
+          </p:cNvPr>
+          <p:cNvPicPr>
+            <a:picLocks noChangeAspect="1" noChangeArrowheads="1"/>
+          </p:cNvPicPr>
+          <p:nvPr/>
+        </p:nvPicPr>
+        <p:blipFill>
+          <a:blip r:embed="rId19">
+            <a:extLst>
+              <a:ext uri="{28A0092B-C50C-407E-A947-70E740481C1C}">
+                <a14:useLocalDpi xmlns:a14="http://schemas.microsoft.com/office/drawing/2010/main" val="0"/>
+              </a:ext>
+            </a:extLst>
+          </a:blip>
+          <a:srcRect/>
+          <a:stretch>
+            <a:fillRect/>
+          </a:stretch>
+        </p:blipFill>
+        <p:spPr bwMode="auto">
+          <a:xfrm>
+            <a:off x="6782890" y="4862921"/>
+            <a:ext cx="1223999" cy="612000"/>
           </a:xfrm>
           <a:prstGeom prst="rect">
             <a:avLst/>
@@ -7940,7 +8649,7 @@
         </p:blipFill>
         <p:spPr bwMode="auto">
           <a:xfrm>
-            <a:off x="5532768" y="542257"/>
+            <a:off x="5530455" y="4764364"/>
             <a:ext cx="1126464" cy="1846802"/>
           </a:xfrm>
           <a:prstGeom prst="rect">
@@ -7958,10 +8667,2678 @@
           </a:extLst>
         </p:spPr>
       </p:pic>
+      <p:pic>
+        <p:nvPicPr>
+          <p:cNvPr id="1042" name="Picture 18">
+            <a:extLst>
+              <a:ext uri="{FF2B5EF4-FFF2-40B4-BE49-F238E27FC236}">
+                <a16:creationId xmlns:a16="http://schemas.microsoft.com/office/drawing/2014/main" id="{02FDC2ED-62F8-B1DC-1BF6-0508858465B9}"/>
+              </a:ext>
+            </a:extLst>
+          </p:cNvPr>
+          <p:cNvPicPr>
+            <a:picLocks noChangeAspect="1" noChangeArrowheads="1"/>
+          </p:cNvPicPr>
+          <p:nvPr/>
+        </p:nvPicPr>
+        <p:blipFill>
+          <a:blip r:embed="rId5">
+            <a:extLst>
+              <a:ext uri="{28A0092B-C50C-407E-A947-70E740481C1C}">
+                <a14:useLocalDpi xmlns:a14="http://schemas.microsoft.com/office/drawing/2010/main" val="0"/>
+              </a:ext>
+            </a:extLst>
+          </a:blip>
+          <a:srcRect/>
+          <a:stretch>
+            <a:fillRect/>
+          </a:stretch>
+        </p:blipFill>
+        <p:spPr bwMode="auto">
+          <a:xfrm>
+            <a:off x="10074112" y="4368276"/>
+            <a:ext cx="809723" cy="612000"/>
+          </a:xfrm>
+          <a:prstGeom prst="rect">
+            <a:avLst/>
+          </a:prstGeom>
+          <a:noFill/>
+          <a:ln>
+            <a:solidFill>
+              <a:schemeClr val="tx1"/>
+            </a:solidFill>
+          </a:ln>
+          <a:extLst>
+            <a:ext uri="{909E8E84-426E-40DD-AFC4-6F175D3DCCD1}">
+              <a14:hiddenFill xmlns:a14="http://schemas.microsoft.com/office/drawing/2010/main">
+                <a:solidFill>
+                  <a:srgbClr val="FFFFFF"/>
+                </a:solidFill>
+              </a14:hiddenFill>
+            </a:ext>
+          </a:extLst>
+        </p:spPr>
+      </p:pic>
+      <p:pic>
+        <p:nvPicPr>
+          <p:cNvPr id="1056" name="Picture 32" descr="Flag of the Netherlands - Wikipedia">
+            <a:extLst>
+              <a:ext uri="{FF2B5EF4-FFF2-40B4-BE49-F238E27FC236}">
+                <a16:creationId xmlns:a16="http://schemas.microsoft.com/office/drawing/2014/main" id="{928B9B0E-FBE5-F9A8-9789-671202879EF1}"/>
+              </a:ext>
+            </a:extLst>
+          </p:cNvPr>
+          <p:cNvPicPr>
+            <a:picLocks noChangeAspect="1" noChangeArrowheads="1"/>
+          </p:cNvPicPr>
+          <p:nvPr/>
+        </p:nvPicPr>
+        <p:blipFill>
+          <a:blip r:embed="rId6">
+            <a:extLst>
+              <a:ext uri="{28A0092B-C50C-407E-A947-70E740481C1C}">
+                <a14:useLocalDpi xmlns:a14="http://schemas.microsoft.com/office/drawing/2010/main" val="0"/>
+              </a:ext>
+            </a:extLst>
+          </a:blip>
+          <a:srcRect/>
+          <a:stretch>
+            <a:fillRect/>
+          </a:stretch>
+        </p:blipFill>
+        <p:spPr bwMode="auto">
+          <a:xfrm>
+            <a:off x="1315791" y="2165693"/>
+            <a:ext cx="918000" cy="612000"/>
+          </a:xfrm>
+          <a:prstGeom prst="rect">
+            <a:avLst/>
+          </a:prstGeom>
+          <a:noFill/>
+          <a:ln>
+            <a:solidFill>
+              <a:schemeClr val="tx1"/>
+            </a:solidFill>
+          </a:ln>
+          <a:extLst>
+            <a:ext uri="{909E8E84-426E-40DD-AFC4-6F175D3DCCD1}">
+              <a14:hiddenFill xmlns:a14="http://schemas.microsoft.com/office/drawing/2010/main">
+                <a:solidFill>
+                  <a:srgbClr val="FFFFFF"/>
+                </a:solidFill>
+              </a14:hiddenFill>
+            </a:ext>
+          </a:extLst>
+        </p:spPr>
+      </p:pic>
+      <p:pic>
+        <p:nvPicPr>
+          <p:cNvPr id="1058" name="Picture 34" descr="Flag of Sweden - Wikipedia">
+            <a:extLst>
+              <a:ext uri="{FF2B5EF4-FFF2-40B4-BE49-F238E27FC236}">
+                <a16:creationId xmlns:a16="http://schemas.microsoft.com/office/drawing/2014/main" id="{A951AF60-0737-E99F-3EA7-EF799451FEA3}"/>
+              </a:ext>
+            </a:extLst>
+          </p:cNvPr>
+          <p:cNvPicPr>
+            <a:picLocks noChangeAspect="1" noChangeArrowheads="1"/>
+          </p:cNvPicPr>
+          <p:nvPr/>
+        </p:nvPicPr>
+        <p:blipFill>
+          <a:blip r:embed="rId7">
+            <a:extLst>
+              <a:ext uri="{28A0092B-C50C-407E-A947-70E740481C1C}">
+                <a14:useLocalDpi xmlns:a14="http://schemas.microsoft.com/office/drawing/2010/main" val="0"/>
+              </a:ext>
+            </a:extLst>
+          </a:blip>
+          <a:srcRect/>
+          <a:stretch>
+            <a:fillRect/>
+          </a:stretch>
+        </p:blipFill>
+        <p:spPr bwMode="auto">
+          <a:xfrm>
+            <a:off x="1307564" y="5249435"/>
+            <a:ext cx="981966" cy="612000"/>
+          </a:xfrm>
+          <a:prstGeom prst="rect">
+            <a:avLst/>
+          </a:prstGeom>
+          <a:noFill/>
+          <a:ln>
+            <a:solidFill>
+              <a:schemeClr val="tx1"/>
+            </a:solidFill>
+          </a:ln>
+          <a:extLst>
+            <a:ext uri="{909E8E84-426E-40DD-AFC4-6F175D3DCCD1}">
+              <a14:hiddenFill xmlns:a14="http://schemas.microsoft.com/office/drawing/2010/main">
+                <a:solidFill>
+                  <a:srgbClr val="FFFFFF"/>
+                </a:solidFill>
+              </a14:hiddenFill>
+            </a:ext>
+          </a:extLst>
+        </p:spPr>
+      </p:pic>
+      <p:pic>
+        <p:nvPicPr>
+          <p:cNvPr id="46" name="Picture 16" descr="Spain - Wikipedia">
+            <a:extLst>
+              <a:ext uri="{FF2B5EF4-FFF2-40B4-BE49-F238E27FC236}">
+                <a16:creationId xmlns:a16="http://schemas.microsoft.com/office/drawing/2014/main" id="{95104EB5-485F-FFED-35CC-BFF36E3B7FE9}"/>
+              </a:ext>
+            </a:extLst>
+          </p:cNvPr>
+          <p:cNvPicPr>
+            <a:picLocks noChangeAspect="1" noChangeArrowheads="1"/>
+          </p:cNvPicPr>
+          <p:nvPr/>
+        </p:nvPicPr>
+        <p:blipFill>
+          <a:blip r:embed="rId8">
+            <a:extLst>
+              <a:ext uri="{28A0092B-C50C-407E-A947-70E740481C1C}">
+                <a14:useLocalDpi xmlns:a14="http://schemas.microsoft.com/office/drawing/2010/main" val="0"/>
+              </a:ext>
+            </a:extLst>
+          </a:blip>
+          <a:srcRect/>
+          <a:stretch>
+            <a:fillRect/>
+          </a:stretch>
+        </p:blipFill>
+        <p:spPr bwMode="auto">
+          <a:xfrm>
+            <a:off x="1314119" y="1396693"/>
+            <a:ext cx="919672" cy="612000"/>
+          </a:xfrm>
+          <a:prstGeom prst="rect">
+            <a:avLst/>
+          </a:prstGeom>
+          <a:noFill/>
+          <a:ln>
+            <a:solidFill>
+              <a:schemeClr val="tx1"/>
+            </a:solidFill>
+          </a:ln>
+          <a:extLst>
+            <a:ext uri="{909E8E84-426E-40DD-AFC4-6F175D3DCCD1}">
+              <a14:hiddenFill xmlns:a14="http://schemas.microsoft.com/office/drawing/2010/main">
+                <a:solidFill>
+                  <a:srgbClr val="FFFFFF"/>
+                </a:solidFill>
+              </a14:hiddenFill>
+            </a:ext>
+          </a:extLst>
+        </p:spPr>
+      </p:pic>
+      <p:pic>
+        <p:nvPicPr>
+          <p:cNvPr id="49" name="Picture 26" descr="Flag of the United States - Wikipedia">
+            <a:extLst>
+              <a:ext uri="{FF2B5EF4-FFF2-40B4-BE49-F238E27FC236}">
+                <a16:creationId xmlns:a16="http://schemas.microsoft.com/office/drawing/2014/main" id="{E8D29235-2FFB-7A79-1D57-CAAF2726C104}"/>
+              </a:ext>
+            </a:extLst>
+          </p:cNvPr>
+          <p:cNvPicPr>
+            <a:picLocks noChangeAspect="1" noChangeArrowheads="1"/>
+          </p:cNvPicPr>
+          <p:nvPr/>
+        </p:nvPicPr>
+        <p:blipFill>
+          <a:blip r:embed="rId9">
+            <a:extLst>
+              <a:ext uri="{28A0092B-C50C-407E-A947-70E740481C1C}">
+                <a14:useLocalDpi xmlns:a14="http://schemas.microsoft.com/office/drawing/2010/main" val="0"/>
+              </a:ext>
+            </a:extLst>
+          </a:blip>
+          <a:srcRect/>
+          <a:stretch>
+            <a:fillRect/>
+          </a:stretch>
+        </p:blipFill>
+        <p:spPr bwMode="auto">
+          <a:xfrm>
+            <a:off x="1301851" y="6018435"/>
+            <a:ext cx="1163926" cy="612000"/>
+          </a:xfrm>
+          <a:prstGeom prst="rect">
+            <a:avLst/>
+          </a:prstGeom>
+          <a:noFill/>
+          <a:ln>
+            <a:solidFill>
+              <a:schemeClr val="tx1"/>
+            </a:solidFill>
+          </a:ln>
+          <a:extLst>
+            <a:ext uri="{909E8E84-426E-40DD-AFC4-6F175D3DCCD1}">
+              <a14:hiddenFill xmlns:a14="http://schemas.microsoft.com/office/drawing/2010/main">
+                <a:solidFill>
+                  <a:srgbClr val="FFFFFF"/>
+                </a:solidFill>
+              </a14:hiddenFill>
+            </a:ext>
+          </a:extLst>
+        </p:spPr>
+      </p:pic>
+      <p:pic>
+        <p:nvPicPr>
+          <p:cNvPr id="51" name="Picture 30" descr="Flag of France - Wikipedia">
+            <a:extLst>
+              <a:ext uri="{FF2B5EF4-FFF2-40B4-BE49-F238E27FC236}">
+                <a16:creationId xmlns:a16="http://schemas.microsoft.com/office/drawing/2014/main" id="{CCA7E075-755F-3B50-F041-F160BF9844CD}"/>
+              </a:ext>
+            </a:extLst>
+          </p:cNvPr>
+          <p:cNvPicPr>
+            <a:picLocks noChangeAspect="1" noChangeArrowheads="1"/>
+          </p:cNvPicPr>
+          <p:nvPr/>
+        </p:nvPicPr>
+        <p:blipFill>
+          <a:blip r:embed="rId10">
+            <a:extLst>
+              <a:ext uri="{28A0092B-C50C-407E-A947-70E740481C1C}">
+                <a14:useLocalDpi xmlns:a14="http://schemas.microsoft.com/office/drawing/2010/main" val="0"/>
+              </a:ext>
+            </a:extLst>
+          </a:blip>
+          <a:srcRect/>
+          <a:stretch>
+            <a:fillRect/>
+          </a:stretch>
+        </p:blipFill>
+        <p:spPr bwMode="auto">
+          <a:xfrm>
+            <a:off x="9976287" y="5124906"/>
+            <a:ext cx="916168" cy="612000"/>
+          </a:xfrm>
+          <a:prstGeom prst="rect">
+            <a:avLst/>
+          </a:prstGeom>
+          <a:noFill/>
+          <a:ln>
+            <a:solidFill>
+              <a:schemeClr val="tx1"/>
+            </a:solidFill>
+          </a:ln>
+          <a:extLst>
+            <a:ext uri="{909E8E84-426E-40DD-AFC4-6F175D3DCCD1}">
+              <a14:hiddenFill xmlns:a14="http://schemas.microsoft.com/office/drawing/2010/main">
+                <a:solidFill>
+                  <a:srgbClr val="FFFFFF"/>
+                </a:solidFill>
+              </a14:hiddenFill>
+            </a:ext>
+          </a:extLst>
+        </p:spPr>
+      </p:pic>
+      <p:pic>
+        <p:nvPicPr>
+          <p:cNvPr id="55" name="Picture 22" descr="Flag of England - Wikipedia">
+            <a:extLst>
+              <a:ext uri="{FF2B5EF4-FFF2-40B4-BE49-F238E27FC236}">
+                <a16:creationId xmlns:a16="http://schemas.microsoft.com/office/drawing/2014/main" id="{8123098D-37B1-619C-1EE4-B8F99C530AE0}"/>
+              </a:ext>
+            </a:extLst>
+          </p:cNvPr>
+          <p:cNvPicPr>
+            <a:picLocks noChangeAspect="1" noChangeArrowheads="1"/>
+          </p:cNvPicPr>
+          <p:nvPr/>
+        </p:nvPicPr>
+        <p:blipFill>
+          <a:blip r:embed="rId11">
+            <a:extLst>
+              <a:ext uri="{28A0092B-C50C-407E-A947-70E740481C1C}">
+                <a14:useLocalDpi xmlns:a14="http://schemas.microsoft.com/office/drawing/2010/main" val="0"/>
+              </a:ext>
+            </a:extLst>
+          </a:blip>
+          <a:srcRect/>
+          <a:stretch>
+            <a:fillRect/>
+          </a:stretch>
+        </p:blipFill>
+        <p:spPr bwMode="auto">
+          <a:xfrm>
+            <a:off x="9864437" y="630939"/>
+            <a:ext cx="1020000" cy="612000"/>
+          </a:xfrm>
+          <a:prstGeom prst="rect">
+            <a:avLst/>
+          </a:prstGeom>
+          <a:noFill/>
+          <a:ln>
+            <a:solidFill>
+              <a:schemeClr val="tx1"/>
+            </a:solidFill>
+          </a:ln>
+          <a:extLst>
+            <a:ext uri="{909E8E84-426E-40DD-AFC4-6F175D3DCCD1}">
+              <a14:hiddenFill xmlns:a14="http://schemas.microsoft.com/office/drawing/2010/main">
+                <a:solidFill>
+                  <a:srgbClr val="FFFFFF"/>
+                </a:solidFill>
+              </a14:hiddenFill>
+            </a:ext>
+          </a:extLst>
+        </p:spPr>
+      </p:pic>
+      <p:pic>
+        <p:nvPicPr>
+          <p:cNvPr id="15" name="Picture 42" descr="Gold Background Vector Art, Icons, and Graphics for Free Download">
+            <a:extLst>
+              <a:ext uri="{FF2B5EF4-FFF2-40B4-BE49-F238E27FC236}">
+                <a16:creationId xmlns:a16="http://schemas.microsoft.com/office/drawing/2014/main" id="{5F2BBD99-79DF-9F1D-8EA2-2E48E41A97F7}"/>
+              </a:ext>
+            </a:extLst>
+          </p:cNvPr>
+          <p:cNvPicPr>
+            <a:picLocks noChangeAspect="1" noChangeArrowheads="1"/>
+          </p:cNvPicPr>
+          <p:nvPr/>
+        </p:nvPicPr>
+        <p:blipFill>
+          <a:blip r:embed="rId12">
+            <a:extLst>
+              <a:ext uri="{28A0092B-C50C-407E-A947-70E740481C1C}">
+                <a14:useLocalDpi xmlns:a14="http://schemas.microsoft.com/office/drawing/2010/main" val="0"/>
+              </a:ext>
+            </a:extLst>
+          </a:blip>
+          <a:srcRect/>
+          <a:stretch>
+            <a:fillRect/>
+          </a:stretch>
+        </p:blipFill>
+        <p:spPr bwMode="auto">
+          <a:xfrm>
+            <a:off x="5420887" y="3227899"/>
+            <a:ext cx="1345599" cy="877432"/>
+          </a:xfrm>
+          <a:prstGeom prst="rect">
+            <a:avLst/>
+          </a:prstGeom>
+          <a:noFill/>
+          <a:ln>
+            <a:noFill/>
+          </a:ln>
+          <a:effectLst>
+            <a:softEdge rad="63500"/>
+          </a:effectLst>
+          <a:extLst>
+            <a:ext uri="{909E8E84-426E-40DD-AFC4-6F175D3DCCD1}">
+              <a14:hiddenFill xmlns:a14="http://schemas.microsoft.com/office/drawing/2010/main">
+                <a:solidFill>
+                  <a:srgbClr val="FFFFFF"/>
+                </a:solidFill>
+              </a14:hiddenFill>
+            </a:ext>
+          </a:extLst>
+        </p:spPr>
+      </p:pic>
+      <p:pic>
+        <p:nvPicPr>
+          <p:cNvPr id="19" name="Picture 20" descr="Flag of Switzerland - Wikipedia">
+            <a:extLst>
+              <a:ext uri="{FF2B5EF4-FFF2-40B4-BE49-F238E27FC236}">
+                <a16:creationId xmlns:a16="http://schemas.microsoft.com/office/drawing/2014/main" id="{4424D841-9B03-AF09-D5F6-B879376490E4}"/>
+              </a:ext>
+            </a:extLst>
+          </p:cNvPr>
+          <p:cNvPicPr>
+            <a:picLocks noChangeAspect="1" noChangeArrowheads="1"/>
+          </p:cNvPicPr>
+          <p:nvPr/>
+        </p:nvPicPr>
+        <p:blipFill>
+          <a:blip r:embed="rId13">
+            <a:extLst>
+              <a:ext uri="{28A0092B-C50C-407E-A947-70E740481C1C}">
+                <a14:useLocalDpi xmlns:a14="http://schemas.microsoft.com/office/drawing/2010/main" val="0"/>
+              </a:ext>
+            </a:extLst>
+          </a:blip>
+          <a:srcRect/>
+          <a:stretch>
+            <a:fillRect/>
+          </a:stretch>
+        </p:blipFill>
+        <p:spPr bwMode="auto">
+          <a:xfrm>
+            <a:off x="1307563" y="619099"/>
+            <a:ext cx="612000" cy="612000"/>
+          </a:xfrm>
+          <a:prstGeom prst="rect">
+            <a:avLst/>
+          </a:prstGeom>
+          <a:noFill/>
+          <a:ln>
+            <a:solidFill>
+              <a:schemeClr val="tx1"/>
+            </a:solidFill>
+          </a:ln>
+          <a:extLst>
+            <a:ext uri="{909E8E84-426E-40DD-AFC4-6F175D3DCCD1}">
+              <a14:hiddenFill xmlns:a14="http://schemas.microsoft.com/office/drawing/2010/main">
+                <a:solidFill>
+                  <a:srgbClr val="FFFFFF"/>
+                </a:solidFill>
+              </a14:hiddenFill>
+            </a:ext>
+          </a:extLst>
+        </p:spPr>
+      </p:pic>
+      <p:pic>
+        <p:nvPicPr>
+          <p:cNvPr id="20" name="Picture 2" descr="Flag of Japan - Wikipedia">
+            <a:extLst>
+              <a:ext uri="{FF2B5EF4-FFF2-40B4-BE49-F238E27FC236}">
+                <a16:creationId xmlns:a16="http://schemas.microsoft.com/office/drawing/2014/main" id="{5FE8B124-1974-24AB-ED36-019B393B1C27}"/>
+              </a:ext>
+            </a:extLst>
+          </p:cNvPr>
+          <p:cNvPicPr>
+            <a:picLocks noChangeAspect="1" noChangeArrowheads="1"/>
+          </p:cNvPicPr>
+          <p:nvPr/>
+        </p:nvPicPr>
+        <p:blipFill>
+          <a:blip r:embed="rId14">
+            <a:extLst>
+              <a:ext uri="{28A0092B-C50C-407E-A947-70E740481C1C}">
+                <a14:useLocalDpi xmlns:a14="http://schemas.microsoft.com/office/drawing/2010/main" val="0"/>
+              </a:ext>
+            </a:extLst>
+          </a:blip>
+          <a:srcRect/>
+          <a:stretch>
+            <a:fillRect/>
+          </a:stretch>
+        </p:blipFill>
+        <p:spPr bwMode="auto">
+          <a:xfrm>
+            <a:off x="1301851" y="3705174"/>
+            <a:ext cx="919673" cy="612732"/>
+          </a:xfrm>
+          <a:prstGeom prst="rect">
+            <a:avLst/>
+          </a:prstGeom>
+          <a:noFill/>
+          <a:ln>
+            <a:solidFill>
+              <a:schemeClr val="tx1"/>
+            </a:solidFill>
+          </a:ln>
+          <a:extLst>
+            <a:ext uri="{909E8E84-426E-40DD-AFC4-6F175D3DCCD1}">
+              <a14:hiddenFill xmlns:a14="http://schemas.microsoft.com/office/drawing/2010/main">
+                <a:solidFill>
+                  <a:srgbClr val="FFFFFF"/>
+                </a:solidFill>
+              </a14:hiddenFill>
+            </a:ext>
+          </a:extLst>
+        </p:spPr>
+      </p:pic>
+      <p:pic>
+        <p:nvPicPr>
+          <p:cNvPr id="1028" name="Picture 4">
+            <a:extLst>
+              <a:ext uri="{FF2B5EF4-FFF2-40B4-BE49-F238E27FC236}">
+                <a16:creationId xmlns:a16="http://schemas.microsoft.com/office/drawing/2014/main" id="{088C606A-E029-052A-9E63-FDDCA5FB4BB4}"/>
+              </a:ext>
+            </a:extLst>
+          </p:cNvPr>
+          <p:cNvPicPr>
+            <a:picLocks noChangeAspect="1" noChangeArrowheads="1"/>
+          </p:cNvPicPr>
+          <p:nvPr/>
+        </p:nvPicPr>
+        <p:blipFill>
+          <a:blip r:embed="rId15">
+            <a:extLst>
+              <a:ext uri="{28A0092B-C50C-407E-A947-70E740481C1C}">
+                <a14:useLocalDpi xmlns:a14="http://schemas.microsoft.com/office/drawing/2010/main" val="0"/>
+              </a:ext>
+            </a:extLst>
+          </a:blip>
+          <a:srcRect/>
+          <a:stretch>
+            <a:fillRect/>
+          </a:stretch>
+        </p:blipFill>
+        <p:spPr bwMode="auto">
+          <a:xfrm>
+            <a:off x="1307564" y="4482768"/>
+            <a:ext cx="839186" cy="609665"/>
+          </a:xfrm>
+          <a:prstGeom prst="rect">
+            <a:avLst/>
+          </a:prstGeom>
+          <a:noFill/>
+          <a:ln>
+            <a:solidFill>
+              <a:schemeClr val="tx1"/>
+            </a:solidFill>
+          </a:ln>
+          <a:extLst>
+            <a:ext uri="{909E8E84-426E-40DD-AFC4-6F175D3DCCD1}">
+              <a14:hiddenFill xmlns:a14="http://schemas.microsoft.com/office/drawing/2010/main">
+                <a:solidFill>
+                  <a:srgbClr val="FFFFFF"/>
+                </a:solidFill>
+              </a14:hiddenFill>
+            </a:ext>
+          </a:extLst>
+        </p:spPr>
+      </p:pic>
+      <p:pic>
+        <p:nvPicPr>
+          <p:cNvPr id="1030" name="Picture 6">
+            <a:extLst>
+              <a:ext uri="{FF2B5EF4-FFF2-40B4-BE49-F238E27FC236}">
+                <a16:creationId xmlns:a16="http://schemas.microsoft.com/office/drawing/2014/main" id="{C97553B1-3243-5889-7164-89FEB26B57CA}"/>
+              </a:ext>
+            </a:extLst>
+          </p:cNvPr>
+          <p:cNvPicPr>
+            <a:picLocks noChangeAspect="1" noChangeArrowheads="1"/>
+          </p:cNvPicPr>
+          <p:nvPr/>
+        </p:nvPicPr>
+        <p:blipFill>
+          <a:blip r:embed="rId16">
+            <a:extLst>
+              <a:ext uri="{28A0092B-C50C-407E-A947-70E740481C1C}">
+                <a14:useLocalDpi xmlns:a14="http://schemas.microsoft.com/office/drawing/2010/main" val="0"/>
+              </a:ext>
+            </a:extLst>
+          </a:blip>
+          <a:srcRect/>
+          <a:stretch>
+            <a:fillRect/>
+          </a:stretch>
+        </p:blipFill>
+        <p:spPr bwMode="auto">
+          <a:xfrm>
+            <a:off x="9670288" y="1381012"/>
+            <a:ext cx="1224004" cy="612002"/>
+          </a:xfrm>
+          <a:prstGeom prst="rect">
+            <a:avLst/>
+          </a:prstGeom>
+          <a:noFill/>
+          <a:ln>
+            <a:solidFill>
+              <a:schemeClr val="tx1"/>
+            </a:solidFill>
+          </a:ln>
+          <a:extLst>
+            <a:ext uri="{909E8E84-426E-40DD-AFC4-6F175D3DCCD1}">
+              <a14:hiddenFill xmlns:a14="http://schemas.microsoft.com/office/drawing/2010/main">
+                <a:solidFill>
+                  <a:srgbClr val="FFFFFF"/>
+                </a:solidFill>
+              </a14:hiddenFill>
+            </a:ext>
+          </a:extLst>
+        </p:spPr>
+      </p:pic>
+      <p:pic>
+        <p:nvPicPr>
+          <p:cNvPr id="1032" name="Picture 8" descr="Flag of Colombia">
+            <a:extLst>
+              <a:ext uri="{FF2B5EF4-FFF2-40B4-BE49-F238E27FC236}">
+                <a16:creationId xmlns:a16="http://schemas.microsoft.com/office/drawing/2014/main" id="{65EDDD3B-09A0-059E-C443-AE5D6C530B69}"/>
+              </a:ext>
+            </a:extLst>
+          </p:cNvPr>
+          <p:cNvPicPr>
+            <a:picLocks noChangeAspect="1" noChangeArrowheads="1"/>
+          </p:cNvPicPr>
+          <p:nvPr/>
+        </p:nvPicPr>
+        <p:blipFill>
+          <a:blip r:embed="rId17">
+            <a:extLst>
+              <a:ext uri="{28A0092B-C50C-407E-A947-70E740481C1C}">
+                <a14:useLocalDpi xmlns:a14="http://schemas.microsoft.com/office/drawing/2010/main" val="0"/>
+              </a:ext>
+            </a:extLst>
+          </a:blip>
+          <a:srcRect/>
+          <a:stretch>
+            <a:fillRect/>
+          </a:stretch>
+        </p:blipFill>
+        <p:spPr bwMode="auto">
+          <a:xfrm>
+            <a:off x="9976287" y="2128615"/>
+            <a:ext cx="918005" cy="612003"/>
+          </a:xfrm>
+          <a:prstGeom prst="rect">
+            <a:avLst/>
+          </a:prstGeom>
+          <a:noFill/>
+          <a:ln>
+            <a:solidFill>
+              <a:schemeClr val="tx1"/>
+            </a:solidFill>
+          </a:ln>
+          <a:extLst>
+            <a:ext uri="{909E8E84-426E-40DD-AFC4-6F175D3DCCD1}">
+              <a14:hiddenFill xmlns:a14="http://schemas.microsoft.com/office/drawing/2010/main">
+                <a:solidFill>
+                  <a:srgbClr val="FFFFFF"/>
+                </a:solidFill>
+              </a14:hiddenFill>
+            </a:ext>
+          </a:extLst>
+        </p:spPr>
+      </p:pic>
+      <p:pic>
+        <p:nvPicPr>
+          <p:cNvPr id="1034" name="Picture 10" descr="Flag of Jamaica">
+            <a:extLst>
+              <a:ext uri="{FF2B5EF4-FFF2-40B4-BE49-F238E27FC236}">
+                <a16:creationId xmlns:a16="http://schemas.microsoft.com/office/drawing/2014/main" id="{05A96E4E-06D6-3D24-0912-E8BC51248BD7}"/>
+              </a:ext>
+            </a:extLst>
+          </p:cNvPr>
+          <p:cNvPicPr>
+            <a:picLocks noChangeAspect="1" noChangeArrowheads="1"/>
+          </p:cNvPicPr>
+          <p:nvPr/>
+        </p:nvPicPr>
+        <p:blipFill>
+          <a:blip r:embed="rId18">
+            <a:extLst>
+              <a:ext uri="{28A0092B-C50C-407E-A947-70E740481C1C}">
+                <a14:useLocalDpi xmlns:a14="http://schemas.microsoft.com/office/drawing/2010/main" val="0"/>
+              </a:ext>
+            </a:extLst>
+          </a:blip>
+          <a:srcRect/>
+          <a:stretch>
+            <a:fillRect/>
+          </a:stretch>
+        </p:blipFill>
+        <p:spPr bwMode="auto">
+          <a:xfrm>
+            <a:off x="9670288" y="2870187"/>
+            <a:ext cx="1231130" cy="615565"/>
+          </a:xfrm>
+          <a:prstGeom prst="rect">
+            <a:avLst/>
+          </a:prstGeom>
+          <a:noFill/>
+          <a:ln>
+            <a:solidFill>
+              <a:schemeClr val="tx1"/>
+            </a:solidFill>
+          </a:ln>
+          <a:extLst>
+            <a:ext uri="{909E8E84-426E-40DD-AFC4-6F175D3DCCD1}">
+              <a14:hiddenFill xmlns:a14="http://schemas.microsoft.com/office/drawing/2010/main">
+                <a:solidFill>
+                  <a:srgbClr val="FFFFFF"/>
+                </a:solidFill>
+              </a14:hiddenFill>
+            </a:ext>
+          </a:extLst>
+        </p:spPr>
+      </p:pic>
+      <p:pic>
+        <p:nvPicPr>
+          <p:cNvPr id="21" name="Picture 12" descr="Australia - Wikipedia">
+            <a:extLst>
+              <a:ext uri="{FF2B5EF4-FFF2-40B4-BE49-F238E27FC236}">
+                <a16:creationId xmlns:a16="http://schemas.microsoft.com/office/drawing/2014/main" id="{E4E34AA4-F3D7-31B7-CE9B-980D0A2E751A}"/>
+              </a:ext>
+            </a:extLst>
+          </p:cNvPr>
+          <p:cNvPicPr>
+            <a:picLocks noChangeAspect="1" noChangeArrowheads="1"/>
+          </p:cNvPicPr>
+          <p:nvPr/>
+        </p:nvPicPr>
+        <p:blipFill>
+          <a:blip r:embed="rId19">
+            <a:extLst>
+              <a:ext uri="{28A0092B-C50C-407E-A947-70E740481C1C}">
+                <a14:useLocalDpi xmlns:a14="http://schemas.microsoft.com/office/drawing/2010/main" val="0"/>
+              </a:ext>
+            </a:extLst>
+          </a:blip>
+          <a:srcRect/>
+          <a:stretch>
+            <a:fillRect/>
+          </a:stretch>
+        </p:blipFill>
+        <p:spPr bwMode="auto">
+          <a:xfrm>
+            <a:off x="9677419" y="3615321"/>
+            <a:ext cx="1223999" cy="612000"/>
+          </a:xfrm>
+          <a:prstGeom prst="rect">
+            <a:avLst/>
+          </a:prstGeom>
+          <a:noFill/>
+          <a:ln>
+            <a:solidFill>
+              <a:schemeClr val="tx1"/>
+            </a:solidFill>
+          </a:ln>
+          <a:extLst>
+            <a:ext uri="{909E8E84-426E-40DD-AFC4-6F175D3DCCD1}">
+              <a14:hiddenFill xmlns:a14="http://schemas.microsoft.com/office/drawing/2010/main">
+                <a:solidFill>
+                  <a:srgbClr val="FFFFFF"/>
+                </a:solidFill>
+              </a14:hiddenFill>
+            </a:ext>
+          </a:extLst>
+        </p:spPr>
+      </p:pic>
+      <p:pic>
+        <p:nvPicPr>
+          <p:cNvPr id="22" name="Picture 12">
+            <a:extLst>
+              <a:ext uri="{FF2B5EF4-FFF2-40B4-BE49-F238E27FC236}">
+                <a16:creationId xmlns:a16="http://schemas.microsoft.com/office/drawing/2014/main" id="{BF6F79F9-FEB1-D804-B90C-EAEF8FC4C029}"/>
+              </a:ext>
+            </a:extLst>
+          </p:cNvPr>
+          <p:cNvPicPr>
+            <a:picLocks noChangeAspect="1" noChangeArrowheads="1"/>
+          </p:cNvPicPr>
+          <p:nvPr/>
+        </p:nvPicPr>
+        <p:blipFill>
+          <a:blip r:embed="rId20">
+            <a:extLst>
+              <a:ext uri="{28A0092B-C50C-407E-A947-70E740481C1C}">
+                <a14:useLocalDpi xmlns:a14="http://schemas.microsoft.com/office/drawing/2010/main" val="0"/>
+              </a:ext>
+            </a:extLst>
+          </a:blip>
+          <a:srcRect/>
+          <a:stretch>
+            <a:fillRect/>
+          </a:stretch>
+        </p:blipFill>
+        <p:spPr bwMode="auto">
+          <a:xfrm>
+            <a:off x="1316961" y="2934391"/>
+            <a:ext cx="923925" cy="615565"/>
+          </a:xfrm>
+          <a:prstGeom prst="rect">
+            <a:avLst/>
+          </a:prstGeom>
+          <a:noFill/>
+          <a:ln>
+            <a:solidFill>
+              <a:schemeClr val="tx1"/>
+            </a:solidFill>
+          </a:ln>
+          <a:extLst>
+            <a:ext uri="{909E8E84-426E-40DD-AFC4-6F175D3DCCD1}">
+              <a14:hiddenFill xmlns:a14="http://schemas.microsoft.com/office/drawing/2010/main">
+                <a:solidFill>
+                  <a:srgbClr val="FFFFFF"/>
+                </a:solidFill>
+              </a14:hiddenFill>
+            </a:ext>
+          </a:extLst>
+        </p:spPr>
+      </p:pic>
+      <p:pic>
+        <p:nvPicPr>
+          <p:cNvPr id="23" name="Picture 14">
+            <a:extLst>
+              <a:ext uri="{FF2B5EF4-FFF2-40B4-BE49-F238E27FC236}">
+                <a16:creationId xmlns:a16="http://schemas.microsoft.com/office/drawing/2014/main" id="{0CDAF0EB-E8E2-4AF2-BBF1-4B7C41FBD0DF}"/>
+              </a:ext>
+            </a:extLst>
+          </p:cNvPr>
+          <p:cNvPicPr>
+            <a:picLocks noChangeAspect="1" noChangeArrowheads="1"/>
+          </p:cNvPicPr>
+          <p:nvPr/>
+        </p:nvPicPr>
+        <p:blipFill>
+          <a:blip r:embed="rId21">
+            <a:extLst>
+              <a:ext uri="{28A0092B-C50C-407E-A947-70E740481C1C}">
+                <a14:useLocalDpi xmlns:a14="http://schemas.microsoft.com/office/drawing/2010/main" val="0"/>
+              </a:ext>
+            </a:extLst>
+          </a:blip>
+          <a:srcRect/>
+          <a:stretch>
+            <a:fillRect/>
+          </a:stretch>
+        </p:blipFill>
+        <p:spPr bwMode="auto">
+          <a:xfrm>
+            <a:off x="9972408" y="5877861"/>
+            <a:ext cx="923925" cy="615565"/>
+          </a:xfrm>
+          <a:prstGeom prst="rect">
+            <a:avLst/>
+          </a:prstGeom>
+          <a:noFill/>
+          <a:ln>
+            <a:solidFill>
+              <a:schemeClr val="tx1"/>
+            </a:solidFill>
+          </a:ln>
+          <a:extLst>
+            <a:ext uri="{909E8E84-426E-40DD-AFC4-6F175D3DCCD1}">
+              <a14:hiddenFill xmlns:a14="http://schemas.microsoft.com/office/drawing/2010/main">
+                <a:solidFill>
+                  <a:srgbClr val="FFFFFF"/>
+                </a:solidFill>
+              </a14:hiddenFill>
+            </a:ext>
+          </a:extLst>
+        </p:spPr>
+      </p:pic>
     </p:spTree>
     <p:extLst>
       <p:ext uri="{BB962C8B-B14F-4D97-AF65-F5344CB8AC3E}">
-        <p14:creationId xmlns:p14="http://schemas.microsoft.com/office/powerpoint/2010/main" val="1094774923"/>
+        <p14:creationId xmlns:p14="http://schemas.microsoft.com/office/powerpoint/2010/main" val="1003273112"/>
+      </p:ext>
+    </p:extLst>
+  </p:cSld>
+  <p:clrMapOvr>
+    <a:masterClrMapping/>
+  </p:clrMapOvr>
+</p:sld>
+</file>
+
+<file path=ppt/slides/slide4.xml><?xml version="1.0" encoding="utf-8"?>
+<p:sld xmlns:a="http://schemas.openxmlformats.org/drawingml/2006/main" xmlns:r="http://schemas.openxmlformats.org/officeDocument/2006/relationships" xmlns:p="http://schemas.openxmlformats.org/presentationml/2006/main">
+  <p:cSld>
+    <p:spTree>
+      <p:nvGrpSpPr>
+        <p:cNvPr id="1" name=""/>
+        <p:cNvGrpSpPr/>
+        <p:nvPr/>
+      </p:nvGrpSpPr>
+      <p:grpSpPr>
+        <a:xfrm>
+          <a:off x="0" y="0"/>
+          <a:ext cx="0" cy="0"/>
+          <a:chOff x="0" y="0"/>
+          <a:chExt cx="0" cy="0"/>
+        </a:xfrm>
+      </p:grpSpPr>
+      <p:grpSp>
+        <p:nvGrpSpPr>
+          <p:cNvPr id="11" name="Group 10">
+            <a:extLst>
+              <a:ext uri="{FF2B5EF4-FFF2-40B4-BE49-F238E27FC236}">
+                <a16:creationId xmlns:a16="http://schemas.microsoft.com/office/drawing/2014/main" id="{3E9BB590-F211-B7DE-3D78-291DA751E3FF}"/>
+              </a:ext>
+            </a:extLst>
+          </p:cNvPr>
+          <p:cNvGrpSpPr/>
+          <p:nvPr/>
+        </p:nvGrpSpPr>
+        <p:grpSpPr>
+          <a:xfrm>
+            <a:off x="1205345" y="73888"/>
+            <a:ext cx="9781309" cy="6724650"/>
+            <a:chOff x="1205345" y="73888"/>
+            <a:chExt cx="9781309" cy="6724650"/>
+          </a:xfrm>
+        </p:grpSpPr>
+        <p:pic>
+          <p:nvPicPr>
+            <p:cNvPr id="5" name="Picture 4" descr="A white blank with blue and white text&#10;&#10;Description automatically generated">
+              <a:extLst>
+                <a:ext uri="{FF2B5EF4-FFF2-40B4-BE49-F238E27FC236}">
+                  <a16:creationId xmlns:a16="http://schemas.microsoft.com/office/drawing/2014/main" id="{CE0008D6-BCBD-3250-B750-172C5B903791}"/>
+                </a:ext>
+              </a:extLst>
+            </p:cNvPr>
+            <p:cNvPicPr>
+              <a:picLocks noChangeAspect="1"/>
+            </p:cNvPicPr>
+            <p:nvPr/>
+          </p:nvPicPr>
+          <p:blipFill>
+            <a:blip r:embed="rId2">
+              <a:extLst>
+                <a:ext uri="{BEBA8EAE-BF5A-486C-A8C5-ECC9F3942E4B}">
+                  <a14:imgProps xmlns:a14="http://schemas.microsoft.com/office/drawing/2010/main">
+                    <a14:imgLayer r:embed="rId3">
+                      <a14:imgEffect>
+                        <a14:sharpenSoften amount="50000"/>
+                      </a14:imgEffect>
+                    </a14:imgLayer>
+                  </a14:imgProps>
+                </a:ext>
+                <a:ext uri="{28A0092B-C50C-407E-A947-70E740481C1C}">
+                  <a14:useLocalDpi xmlns:a14="http://schemas.microsoft.com/office/drawing/2010/main" val="0"/>
+                </a:ext>
+              </a:extLst>
+            </a:blip>
+            <a:stretch>
+              <a:fillRect/>
+            </a:stretch>
+          </p:blipFill>
+          <p:spPr>
+            <a:xfrm>
+              <a:off x="1205345" y="73888"/>
+              <a:ext cx="9781309" cy="6724650"/>
+            </a:xfrm>
+            <a:prstGeom prst="rect">
+              <a:avLst/>
+            </a:prstGeom>
+          </p:spPr>
+        </p:pic>
+        <p:sp>
+          <p:nvSpPr>
+            <p:cNvPr id="6" name="Rectangle 5">
+              <a:extLst>
+                <a:ext uri="{FF2B5EF4-FFF2-40B4-BE49-F238E27FC236}">
+                  <a16:creationId xmlns:a16="http://schemas.microsoft.com/office/drawing/2014/main" id="{D09FDF60-38F0-F993-E65C-0F82D340D17D}"/>
+                </a:ext>
+              </a:extLst>
+            </p:cNvPr>
+            <p:cNvSpPr/>
+            <p:nvPr/>
+          </p:nvSpPr>
+          <p:spPr>
+            <a:xfrm>
+              <a:off x="1332854" y="154983"/>
+              <a:ext cx="9523709" cy="340963"/>
+            </a:xfrm>
+            <a:prstGeom prst="rect">
+              <a:avLst/>
+            </a:prstGeom>
+          </p:spPr>
+          <p:style>
+            <a:lnRef idx="2">
+              <a:schemeClr val="dk1">
+                <a:shade val="15000"/>
+              </a:schemeClr>
+            </a:lnRef>
+            <a:fillRef idx="1">
+              <a:schemeClr val="dk1"/>
+            </a:fillRef>
+            <a:effectRef idx="0">
+              <a:schemeClr val="dk1"/>
+            </a:effectRef>
+            <a:fontRef idx="minor">
+              <a:schemeClr val="lt1"/>
+            </a:fontRef>
+          </p:style>
+          <p:txBody>
+            <a:bodyPr rtlCol="0" anchor="ctr"/>
+            <a:lstStyle/>
+            <a:p>
+              <a:pPr algn="ctr"/>
+              <a:r>
+                <a:rPr lang="en-IN" sz="1050" b="1" dirty="0">
+                  <a:latin typeface="Grandview" panose="020B0502040204020203" pitchFamily="34" charset="0"/>
+                </a:rPr>
+                <a:t>      ROUND OF 16               QUARTERFINAL               SEMIFINAL                                             </a:t>
+              </a:r>
+              <a:r>
+                <a:rPr lang="en-IN" sz="1050" b="1" dirty="0" err="1">
+                  <a:latin typeface="Grandview" panose="020B0502040204020203" pitchFamily="34" charset="0"/>
+                </a:rPr>
+                <a:t>SEMIFINAL</a:t>
+              </a:r>
+              <a:r>
+                <a:rPr lang="en-IN" sz="1050" b="1" dirty="0">
+                  <a:latin typeface="Grandview" panose="020B0502040204020203" pitchFamily="34" charset="0"/>
+                </a:rPr>
+                <a:t>               QUARTERFINAL               ROUND OF 16 	</a:t>
+              </a:r>
+            </a:p>
+          </p:txBody>
+        </p:sp>
+        <p:sp>
+          <p:nvSpPr>
+            <p:cNvPr id="7" name="Rectangle 6">
+              <a:extLst>
+                <a:ext uri="{FF2B5EF4-FFF2-40B4-BE49-F238E27FC236}">
+                  <a16:creationId xmlns:a16="http://schemas.microsoft.com/office/drawing/2014/main" id="{AEEE539D-0E0D-7C87-68FC-F1EA0560D455}"/>
+                </a:ext>
+              </a:extLst>
+            </p:cNvPr>
+            <p:cNvSpPr/>
+            <p:nvPr/>
+          </p:nvSpPr>
+          <p:spPr>
+            <a:xfrm>
+              <a:off x="4719234" y="790414"/>
+              <a:ext cx="2712203" cy="805911"/>
+            </a:xfrm>
+            <a:prstGeom prst="rect">
+              <a:avLst/>
+            </a:prstGeom>
+            <a:solidFill>
+              <a:schemeClr val="bg1"/>
+            </a:solidFill>
+            <a:ln>
+              <a:solidFill>
+                <a:schemeClr val="bg1"/>
+              </a:solidFill>
+            </a:ln>
+          </p:spPr>
+          <p:style>
+            <a:lnRef idx="2">
+              <a:schemeClr val="accent1">
+                <a:shade val="15000"/>
+              </a:schemeClr>
+            </a:lnRef>
+            <a:fillRef idx="1">
+              <a:schemeClr val="accent1"/>
+            </a:fillRef>
+            <a:effectRef idx="0">
+              <a:schemeClr val="accent1"/>
+            </a:effectRef>
+            <a:fontRef idx="minor">
+              <a:schemeClr val="lt1"/>
+            </a:fontRef>
+          </p:style>
+          <p:txBody>
+            <a:bodyPr rtlCol="0" anchor="ctr"/>
+            <a:lstStyle/>
+            <a:p>
+              <a:pPr algn="ctr"/>
+              <a:endParaRPr lang="en-IN"/>
+            </a:p>
+          </p:txBody>
+        </p:sp>
+        <p:sp>
+          <p:nvSpPr>
+            <p:cNvPr id="8" name="Rectangle 7">
+              <a:extLst>
+                <a:ext uri="{FF2B5EF4-FFF2-40B4-BE49-F238E27FC236}">
+                  <a16:creationId xmlns:a16="http://schemas.microsoft.com/office/drawing/2014/main" id="{E2FA5DA1-CA1A-3D72-E16A-4108C7BB9BCF}"/>
+                </a:ext>
+              </a:extLst>
+            </p:cNvPr>
+            <p:cNvSpPr/>
+            <p:nvPr/>
+          </p:nvSpPr>
+          <p:spPr>
+            <a:xfrm rot="5400000">
+              <a:off x="5115731" y="4984064"/>
+              <a:ext cx="1919206" cy="805911"/>
+            </a:xfrm>
+            <a:prstGeom prst="rect">
+              <a:avLst/>
+            </a:prstGeom>
+            <a:solidFill>
+              <a:schemeClr val="bg1"/>
+            </a:solidFill>
+            <a:ln>
+              <a:solidFill>
+                <a:schemeClr val="bg1"/>
+              </a:solidFill>
+            </a:ln>
+          </p:spPr>
+          <p:style>
+            <a:lnRef idx="2">
+              <a:schemeClr val="accent1">
+                <a:shade val="15000"/>
+              </a:schemeClr>
+            </a:lnRef>
+            <a:fillRef idx="1">
+              <a:schemeClr val="accent1"/>
+            </a:fillRef>
+            <a:effectRef idx="0">
+              <a:schemeClr val="accent1"/>
+            </a:effectRef>
+            <a:fontRef idx="minor">
+              <a:schemeClr val="lt1"/>
+            </a:fontRef>
+          </p:style>
+          <p:txBody>
+            <a:bodyPr rtlCol="0" anchor="ctr"/>
+            <a:lstStyle/>
+            <a:p>
+              <a:pPr algn="ctr"/>
+              <a:endParaRPr lang="en-IN" dirty="0"/>
+            </a:p>
+          </p:txBody>
+        </p:sp>
+        <p:sp>
+          <p:nvSpPr>
+            <p:cNvPr id="9" name="Rectangle 8">
+              <a:extLst>
+                <a:ext uri="{FF2B5EF4-FFF2-40B4-BE49-F238E27FC236}">
+                  <a16:creationId xmlns:a16="http://schemas.microsoft.com/office/drawing/2014/main" id="{2B1F771E-E1A9-A6D7-323C-1BAF033AD7ED}"/>
+                </a:ext>
+              </a:extLst>
+            </p:cNvPr>
+            <p:cNvSpPr/>
+            <p:nvPr/>
+          </p:nvSpPr>
+          <p:spPr>
+            <a:xfrm>
+              <a:off x="4738606" y="5736906"/>
+              <a:ext cx="2712203" cy="805911"/>
+            </a:xfrm>
+            <a:prstGeom prst="rect">
+              <a:avLst/>
+            </a:prstGeom>
+            <a:solidFill>
+              <a:schemeClr val="bg1"/>
+            </a:solidFill>
+            <a:ln>
+              <a:solidFill>
+                <a:schemeClr val="bg1"/>
+              </a:solidFill>
+            </a:ln>
+          </p:spPr>
+          <p:style>
+            <a:lnRef idx="2">
+              <a:schemeClr val="accent1">
+                <a:shade val="15000"/>
+              </a:schemeClr>
+            </a:lnRef>
+            <a:fillRef idx="1">
+              <a:schemeClr val="accent1"/>
+            </a:fillRef>
+            <a:effectRef idx="0">
+              <a:schemeClr val="accent1"/>
+            </a:effectRef>
+            <a:fontRef idx="minor">
+              <a:schemeClr val="lt1"/>
+            </a:fontRef>
+          </p:style>
+          <p:txBody>
+            <a:bodyPr rtlCol="0" anchor="ctr"/>
+            <a:lstStyle/>
+            <a:p>
+              <a:pPr algn="ctr"/>
+              <a:endParaRPr lang="en-IN"/>
+            </a:p>
+          </p:txBody>
+        </p:sp>
+        <p:sp>
+          <p:nvSpPr>
+            <p:cNvPr id="10" name="Rectangle 9">
+              <a:extLst>
+                <a:ext uri="{FF2B5EF4-FFF2-40B4-BE49-F238E27FC236}">
+                  <a16:creationId xmlns:a16="http://schemas.microsoft.com/office/drawing/2014/main" id="{395CD424-46E1-557E-B9A2-212A75E4DD6B}"/>
+                </a:ext>
+              </a:extLst>
+            </p:cNvPr>
+            <p:cNvSpPr/>
+            <p:nvPr/>
+          </p:nvSpPr>
+          <p:spPr>
+            <a:xfrm>
+              <a:off x="5594886" y="2430584"/>
+              <a:ext cx="999641" cy="340963"/>
+            </a:xfrm>
+            <a:prstGeom prst="rect">
+              <a:avLst/>
+            </a:prstGeom>
+          </p:spPr>
+          <p:style>
+            <a:lnRef idx="2">
+              <a:schemeClr val="dk1">
+                <a:shade val="15000"/>
+              </a:schemeClr>
+            </a:lnRef>
+            <a:fillRef idx="1">
+              <a:schemeClr val="dk1"/>
+            </a:fillRef>
+            <a:effectRef idx="0">
+              <a:schemeClr val="dk1"/>
+            </a:effectRef>
+            <a:fontRef idx="minor">
+              <a:schemeClr val="lt1"/>
+            </a:fontRef>
+          </p:style>
+          <p:txBody>
+            <a:bodyPr rtlCol="0" anchor="ctr"/>
+            <a:lstStyle/>
+            <a:p>
+              <a:pPr algn="ctr"/>
+              <a:r>
+                <a:rPr lang="en-IN" sz="1400" b="1" dirty="0">
+                  <a:latin typeface="Grandview" panose="020B0502040204020203" pitchFamily="34" charset="0"/>
+                </a:rPr>
+                <a:t>FINAL</a:t>
+              </a:r>
+            </a:p>
+          </p:txBody>
+        </p:sp>
+      </p:grpSp>
+      <p:pic>
+        <p:nvPicPr>
+          <p:cNvPr id="1026" name="Picture 2" descr="2023 FIFA Women's World Cup - Wikipedia">
+            <a:extLst>
+              <a:ext uri="{FF2B5EF4-FFF2-40B4-BE49-F238E27FC236}">
+                <a16:creationId xmlns:a16="http://schemas.microsoft.com/office/drawing/2014/main" id="{28D16A78-E773-EF40-4939-0B8723694EB2}"/>
+              </a:ext>
+            </a:extLst>
+          </p:cNvPr>
+          <p:cNvPicPr>
+            <a:picLocks noChangeAspect="1" noChangeArrowheads="1"/>
+          </p:cNvPicPr>
+          <p:nvPr/>
+        </p:nvPicPr>
+        <p:blipFill>
+          <a:blip r:embed="rId4">
+            <a:extLst>
+              <a:ext uri="{28A0092B-C50C-407E-A947-70E740481C1C}">
+                <a14:useLocalDpi xmlns:a14="http://schemas.microsoft.com/office/drawing/2010/main" val="0"/>
+              </a:ext>
+            </a:extLst>
+          </a:blip>
+          <a:srcRect/>
+          <a:stretch>
+            <a:fillRect/>
+          </a:stretch>
+        </p:blipFill>
+        <p:spPr bwMode="auto">
+          <a:xfrm>
+            <a:off x="5530455" y="4764364"/>
+            <a:ext cx="1126464" cy="1846802"/>
+          </a:xfrm>
+          <a:prstGeom prst="rect">
+            <a:avLst/>
+          </a:prstGeom>
+          <a:noFill/>
+          <a:extLst>
+            <a:ext uri="{909E8E84-426E-40DD-AFC4-6F175D3DCCD1}">
+              <a14:hiddenFill xmlns:a14="http://schemas.microsoft.com/office/drawing/2010/main">
+                <a:solidFill>
+                  <a:srgbClr val="FFFFFF"/>
+                </a:solidFill>
+              </a14:hiddenFill>
+            </a:ext>
+          </a:extLst>
+        </p:spPr>
+      </p:pic>
+      <p:pic>
+        <p:nvPicPr>
+          <p:cNvPr id="1042" name="Picture 18">
+            <a:extLst>
+              <a:ext uri="{FF2B5EF4-FFF2-40B4-BE49-F238E27FC236}">
+                <a16:creationId xmlns:a16="http://schemas.microsoft.com/office/drawing/2014/main" id="{02FDC2ED-62F8-B1DC-1BF6-0508858465B9}"/>
+              </a:ext>
+            </a:extLst>
+          </p:cNvPr>
+          <p:cNvPicPr>
+            <a:picLocks noChangeAspect="1" noChangeArrowheads="1"/>
+          </p:cNvPicPr>
+          <p:nvPr/>
+        </p:nvPicPr>
+        <p:blipFill>
+          <a:blip r:embed="rId5">
+            <a:extLst>
+              <a:ext uri="{28A0092B-C50C-407E-A947-70E740481C1C}">
+                <a14:useLocalDpi xmlns:a14="http://schemas.microsoft.com/office/drawing/2010/main" val="0"/>
+              </a:ext>
+            </a:extLst>
+          </a:blip>
+          <a:srcRect/>
+          <a:stretch>
+            <a:fillRect/>
+          </a:stretch>
+        </p:blipFill>
+        <p:spPr bwMode="auto">
+          <a:xfrm>
+            <a:off x="10074112" y="4368276"/>
+            <a:ext cx="809723" cy="612000"/>
+          </a:xfrm>
+          <a:prstGeom prst="rect">
+            <a:avLst/>
+          </a:prstGeom>
+          <a:noFill/>
+          <a:ln>
+            <a:solidFill>
+              <a:schemeClr val="tx1"/>
+            </a:solidFill>
+          </a:ln>
+          <a:extLst>
+            <a:ext uri="{909E8E84-426E-40DD-AFC4-6F175D3DCCD1}">
+              <a14:hiddenFill xmlns:a14="http://schemas.microsoft.com/office/drawing/2010/main">
+                <a:solidFill>
+                  <a:srgbClr val="FFFFFF"/>
+                </a:solidFill>
+              </a14:hiddenFill>
+            </a:ext>
+          </a:extLst>
+        </p:spPr>
+      </p:pic>
+      <p:pic>
+        <p:nvPicPr>
+          <p:cNvPr id="1056" name="Picture 32" descr="Flag of the Netherlands - Wikipedia">
+            <a:extLst>
+              <a:ext uri="{FF2B5EF4-FFF2-40B4-BE49-F238E27FC236}">
+                <a16:creationId xmlns:a16="http://schemas.microsoft.com/office/drawing/2014/main" id="{928B9B0E-FBE5-F9A8-9789-671202879EF1}"/>
+              </a:ext>
+            </a:extLst>
+          </p:cNvPr>
+          <p:cNvPicPr>
+            <a:picLocks noChangeAspect="1" noChangeArrowheads="1"/>
+          </p:cNvPicPr>
+          <p:nvPr/>
+        </p:nvPicPr>
+        <p:blipFill>
+          <a:blip r:embed="rId6">
+            <a:extLst>
+              <a:ext uri="{28A0092B-C50C-407E-A947-70E740481C1C}">
+                <a14:useLocalDpi xmlns:a14="http://schemas.microsoft.com/office/drawing/2010/main" val="0"/>
+              </a:ext>
+            </a:extLst>
+          </a:blip>
+          <a:srcRect/>
+          <a:stretch>
+            <a:fillRect/>
+          </a:stretch>
+        </p:blipFill>
+        <p:spPr bwMode="auto">
+          <a:xfrm>
+            <a:off x="1315791" y="2165693"/>
+            <a:ext cx="918000" cy="612000"/>
+          </a:xfrm>
+          <a:prstGeom prst="rect">
+            <a:avLst/>
+          </a:prstGeom>
+          <a:noFill/>
+          <a:ln>
+            <a:solidFill>
+              <a:schemeClr val="tx1"/>
+            </a:solidFill>
+          </a:ln>
+          <a:extLst>
+            <a:ext uri="{909E8E84-426E-40DD-AFC4-6F175D3DCCD1}">
+              <a14:hiddenFill xmlns:a14="http://schemas.microsoft.com/office/drawing/2010/main">
+                <a:solidFill>
+                  <a:srgbClr val="FFFFFF"/>
+                </a:solidFill>
+              </a14:hiddenFill>
+            </a:ext>
+          </a:extLst>
+        </p:spPr>
+      </p:pic>
+      <p:pic>
+        <p:nvPicPr>
+          <p:cNvPr id="1058" name="Picture 34" descr="Flag of Sweden - Wikipedia">
+            <a:extLst>
+              <a:ext uri="{FF2B5EF4-FFF2-40B4-BE49-F238E27FC236}">
+                <a16:creationId xmlns:a16="http://schemas.microsoft.com/office/drawing/2014/main" id="{A951AF60-0737-E99F-3EA7-EF799451FEA3}"/>
+              </a:ext>
+            </a:extLst>
+          </p:cNvPr>
+          <p:cNvPicPr>
+            <a:picLocks noChangeAspect="1" noChangeArrowheads="1"/>
+          </p:cNvPicPr>
+          <p:nvPr/>
+        </p:nvPicPr>
+        <p:blipFill>
+          <a:blip r:embed="rId7">
+            <a:extLst>
+              <a:ext uri="{28A0092B-C50C-407E-A947-70E740481C1C}">
+                <a14:useLocalDpi xmlns:a14="http://schemas.microsoft.com/office/drawing/2010/main" val="0"/>
+              </a:ext>
+            </a:extLst>
+          </a:blip>
+          <a:srcRect/>
+          <a:stretch>
+            <a:fillRect/>
+          </a:stretch>
+        </p:blipFill>
+        <p:spPr bwMode="auto">
+          <a:xfrm>
+            <a:off x="1307564" y="5249435"/>
+            <a:ext cx="981966" cy="612000"/>
+          </a:xfrm>
+          <a:prstGeom prst="rect">
+            <a:avLst/>
+          </a:prstGeom>
+          <a:noFill/>
+          <a:ln>
+            <a:solidFill>
+              <a:schemeClr val="tx1"/>
+            </a:solidFill>
+          </a:ln>
+          <a:extLst>
+            <a:ext uri="{909E8E84-426E-40DD-AFC4-6F175D3DCCD1}">
+              <a14:hiddenFill xmlns:a14="http://schemas.microsoft.com/office/drawing/2010/main">
+                <a:solidFill>
+                  <a:srgbClr val="FFFFFF"/>
+                </a:solidFill>
+              </a14:hiddenFill>
+            </a:ext>
+          </a:extLst>
+        </p:spPr>
+      </p:pic>
+      <p:pic>
+        <p:nvPicPr>
+          <p:cNvPr id="46" name="Picture 16" descr="Spain - Wikipedia">
+            <a:extLst>
+              <a:ext uri="{FF2B5EF4-FFF2-40B4-BE49-F238E27FC236}">
+                <a16:creationId xmlns:a16="http://schemas.microsoft.com/office/drawing/2014/main" id="{95104EB5-485F-FFED-35CC-BFF36E3B7FE9}"/>
+              </a:ext>
+            </a:extLst>
+          </p:cNvPr>
+          <p:cNvPicPr>
+            <a:picLocks noChangeAspect="1" noChangeArrowheads="1"/>
+          </p:cNvPicPr>
+          <p:nvPr/>
+        </p:nvPicPr>
+        <p:blipFill>
+          <a:blip r:embed="rId8">
+            <a:extLst>
+              <a:ext uri="{28A0092B-C50C-407E-A947-70E740481C1C}">
+                <a14:useLocalDpi xmlns:a14="http://schemas.microsoft.com/office/drawing/2010/main" val="0"/>
+              </a:ext>
+            </a:extLst>
+          </a:blip>
+          <a:srcRect/>
+          <a:stretch>
+            <a:fillRect/>
+          </a:stretch>
+        </p:blipFill>
+        <p:spPr bwMode="auto">
+          <a:xfrm>
+            <a:off x="1314119" y="1396693"/>
+            <a:ext cx="919672" cy="612000"/>
+          </a:xfrm>
+          <a:prstGeom prst="rect">
+            <a:avLst/>
+          </a:prstGeom>
+          <a:noFill/>
+          <a:ln>
+            <a:solidFill>
+              <a:schemeClr val="tx1"/>
+            </a:solidFill>
+          </a:ln>
+          <a:extLst>
+            <a:ext uri="{909E8E84-426E-40DD-AFC4-6F175D3DCCD1}">
+              <a14:hiddenFill xmlns:a14="http://schemas.microsoft.com/office/drawing/2010/main">
+                <a:solidFill>
+                  <a:srgbClr val="FFFFFF"/>
+                </a:solidFill>
+              </a14:hiddenFill>
+            </a:ext>
+          </a:extLst>
+        </p:spPr>
+      </p:pic>
+      <p:pic>
+        <p:nvPicPr>
+          <p:cNvPr id="49" name="Picture 26" descr="Flag of the United States - Wikipedia">
+            <a:extLst>
+              <a:ext uri="{FF2B5EF4-FFF2-40B4-BE49-F238E27FC236}">
+                <a16:creationId xmlns:a16="http://schemas.microsoft.com/office/drawing/2014/main" id="{E8D29235-2FFB-7A79-1D57-CAAF2726C104}"/>
+              </a:ext>
+            </a:extLst>
+          </p:cNvPr>
+          <p:cNvPicPr>
+            <a:picLocks noChangeAspect="1" noChangeArrowheads="1"/>
+          </p:cNvPicPr>
+          <p:nvPr/>
+        </p:nvPicPr>
+        <p:blipFill>
+          <a:blip r:embed="rId9">
+            <a:extLst>
+              <a:ext uri="{28A0092B-C50C-407E-A947-70E740481C1C}">
+                <a14:useLocalDpi xmlns:a14="http://schemas.microsoft.com/office/drawing/2010/main" val="0"/>
+              </a:ext>
+            </a:extLst>
+          </a:blip>
+          <a:srcRect/>
+          <a:stretch>
+            <a:fillRect/>
+          </a:stretch>
+        </p:blipFill>
+        <p:spPr bwMode="auto">
+          <a:xfrm>
+            <a:off x="1301851" y="6018435"/>
+            <a:ext cx="1163926" cy="612000"/>
+          </a:xfrm>
+          <a:prstGeom prst="rect">
+            <a:avLst/>
+          </a:prstGeom>
+          <a:noFill/>
+          <a:ln>
+            <a:solidFill>
+              <a:schemeClr val="tx1"/>
+            </a:solidFill>
+          </a:ln>
+          <a:extLst>
+            <a:ext uri="{909E8E84-426E-40DD-AFC4-6F175D3DCCD1}">
+              <a14:hiddenFill xmlns:a14="http://schemas.microsoft.com/office/drawing/2010/main">
+                <a:solidFill>
+                  <a:srgbClr val="FFFFFF"/>
+                </a:solidFill>
+              </a14:hiddenFill>
+            </a:ext>
+          </a:extLst>
+        </p:spPr>
+      </p:pic>
+      <p:pic>
+        <p:nvPicPr>
+          <p:cNvPr id="51" name="Picture 30" descr="Flag of France - Wikipedia">
+            <a:extLst>
+              <a:ext uri="{FF2B5EF4-FFF2-40B4-BE49-F238E27FC236}">
+                <a16:creationId xmlns:a16="http://schemas.microsoft.com/office/drawing/2014/main" id="{CCA7E075-755F-3B50-F041-F160BF9844CD}"/>
+              </a:ext>
+            </a:extLst>
+          </p:cNvPr>
+          <p:cNvPicPr>
+            <a:picLocks noChangeAspect="1" noChangeArrowheads="1"/>
+          </p:cNvPicPr>
+          <p:nvPr/>
+        </p:nvPicPr>
+        <p:blipFill>
+          <a:blip r:embed="rId10">
+            <a:extLst>
+              <a:ext uri="{28A0092B-C50C-407E-A947-70E740481C1C}">
+                <a14:useLocalDpi xmlns:a14="http://schemas.microsoft.com/office/drawing/2010/main" val="0"/>
+              </a:ext>
+            </a:extLst>
+          </a:blip>
+          <a:srcRect/>
+          <a:stretch>
+            <a:fillRect/>
+          </a:stretch>
+        </p:blipFill>
+        <p:spPr bwMode="auto">
+          <a:xfrm>
+            <a:off x="9976287" y="5124906"/>
+            <a:ext cx="916168" cy="612000"/>
+          </a:xfrm>
+          <a:prstGeom prst="rect">
+            <a:avLst/>
+          </a:prstGeom>
+          <a:noFill/>
+          <a:ln>
+            <a:solidFill>
+              <a:schemeClr val="tx1"/>
+            </a:solidFill>
+          </a:ln>
+          <a:extLst>
+            <a:ext uri="{909E8E84-426E-40DD-AFC4-6F175D3DCCD1}">
+              <a14:hiddenFill xmlns:a14="http://schemas.microsoft.com/office/drawing/2010/main">
+                <a:solidFill>
+                  <a:srgbClr val="FFFFFF"/>
+                </a:solidFill>
+              </a14:hiddenFill>
+            </a:ext>
+          </a:extLst>
+        </p:spPr>
+      </p:pic>
+      <p:pic>
+        <p:nvPicPr>
+          <p:cNvPr id="55" name="Picture 22" descr="Flag of England - Wikipedia">
+            <a:extLst>
+              <a:ext uri="{FF2B5EF4-FFF2-40B4-BE49-F238E27FC236}">
+                <a16:creationId xmlns:a16="http://schemas.microsoft.com/office/drawing/2014/main" id="{8123098D-37B1-619C-1EE4-B8F99C530AE0}"/>
+              </a:ext>
+            </a:extLst>
+          </p:cNvPr>
+          <p:cNvPicPr>
+            <a:picLocks noChangeAspect="1" noChangeArrowheads="1"/>
+          </p:cNvPicPr>
+          <p:nvPr/>
+        </p:nvPicPr>
+        <p:blipFill>
+          <a:blip r:embed="rId11">
+            <a:extLst>
+              <a:ext uri="{28A0092B-C50C-407E-A947-70E740481C1C}">
+                <a14:useLocalDpi xmlns:a14="http://schemas.microsoft.com/office/drawing/2010/main" val="0"/>
+              </a:ext>
+            </a:extLst>
+          </a:blip>
+          <a:srcRect/>
+          <a:stretch>
+            <a:fillRect/>
+          </a:stretch>
+        </p:blipFill>
+        <p:spPr bwMode="auto">
+          <a:xfrm>
+            <a:off x="9864437" y="630939"/>
+            <a:ext cx="1020000" cy="612000"/>
+          </a:xfrm>
+          <a:prstGeom prst="rect">
+            <a:avLst/>
+          </a:prstGeom>
+          <a:noFill/>
+          <a:ln>
+            <a:solidFill>
+              <a:schemeClr val="tx1"/>
+            </a:solidFill>
+          </a:ln>
+          <a:extLst>
+            <a:ext uri="{909E8E84-426E-40DD-AFC4-6F175D3DCCD1}">
+              <a14:hiddenFill xmlns:a14="http://schemas.microsoft.com/office/drawing/2010/main">
+                <a:solidFill>
+                  <a:srgbClr val="FFFFFF"/>
+                </a:solidFill>
+              </a14:hiddenFill>
+            </a:ext>
+          </a:extLst>
+        </p:spPr>
+      </p:pic>
+      <p:pic>
+        <p:nvPicPr>
+          <p:cNvPr id="15" name="Picture 42" descr="Gold Background Vector Art, Icons, and Graphics for Free Download">
+            <a:extLst>
+              <a:ext uri="{FF2B5EF4-FFF2-40B4-BE49-F238E27FC236}">
+                <a16:creationId xmlns:a16="http://schemas.microsoft.com/office/drawing/2014/main" id="{5F2BBD99-79DF-9F1D-8EA2-2E48E41A97F7}"/>
+              </a:ext>
+            </a:extLst>
+          </p:cNvPr>
+          <p:cNvPicPr>
+            <a:picLocks noChangeAspect="1" noChangeArrowheads="1"/>
+          </p:cNvPicPr>
+          <p:nvPr/>
+        </p:nvPicPr>
+        <p:blipFill>
+          <a:blip r:embed="rId12">
+            <a:extLst>
+              <a:ext uri="{28A0092B-C50C-407E-A947-70E740481C1C}">
+                <a14:useLocalDpi xmlns:a14="http://schemas.microsoft.com/office/drawing/2010/main" val="0"/>
+              </a:ext>
+            </a:extLst>
+          </a:blip>
+          <a:srcRect/>
+          <a:stretch>
+            <a:fillRect/>
+          </a:stretch>
+        </p:blipFill>
+        <p:spPr bwMode="auto">
+          <a:xfrm>
+            <a:off x="5420887" y="3227899"/>
+            <a:ext cx="1345599" cy="877432"/>
+          </a:xfrm>
+          <a:prstGeom prst="rect">
+            <a:avLst/>
+          </a:prstGeom>
+          <a:noFill/>
+          <a:ln>
+            <a:noFill/>
+          </a:ln>
+          <a:effectLst>
+            <a:softEdge rad="63500"/>
+          </a:effectLst>
+          <a:extLst>
+            <a:ext uri="{909E8E84-426E-40DD-AFC4-6F175D3DCCD1}">
+              <a14:hiddenFill xmlns:a14="http://schemas.microsoft.com/office/drawing/2010/main">
+                <a:solidFill>
+                  <a:srgbClr val="FFFFFF"/>
+                </a:solidFill>
+              </a14:hiddenFill>
+            </a:ext>
+          </a:extLst>
+        </p:spPr>
+      </p:pic>
+      <p:pic>
+        <p:nvPicPr>
+          <p:cNvPr id="19" name="Picture 20" descr="Flag of Switzerland - Wikipedia">
+            <a:extLst>
+              <a:ext uri="{FF2B5EF4-FFF2-40B4-BE49-F238E27FC236}">
+                <a16:creationId xmlns:a16="http://schemas.microsoft.com/office/drawing/2014/main" id="{4424D841-9B03-AF09-D5F6-B879376490E4}"/>
+              </a:ext>
+            </a:extLst>
+          </p:cNvPr>
+          <p:cNvPicPr>
+            <a:picLocks noChangeAspect="1" noChangeArrowheads="1"/>
+          </p:cNvPicPr>
+          <p:nvPr/>
+        </p:nvPicPr>
+        <p:blipFill>
+          <a:blip r:embed="rId13">
+            <a:extLst>
+              <a:ext uri="{28A0092B-C50C-407E-A947-70E740481C1C}">
+                <a14:useLocalDpi xmlns:a14="http://schemas.microsoft.com/office/drawing/2010/main" val="0"/>
+              </a:ext>
+            </a:extLst>
+          </a:blip>
+          <a:srcRect/>
+          <a:stretch>
+            <a:fillRect/>
+          </a:stretch>
+        </p:blipFill>
+        <p:spPr bwMode="auto">
+          <a:xfrm>
+            <a:off x="1307563" y="619099"/>
+            <a:ext cx="612000" cy="612000"/>
+          </a:xfrm>
+          <a:prstGeom prst="rect">
+            <a:avLst/>
+          </a:prstGeom>
+          <a:noFill/>
+          <a:ln>
+            <a:solidFill>
+              <a:schemeClr val="tx1"/>
+            </a:solidFill>
+          </a:ln>
+          <a:extLst>
+            <a:ext uri="{909E8E84-426E-40DD-AFC4-6F175D3DCCD1}">
+              <a14:hiddenFill xmlns:a14="http://schemas.microsoft.com/office/drawing/2010/main">
+                <a:solidFill>
+                  <a:srgbClr val="FFFFFF"/>
+                </a:solidFill>
+              </a14:hiddenFill>
+            </a:ext>
+          </a:extLst>
+        </p:spPr>
+      </p:pic>
+      <p:pic>
+        <p:nvPicPr>
+          <p:cNvPr id="20" name="Picture 2" descr="Flag of Japan - Wikipedia">
+            <a:extLst>
+              <a:ext uri="{FF2B5EF4-FFF2-40B4-BE49-F238E27FC236}">
+                <a16:creationId xmlns:a16="http://schemas.microsoft.com/office/drawing/2014/main" id="{5FE8B124-1974-24AB-ED36-019B393B1C27}"/>
+              </a:ext>
+            </a:extLst>
+          </p:cNvPr>
+          <p:cNvPicPr>
+            <a:picLocks noChangeAspect="1" noChangeArrowheads="1"/>
+          </p:cNvPicPr>
+          <p:nvPr/>
+        </p:nvPicPr>
+        <p:blipFill>
+          <a:blip r:embed="rId14">
+            <a:extLst>
+              <a:ext uri="{28A0092B-C50C-407E-A947-70E740481C1C}">
+                <a14:useLocalDpi xmlns:a14="http://schemas.microsoft.com/office/drawing/2010/main" val="0"/>
+              </a:ext>
+            </a:extLst>
+          </a:blip>
+          <a:srcRect/>
+          <a:stretch>
+            <a:fillRect/>
+          </a:stretch>
+        </p:blipFill>
+        <p:spPr bwMode="auto">
+          <a:xfrm>
+            <a:off x="1301851" y="3705174"/>
+            <a:ext cx="919673" cy="612732"/>
+          </a:xfrm>
+          <a:prstGeom prst="rect">
+            <a:avLst/>
+          </a:prstGeom>
+          <a:noFill/>
+          <a:ln>
+            <a:solidFill>
+              <a:schemeClr val="tx1"/>
+            </a:solidFill>
+          </a:ln>
+          <a:extLst>
+            <a:ext uri="{909E8E84-426E-40DD-AFC4-6F175D3DCCD1}">
+              <a14:hiddenFill xmlns:a14="http://schemas.microsoft.com/office/drawing/2010/main">
+                <a:solidFill>
+                  <a:srgbClr val="FFFFFF"/>
+                </a:solidFill>
+              </a14:hiddenFill>
+            </a:ext>
+          </a:extLst>
+        </p:spPr>
+      </p:pic>
+      <p:pic>
+        <p:nvPicPr>
+          <p:cNvPr id="1028" name="Picture 4">
+            <a:extLst>
+              <a:ext uri="{FF2B5EF4-FFF2-40B4-BE49-F238E27FC236}">
+                <a16:creationId xmlns:a16="http://schemas.microsoft.com/office/drawing/2014/main" id="{088C606A-E029-052A-9E63-FDDCA5FB4BB4}"/>
+              </a:ext>
+            </a:extLst>
+          </p:cNvPr>
+          <p:cNvPicPr>
+            <a:picLocks noChangeAspect="1" noChangeArrowheads="1"/>
+          </p:cNvPicPr>
+          <p:nvPr/>
+        </p:nvPicPr>
+        <p:blipFill>
+          <a:blip r:embed="rId15">
+            <a:extLst>
+              <a:ext uri="{28A0092B-C50C-407E-A947-70E740481C1C}">
+                <a14:useLocalDpi xmlns:a14="http://schemas.microsoft.com/office/drawing/2010/main" val="0"/>
+              </a:ext>
+            </a:extLst>
+          </a:blip>
+          <a:srcRect/>
+          <a:stretch>
+            <a:fillRect/>
+          </a:stretch>
+        </p:blipFill>
+        <p:spPr bwMode="auto">
+          <a:xfrm>
+            <a:off x="1307564" y="4482768"/>
+            <a:ext cx="839186" cy="609665"/>
+          </a:xfrm>
+          <a:prstGeom prst="rect">
+            <a:avLst/>
+          </a:prstGeom>
+          <a:noFill/>
+          <a:ln>
+            <a:solidFill>
+              <a:schemeClr val="tx1"/>
+            </a:solidFill>
+          </a:ln>
+          <a:extLst>
+            <a:ext uri="{909E8E84-426E-40DD-AFC4-6F175D3DCCD1}">
+              <a14:hiddenFill xmlns:a14="http://schemas.microsoft.com/office/drawing/2010/main">
+                <a:solidFill>
+                  <a:srgbClr val="FFFFFF"/>
+                </a:solidFill>
+              </a14:hiddenFill>
+            </a:ext>
+          </a:extLst>
+        </p:spPr>
+      </p:pic>
+      <p:pic>
+        <p:nvPicPr>
+          <p:cNvPr id="1030" name="Picture 6">
+            <a:extLst>
+              <a:ext uri="{FF2B5EF4-FFF2-40B4-BE49-F238E27FC236}">
+                <a16:creationId xmlns:a16="http://schemas.microsoft.com/office/drawing/2014/main" id="{C97553B1-3243-5889-7164-89FEB26B57CA}"/>
+              </a:ext>
+            </a:extLst>
+          </p:cNvPr>
+          <p:cNvPicPr>
+            <a:picLocks noChangeAspect="1" noChangeArrowheads="1"/>
+          </p:cNvPicPr>
+          <p:nvPr/>
+        </p:nvPicPr>
+        <p:blipFill>
+          <a:blip r:embed="rId16">
+            <a:extLst>
+              <a:ext uri="{28A0092B-C50C-407E-A947-70E740481C1C}">
+                <a14:useLocalDpi xmlns:a14="http://schemas.microsoft.com/office/drawing/2010/main" val="0"/>
+              </a:ext>
+            </a:extLst>
+          </a:blip>
+          <a:srcRect/>
+          <a:stretch>
+            <a:fillRect/>
+          </a:stretch>
+        </p:blipFill>
+        <p:spPr bwMode="auto">
+          <a:xfrm>
+            <a:off x="9670288" y="1381012"/>
+            <a:ext cx="1224004" cy="612002"/>
+          </a:xfrm>
+          <a:prstGeom prst="rect">
+            <a:avLst/>
+          </a:prstGeom>
+          <a:noFill/>
+          <a:ln>
+            <a:solidFill>
+              <a:schemeClr val="tx1"/>
+            </a:solidFill>
+          </a:ln>
+          <a:extLst>
+            <a:ext uri="{909E8E84-426E-40DD-AFC4-6F175D3DCCD1}">
+              <a14:hiddenFill xmlns:a14="http://schemas.microsoft.com/office/drawing/2010/main">
+                <a:solidFill>
+                  <a:srgbClr val="FFFFFF"/>
+                </a:solidFill>
+              </a14:hiddenFill>
+            </a:ext>
+          </a:extLst>
+        </p:spPr>
+      </p:pic>
+      <p:pic>
+        <p:nvPicPr>
+          <p:cNvPr id="1032" name="Picture 8" descr="Flag of Colombia">
+            <a:extLst>
+              <a:ext uri="{FF2B5EF4-FFF2-40B4-BE49-F238E27FC236}">
+                <a16:creationId xmlns:a16="http://schemas.microsoft.com/office/drawing/2014/main" id="{65EDDD3B-09A0-059E-C443-AE5D6C530B69}"/>
+              </a:ext>
+            </a:extLst>
+          </p:cNvPr>
+          <p:cNvPicPr>
+            <a:picLocks noChangeAspect="1" noChangeArrowheads="1"/>
+          </p:cNvPicPr>
+          <p:nvPr/>
+        </p:nvPicPr>
+        <p:blipFill>
+          <a:blip r:embed="rId17">
+            <a:extLst>
+              <a:ext uri="{28A0092B-C50C-407E-A947-70E740481C1C}">
+                <a14:useLocalDpi xmlns:a14="http://schemas.microsoft.com/office/drawing/2010/main" val="0"/>
+              </a:ext>
+            </a:extLst>
+          </a:blip>
+          <a:srcRect/>
+          <a:stretch>
+            <a:fillRect/>
+          </a:stretch>
+        </p:blipFill>
+        <p:spPr bwMode="auto">
+          <a:xfrm>
+            <a:off x="9976287" y="2128615"/>
+            <a:ext cx="918005" cy="612003"/>
+          </a:xfrm>
+          <a:prstGeom prst="rect">
+            <a:avLst/>
+          </a:prstGeom>
+          <a:noFill/>
+          <a:ln>
+            <a:solidFill>
+              <a:schemeClr val="tx1"/>
+            </a:solidFill>
+          </a:ln>
+          <a:extLst>
+            <a:ext uri="{909E8E84-426E-40DD-AFC4-6F175D3DCCD1}">
+              <a14:hiddenFill xmlns:a14="http://schemas.microsoft.com/office/drawing/2010/main">
+                <a:solidFill>
+                  <a:srgbClr val="FFFFFF"/>
+                </a:solidFill>
+              </a14:hiddenFill>
+            </a:ext>
+          </a:extLst>
+        </p:spPr>
+      </p:pic>
+      <p:pic>
+        <p:nvPicPr>
+          <p:cNvPr id="1034" name="Picture 10" descr="Flag of Jamaica">
+            <a:extLst>
+              <a:ext uri="{FF2B5EF4-FFF2-40B4-BE49-F238E27FC236}">
+                <a16:creationId xmlns:a16="http://schemas.microsoft.com/office/drawing/2014/main" id="{05A96E4E-06D6-3D24-0912-E8BC51248BD7}"/>
+              </a:ext>
+            </a:extLst>
+          </p:cNvPr>
+          <p:cNvPicPr>
+            <a:picLocks noChangeAspect="1" noChangeArrowheads="1"/>
+          </p:cNvPicPr>
+          <p:nvPr/>
+        </p:nvPicPr>
+        <p:blipFill>
+          <a:blip r:embed="rId18">
+            <a:extLst>
+              <a:ext uri="{28A0092B-C50C-407E-A947-70E740481C1C}">
+                <a14:useLocalDpi xmlns:a14="http://schemas.microsoft.com/office/drawing/2010/main" val="0"/>
+              </a:ext>
+            </a:extLst>
+          </a:blip>
+          <a:srcRect/>
+          <a:stretch>
+            <a:fillRect/>
+          </a:stretch>
+        </p:blipFill>
+        <p:spPr bwMode="auto">
+          <a:xfrm>
+            <a:off x="9670288" y="2870187"/>
+            <a:ext cx="1231130" cy="615565"/>
+          </a:xfrm>
+          <a:prstGeom prst="rect">
+            <a:avLst/>
+          </a:prstGeom>
+          <a:noFill/>
+          <a:ln>
+            <a:solidFill>
+              <a:schemeClr val="tx1"/>
+            </a:solidFill>
+          </a:ln>
+          <a:extLst>
+            <a:ext uri="{909E8E84-426E-40DD-AFC4-6F175D3DCCD1}">
+              <a14:hiddenFill xmlns:a14="http://schemas.microsoft.com/office/drawing/2010/main">
+                <a:solidFill>
+                  <a:srgbClr val="FFFFFF"/>
+                </a:solidFill>
+              </a14:hiddenFill>
+            </a:ext>
+          </a:extLst>
+        </p:spPr>
+      </p:pic>
+      <p:pic>
+        <p:nvPicPr>
+          <p:cNvPr id="21" name="Picture 12" descr="Australia - Wikipedia">
+            <a:extLst>
+              <a:ext uri="{FF2B5EF4-FFF2-40B4-BE49-F238E27FC236}">
+                <a16:creationId xmlns:a16="http://schemas.microsoft.com/office/drawing/2014/main" id="{E4E34AA4-F3D7-31B7-CE9B-980D0A2E751A}"/>
+              </a:ext>
+            </a:extLst>
+          </p:cNvPr>
+          <p:cNvPicPr>
+            <a:picLocks noChangeAspect="1" noChangeArrowheads="1"/>
+          </p:cNvPicPr>
+          <p:nvPr/>
+        </p:nvPicPr>
+        <p:blipFill>
+          <a:blip r:embed="rId19">
+            <a:extLst>
+              <a:ext uri="{28A0092B-C50C-407E-A947-70E740481C1C}">
+                <a14:useLocalDpi xmlns:a14="http://schemas.microsoft.com/office/drawing/2010/main" val="0"/>
+              </a:ext>
+            </a:extLst>
+          </a:blip>
+          <a:srcRect/>
+          <a:stretch>
+            <a:fillRect/>
+          </a:stretch>
+        </p:blipFill>
+        <p:spPr bwMode="auto">
+          <a:xfrm>
+            <a:off x="9677419" y="3615321"/>
+            <a:ext cx="1223999" cy="612000"/>
+          </a:xfrm>
+          <a:prstGeom prst="rect">
+            <a:avLst/>
+          </a:prstGeom>
+          <a:noFill/>
+          <a:ln>
+            <a:solidFill>
+              <a:schemeClr val="tx1"/>
+            </a:solidFill>
+          </a:ln>
+          <a:extLst>
+            <a:ext uri="{909E8E84-426E-40DD-AFC4-6F175D3DCCD1}">
+              <a14:hiddenFill xmlns:a14="http://schemas.microsoft.com/office/drawing/2010/main">
+                <a:solidFill>
+                  <a:srgbClr val="FFFFFF"/>
+                </a:solidFill>
+              </a14:hiddenFill>
+            </a:ext>
+          </a:extLst>
+        </p:spPr>
+      </p:pic>
+      <p:pic>
+        <p:nvPicPr>
+          <p:cNvPr id="22" name="Picture 12">
+            <a:extLst>
+              <a:ext uri="{FF2B5EF4-FFF2-40B4-BE49-F238E27FC236}">
+                <a16:creationId xmlns:a16="http://schemas.microsoft.com/office/drawing/2014/main" id="{BF6F79F9-FEB1-D804-B90C-EAEF8FC4C029}"/>
+              </a:ext>
+            </a:extLst>
+          </p:cNvPr>
+          <p:cNvPicPr>
+            <a:picLocks noChangeAspect="1" noChangeArrowheads="1"/>
+          </p:cNvPicPr>
+          <p:nvPr/>
+        </p:nvPicPr>
+        <p:blipFill>
+          <a:blip r:embed="rId20">
+            <a:extLst>
+              <a:ext uri="{28A0092B-C50C-407E-A947-70E740481C1C}">
+                <a14:useLocalDpi xmlns:a14="http://schemas.microsoft.com/office/drawing/2010/main" val="0"/>
+              </a:ext>
+            </a:extLst>
+          </a:blip>
+          <a:srcRect/>
+          <a:stretch>
+            <a:fillRect/>
+          </a:stretch>
+        </p:blipFill>
+        <p:spPr bwMode="auto">
+          <a:xfrm>
+            <a:off x="1316961" y="2934391"/>
+            <a:ext cx="923925" cy="615565"/>
+          </a:xfrm>
+          <a:prstGeom prst="rect">
+            <a:avLst/>
+          </a:prstGeom>
+          <a:noFill/>
+          <a:ln>
+            <a:solidFill>
+              <a:schemeClr val="tx1"/>
+            </a:solidFill>
+          </a:ln>
+          <a:extLst>
+            <a:ext uri="{909E8E84-426E-40DD-AFC4-6F175D3DCCD1}">
+              <a14:hiddenFill xmlns:a14="http://schemas.microsoft.com/office/drawing/2010/main">
+                <a:solidFill>
+                  <a:srgbClr val="FFFFFF"/>
+                </a:solidFill>
+              </a14:hiddenFill>
+            </a:ext>
+          </a:extLst>
+        </p:spPr>
+      </p:pic>
+      <p:pic>
+        <p:nvPicPr>
+          <p:cNvPr id="23" name="Picture 14">
+            <a:extLst>
+              <a:ext uri="{FF2B5EF4-FFF2-40B4-BE49-F238E27FC236}">
+                <a16:creationId xmlns:a16="http://schemas.microsoft.com/office/drawing/2014/main" id="{0CDAF0EB-E8E2-4AF2-BBF1-4B7C41FBD0DF}"/>
+              </a:ext>
+            </a:extLst>
+          </p:cNvPr>
+          <p:cNvPicPr>
+            <a:picLocks noChangeAspect="1" noChangeArrowheads="1"/>
+          </p:cNvPicPr>
+          <p:nvPr/>
+        </p:nvPicPr>
+        <p:blipFill>
+          <a:blip r:embed="rId21">
+            <a:extLst>
+              <a:ext uri="{28A0092B-C50C-407E-A947-70E740481C1C}">
+                <a14:useLocalDpi xmlns:a14="http://schemas.microsoft.com/office/drawing/2010/main" val="0"/>
+              </a:ext>
+            </a:extLst>
+          </a:blip>
+          <a:srcRect/>
+          <a:stretch>
+            <a:fillRect/>
+          </a:stretch>
+        </p:blipFill>
+        <p:spPr bwMode="auto">
+          <a:xfrm>
+            <a:off x="9972408" y="5877861"/>
+            <a:ext cx="923925" cy="615565"/>
+          </a:xfrm>
+          <a:prstGeom prst="rect">
+            <a:avLst/>
+          </a:prstGeom>
+          <a:noFill/>
+          <a:ln>
+            <a:solidFill>
+              <a:schemeClr val="tx1"/>
+            </a:solidFill>
+          </a:ln>
+          <a:extLst>
+            <a:ext uri="{909E8E84-426E-40DD-AFC4-6F175D3DCCD1}">
+              <a14:hiddenFill xmlns:a14="http://schemas.microsoft.com/office/drawing/2010/main">
+                <a:solidFill>
+                  <a:srgbClr val="FFFFFF"/>
+                </a:solidFill>
+              </a14:hiddenFill>
+            </a:ext>
+          </a:extLst>
+        </p:spPr>
+      </p:pic>
+    </p:spTree>
+    <p:extLst>
+      <p:ext uri="{BB962C8B-B14F-4D97-AF65-F5344CB8AC3E}">
+        <p14:creationId xmlns:p14="http://schemas.microsoft.com/office/powerpoint/2010/main" val="239343094"/>
+      </p:ext>
+    </p:extLst>
+  </p:cSld>
+  <p:clrMapOvr>
+    <a:masterClrMapping/>
+  </p:clrMapOvr>
+</p:sld>
+</file>
+
+<file path=ppt/slides/slide5.xml><?xml version="1.0" encoding="utf-8"?>
+<p:sld xmlns:a="http://schemas.openxmlformats.org/drawingml/2006/main" xmlns:r="http://schemas.openxmlformats.org/officeDocument/2006/relationships" xmlns:p="http://schemas.openxmlformats.org/presentationml/2006/main">
+  <p:cSld>
+    <p:spTree>
+      <p:nvGrpSpPr>
+        <p:cNvPr id="1" name=""/>
+        <p:cNvGrpSpPr/>
+        <p:nvPr/>
+      </p:nvGrpSpPr>
+      <p:grpSpPr>
+        <a:xfrm>
+          <a:off x="0" y="0"/>
+          <a:ext cx="0" cy="0"/>
+          <a:chOff x="0" y="0"/>
+          <a:chExt cx="0" cy="0"/>
+        </a:xfrm>
+      </p:grpSpPr>
+      <p:grpSp>
+        <p:nvGrpSpPr>
+          <p:cNvPr id="11" name="Group 10">
+            <a:extLst>
+              <a:ext uri="{FF2B5EF4-FFF2-40B4-BE49-F238E27FC236}">
+                <a16:creationId xmlns:a16="http://schemas.microsoft.com/office/drawing/2014/main" id="{3E9BB590-F211-B7DE-3D78-291DA751E3FF}"/>
+              </a:ext>
+            </a:extLst>
+          </p:cNvPr>
+          <p:cNvGrpSpPr/>
+          <p:nvPr/>
+        </p:nvGrpSpPr>
+        <p:grpSpPr>
+          <a:xfrm>
+            <a:off x="1205345" y="73888"/>
+            <a:ext cx="9781309" cy="6724650"/>
+            <a:chOff x="1205345" y="73888"/>
+            <a:chExt cx="9781309" cy="6724650"/>
+          </a:xfrm>
+        </p:grpSpPr>
+        <p:pic>
+          <p:nvPicPr>
+            <p:cNvPr id="5" name="Picture 4" descr="A white blank with blue and white text&#10;&#10;Description automatically generated">
+              <a:extLst>
+                <a:ext uri="{FF2B5EF4-FFF2-40B4-BE49-F238E27FC236}">
+                  <a16:creationId xmlns:a16="http://schemas.microsoft.com/office/drawing/2014/main" id="{CE0008D6-BCBD-3250-B750-172C5B903791}"/>
+                </a:ext>
+              </a:extLst>
+            </p:cNvPr>
+            <p:cNvPicPr>
+              <a:picLocks noChangeAspect="1"/>
+            </p:cNvPicPr>
+            <p:nvPr/>
+          </p:nvPicPr>
+          <p:blipFill>
+            <a:blip r:embed="rId2">
+              <a:extLst>
+                <a:ext uri="{BEBA8EAE-BF5A-486C-A8C5-ECC9F3942E4B}">
+                  <a14:imgProps xmlns:a14="http://schemas.microsoft.com/office/drawing/2010/main">
+                    <a14:imgLayer r:embed="rId3">
+                      <a14:imgEffect>
+                        <a14:sharpenSoften amount="50000"/>
+                      </a14:imgEffect>
+                    </a14:imgLayer>
+                  </a14:imgProps>
+                </a:ext>
+                <a:ext uri="{28A0092B-C50C-407E-A947-70E740481C1C}">
+                  <a14:useLocalDpi xmlns:a14="http://schemas.microsoft.com/office/drawing/2010/main" val="0"/>
+                </a:ext>
+              </a:extLst>
+            </a:blip>
+            <a:stretch>
+              <a:fillRect/>
+            </a:stretch>
+          </p:blipFill>
+          <p:spPr>
+            <a:xfrm>
+              <a:off x="1205345" y="73888"/>
+              <a:ext cx="9781309" cy="6724650"/>
+            </a:xfrm>
+            <a:prstGeom prst="rect">
+              <a:avLst/>
+            </a:prstGeom>
+          </p:spPr>
+        </p:pic>
+        <p:sp>
+          <p:nvSpPr>
+            <p:cNvPr id="6" name="Rectangle 5">
+              <a:extLst>
+                <a:ext uri="{FF2B5EF4-FFF2-40B4-BE49-F238E27FC236}">
+                  <a16:creationId xmlns:a16="http://schemas.microsoft.com/office/drawing/2014/main" id="{D09FDF60-38F0-F993-E65C-0F82D340D17D}"/>
+                </a:ext>
+              </a:extLst>
+            </p:cNvPr>
+            <p:cNvSpPr/>
+            <p:nvPr/>
+          </p:nvSpPr>
+          <p:spPr>
+            <a:xfrm>
+              <a:off x="1332854" y="154983"/>
+              <a:ext cx="9523709" cy="340963"/>
+            </a:xfrm>
+            <a:prstGeom prst="rect">
+              <a:avLst/>
+            </a:prstGeom>
+          </p:spPr>
+          <p:style>
+            <a:lnRef idx="2">
+              <a:schemeClr val="dk1">
+                <a:shade val="15000"/>
+              </a:schemeClr>
+            </a:lnRef>
+            <a:fillRef idx="1">
+              <a:schemeClr val="dk1"/>
+            </a:fillRef>
+            <a:effectRef idx="0">
+              <a:schemeClr val="dk1"/>
+            </a:effectRef>
+            <a:fontRef idx="minor">
+              <a:schemeClr val="lt1"/>
+            </a:fontRef>
+          </p:style>
+          <p:txBody>
+            <a:bodyPr rtlCol="0" anchor="ctr"/>
+            <a:lstStyle/>
+            <a:p>
+              <a:pPr algn="ctr"/>
+              <a:r>
+                <a:rPr lang="en-IN" sz="1050" b="1" dirty="0">
+                  <a:latin typeface="Grandview" panose="020B0502040204020203" pitchFamily="34" charset="0"/>
+                </a:rPr>
+                <a:t>      ROUND OF 16               QUARTERFINAL               SEMIFINAL                                             </a:t>
+              </a:r>
+              <a:r>
+                <a:rPr lang="en-IN" sz="1050" b="1" dirty="0" err="1">
+                  <a:latin typeface="Grandview" panose="020B0502040204020203" pitchFamily="34" charset="0"/>
+                </a:rPr>
+                <a:t>SEMIFINAL</a:t>
+              </a:r>
+              <a:r>
+                <a:rPr lang="en-IN" sz="1050" b="1" dirty="0">
+                  <a:latin typeface="Grandview" panose="020B0502040204020203" pitchFamily="34" charset="0"/>
+                </a:rPr>
+                <a:t>               QUARTERFINAL               ROUND OF 16 	</a:t>
+              </a:r>
+            </a:p>
+          </p:txBody>
+        </p:sp>
+        <p:sp>
+          <p:nvSpPr>
+            <p:cNvPr id="7" name="Rectangle 6">
+              <a:extLst>
+                <a:ext uri="{FF2B5EF4-FFF2-40B4-BE49-F238E27FC236}">
+                  <a16:creationId xmlns:a16="http://schemas.microsoft.com/office/drawing/2014/main" id="{AEEE539D-0E0D-7C87-68FC-F1EA0560D455}"/>
+                </a:ext>
+              </a:extLst>
+            </p:cNvPr>
+            <p:cNvSpPr/>
+            <p:nvPr/>
+          </p:nvSpPr>
+          <p:spPr>
+            <a:xfrm>
+              <a:off x="4719234" y="790414"/>
+              <a:ext cx="2712203" cy="805911"/>
+            </a:xfrm>
+            <a:prstGeom prst="rect">
+              <a:avLst/>
+            </a:prstGeom>
+            <a:solidFill>
+              <a:schemeClr val="bg1"/>
+            </a:solidFill>
+            <a:ln>
+              <a:solidFill>
+                <a:schemeClr val="bg1"/>
+              </a:solidFill>
+            </a:ln>
+          </p:spPr>
+          <p:style>
+            <a:lnRef idx="2">
+              <a:schemeClr val="accent1">
+                <a:shade val="15000"/>
+              </a:schemeClr>
+            </a:lnRef>
+            <a:fillRef idx="1">
+              <a:schemeClr val="accent1"/>
+            </a:fillRef>
+            <a:effectRef idx="0">
+              <a:schemeClr val="accent1"/>
+            </a:effectRef>
+            <a:fontRef idx="minor">
+              <a:schemeClr val="lt1"/>
+            </a:fontRef>
+          </p:style>
+          <p:txBody>
+            <a:bodyPr rtlCol="0" anchor="ctr"/>
+            <a:lstStyle/>
+            <a:p>
+              <a:pPr algn="ctr"/>
+              <a:endParaRPr lang="en-IN"/>
+            </a:p>
+          </p:txBody>
+        </p:sp>
+        <p:sp>
+          <p:nvSpPr>
+            <p:cNvPr id="8" name="Rectangle 7">
+              <a:extLst>
+                <a:ext uri="{FF2B5EF4-FFF2-40B4-BE49-F238E27FC236}">
+                  <a16:creationId xmlns:a16="http://schemas.microsoft.com/office/drawing/2014/main" id="{E2FA5DA1-CA1A-3D72-E16A-4108C7BB9BCF}"/>
+                </a:ext>
+              </a:extLst>
+            </p:cNvPr>
+            <p:cNvSpPr/>
+            <p:nvPr/>
+          </p:nvSpPr>
+          <p:spPr>
+            <a:xfrm rot="5400000">
+              <a:off x="5115731" y="4984064"/>
+              <a:ext cx="1919206" cy="805911"/>
+            </a:xfrm>
+            <a:prstGeom prst="rect">
+              <a:avLst/>
+            </a:prstGeom>
+            <a:solidFill>
+              <a:schemeClr val="bg1"/>
+            </a:solidFill>
+            <a:ln>
+              <a:solidFill>
+                <a:schemeClr val="bg1"/>
+              </a:solidFill>
+            </a:ln>
+          </p:spPr>
+          <p:style>
+            <a:lnRef idx="2">
+              <a:schemeClr val="accent1">
+                <a:shade val="15000"/>
+              </a:schemeClr>
+            </a:lnRef>
+            <a:fillRef idx="1">
+              <a:schemeClr val="accent1"/>
+            </a:fillRef>
+            <a:effectRef idx="0">
+              <a:schemeClr val="accent1"/>
+            </a:effectRef>
+            <a:fontRef idx="minor">
+              <a:schemeClr val="lt1"/>
+            </a:fontRef>
+          </p:style>
+          <p:txBody>
+            <a:bodyPr rtlCol="0" anchor="ctr"/>
+            <a:lstStyle/>
+            <a:p>
+              <a:pPr algn="ctr"/>
+              <a:endParaRPr lang="en-IN" dirty="0"/>
+            </a:p>
+          </p:txBody>
+        </p:sp>
+        <p:sp>
+          <p:nvSpPr>
+            <p:cNvPr id="9" name="Rectangle 8">
+              <a:extLst>
+                <a:ext uri="{FF2B5EF4-FFF2-40B4-BE49-F238E27FC236}">
+                  <a16:creationId xmlns:a16="http://schemas.microsoft.com/office/drawing/2014/main" id="{2B1F771E-E1A9-A6D7-323C-1BAF033AD7ED}"/>
+                </a:ext>
+              </a:extLst>
+            </p:cNvPr>
+            <p:cNvSpPr/>
+            <p:nvPr/>
+          </p:nvSpPr>
+          <p:spPr>
+            <a:xfrm>
+              <a:off x="4738606" y="5736906"/>
+              <a:ext cx="2712203" cy="805911"/>
+            </a:xfrm>
+            <a:prstGeom prst="rect">
+              <a:avLst/>
+            </a:prstGeom>
+            <a:solidFill>
+              <a:schemeClr val="bg1"/>
+            </a:solidFill>
+            <a:ln>
+              <a:solidFill>
+                <a:schemeClr val="bg1"/>
+              </a:solidFill>
+            </a:ln>
+          </p:spPr>
+          <p:style>
+            <a:lnRef idx="2">
+              <a:schemeClr val="accent1">
+                <a:shade val="15000"/>
+              </a:schemeClr>
+            </a:lnRef>
+            <a:fillRef idx="1">
+              <a:schemeClr val="accent1"/>
+            </a:fillRef>
+            <a:effectRef idx="0">
+              <a:schemeClr val="accent1"/>
+            </a:effectRef>
+            <a:fontRef idx="minor">
+              <a:schemeClr val="lt1"/>
+            </a:fontRef>
+          </p:style>
+          <p:txBody>
+            <a:bodyPr rtlCol="0" anchor="ctr"/>
+            <a:lstStyle/>
+            <a:p>
+              <a:pPr algn="ctr"/>
+              <a:endParaRPr lang="en-IN"/>
+            </a:p>
+          </p:txBody>
+        </p:sp>
+        <p:sp>
+          <p:nvSpPr>
+            <p:cNvPr id="10" name="Rectangle 9">
+              <a:extLst>
+                <a:ext uri="{FF2B5EF4-FFF2-40B4-BE49-F238E27FC236}">
+                  <a16:creationId xmlns:a16="http://schemas.microsoft.com/office/drawing/2014/main" id="{395CD424-46E1-557E-B9A2-212A75E4DD6B}"/>
+                </a:ext>
+              </a:extLst>
+            </p:cNvPr>
+            <p:cNvSpPr/>
+            <p:nvPr/>
+          </p:nvSpPr>
+          <p:spPr>
+            <a:xfrm>
+              <a:off x="5594886" y="2430584"/>
+              <a:ext cx="999641" cy="340963"/>
+            </a:xfrm>
+            <a:prstGeom prst="rect">
+              <a:avLst/>
+            </a:prstGeom>
+          </p:spPr>
+          <p:style>
+            <a:lnRef idx="2">
+              <a:schemeClr val="dk1">
+                <a:shade val="15000"/>
+              </a:schemeClr>
+            </a:lnRef>
+            <a:fillRef idx="1">
+              <a:schemeClr val="dk1"/>
+            </a:fillRef>
+            <a:effectRef idx="0">
+              <a:schemeClr val="dk1"/>
+            </a:effectRef>
+            <a:fontRef idx="minor">
+              <a:schemeClr val="lt1"/>
+            </a:fontRef>
+          </p:style>
+          <p:txBody>
+            <a:bodyPr rtlCol="0" anchor="ctr"/>
+            <a:lstStyle/>
+            <a:p>
+              <a:pPr algn="ctr"/>
+              <a:r>
+                <a:rPr lang="en-IN" sz="1400" b="1" dirty="0">
+                  <a:latin typeface="Grandview" panose="020B0502040204020203" pitchFamily="34" charset="0"/>
+                </a:rPr>
+                <a:t>FINAL</a:t>
+              </a:r>
+            </a:p>
+          </p:txBody>
+        </p:sp>
+      </p:grpSp>
+      <p:pic>
+        <p:nvPicPr>
+          <p:cNvPr id="1026" name="Picture 2" descr="2023 FIFA Women's World Cup - Wikipedia">
+            <a:extLst>
+              <a:ext uri="{FF2B5EF4-FFF2-40B4-BE49-F238E27FC236}">
+                <a16:creationId xmlns:a16="http://schemas.microsoft.com/office/drawing/2014/main" id="{28D16A78-E773-EF40-4939-0B8723694EB2}"/>
+              </a:ext>
+            </a:extLst>
+          </p:cNvPr>
+          <p:cNvPicPr>
+            <a:picLocks noChangeAspect="1" noChangeArrowheads="1"/>
+          </p:cNvPicPr>
+          <p:nvPr/>
+        </p:nvPicPr>
+        <p:blipFill>
+          <a:blip r:embed="rId4">
+            <a:extLst>
+              <a:ext uri="{28A0092B-C50C-407E-A947-70E740481C1C}">
+                <a14:useLocalDpi xmlns:a14="http://schemas.microsoft.com/office/drawing/2010/main" val="0"/>
+              </a:ext>
+            </a:extLst>
+          </a:blip>
+          <a:srcRect/>
+          <a:stretch>
+            <a:fillRect/>
+          </a:stretch>
+        </p:blipFill>
+        <p:spPr bwMode="auto">
+          <a:xfrm>
+            <a:off x="5532768" y="542257"/>
+            <a:ext cx="1126464" cy="1846802"/>
+          </a:xfrm>
+          <a:prstGeom prst="rect">
+            <a:avLst/>
+          </a:prstGeom>
+          <a:noFill/>
+          <a:extLst>
+            <a:ext uri="{909E8E84-426E-40DD-AFC4-6F175D3DCCD1}">
+              <a14:hiddenFill xmlns:a14="http://schemas.microsoft.com/office/drawing/2010/main">
+                <a:solidFill>
+                  <a:srgbClr val="FFFFFF"/>
+                </a:solidFill>
+              </a14:hiddenFill>
+            </a:ext>
+          </a:extLst>
+        </p:spPr>
+      </p:pic>
+      <p:pic>
+        <p:nvPicPr>
+          <p:cNvPr id="2" name="Picture 1">
+            <a:extLst>
+              <a:ext uri="{FF2B5EF4-FFF2-40B4-BE49-F238E27FC236}">
+                <a16:creationId xmlns:a16="http://schemas.microsoft.com/office/drawing/2014/main" id="{2D6D159D-54BA-F955-08BE-85DC0B341BC1}"/>
+              </a:ext>
+            </a:extLst>
+          </p:cNvPr>
+          <p:cNvPicPr>
+            <a:picLocks noChangeAspect="1"/>
+          </p:cNvPicPr>
+          <p:nvPr/>
+        </p:nvPicPr>
+        <p:blipFill>
+          <a:blip r:embed="rId5"/>
+          <a:stretch>
+            <a:fillRect/>
+          </a:stretch>
+        </p:blipFill>
+        <p:spPr>
+          <a:xfrm>
+            <a:off x="3047736" y="1714351"/>
+            <a:ext cx="6096528" cy="3429297"/>
+          </a:xfrm>
+          <a:prstGeom prst="rect">
+            <a:avLst/>
+          </a:prstGeom>
+        </p:spPr>
+      </p:pic>
+      <p:pic>
+        <p:nvPicPr>
+          <p:cNvPr id="3" name="Picture 2">
+            <a:extLst>
+              <a:ext uri="{FF2B5EF4-FFF2-40B4-BE49-F238E27FC236}">
+                <a16:creationId xmlns:a16="http://schemas.microsoft.com/office/drawing/2014/main" id="{92AEC22B-51E6-D0C0-626F-971DE2F37A2D}"/>
+              </a:ext>
+            </a:extLst>
+          </p:cNvPr>
+          <p:cNvPicPr>
+            <a:picLocks noChangeAspect="1"/>
+          </p:cNvPicPr>
+          <p:nvPr/>
+        </p:nvPicPr>
+        <p:blipFill>
+          <a:blip r:embed="rId6"/>
+          <a:stretch>
+            <a:fillRect/>
+          </a:stretch>
+        </p:blipFill>
+        <p:spPr>
+          <a:xfrm>
+            <a:off x="3200136" y="1866751"/>
+            <a:ext cx="6096528" cy="3429297"/>
+          </a:xfrm>
+          <a:prstGeom prst="rect">
+            <a:avLst/>
+          </a:prstGeom>
+        </p:spPr>
+      </p:pic>
+    </p:spTree>
+    <p:extLst>
+      <p:ext uri="{BB962C8B-B14F-4D97-AF65-F5344CB8AC3E}">
+        <p14:creationId xmlns:p14="http://schemas.microsoft.com/office/powerpoint/2010/main" val="2175164659"/>
       </p:ext>
     </p:extLst>
   </p:cSld>
